--- a/宣道詩/(宣道詩241) 我要往前打勝仗.pptx
+++ b/宣道詩/(宣道詩241) 我要往前打勝仗.pptx
@@ -5,20 +5,41 @@
     <p:sldMasterId id="2147483660" r:id="rId1"/>
   </p:sldMasterIdLst>
   <p:notesMasterIdLst>
-    <p:notesMasterId r:id="rId10"/>
+    <p:notesMasterId r:id="rId31"/>
   </p:notesMasterIdLst>
   <p:handoutMasterIdLst>
-    <p:handoutMasterId r:id="rId11"/>
+    <p:handoutMasterId r:id="rId32"/>
   </p:handoutMasterIdLst>
   <p:sldIdLst>
-    <p:sldId id="1616" r:id="rId2"/>
-    <p:sldId id="1617" r:id="rId3"/>
-    <p:sldId id="1618" r:id="rId4"/>
-    <p:sldId id="1619" r:id="rId5"/>
-    <p:sldId id="1620" r:id="rId6"/>
-    <p:sldId id="1621" r:id="rId7"/>
-    <p:sldId id="1622" r:id="rId8"/>
-    <p:sldId id="1623" r:id="rId9"/>
+    <p:sldId id="1624" r:id="rId2"/>
+    <p:sldId id="1625" r:id="rId3"/>
+    <p:sldId id="1626" r:id="rId4"/>
+    <p:sldId id="1627" r:id="rId5"/>
+    <p:sldId id="1628" r:id="rId6"/>
+    <p:sldId id="1629" r:id="rId7"/>
+    <p:sldId id="1630" r:id="rId8"/>
+    <p:sldId id="1631" r:id="rId9"/>
+    <p:sldId id="1632" r:id="rId10"/>
+    <p:sldId id="1633" r:id="rId11"/>
+    <p:sldId id="1634" r:id="rId12"/>
+    <p:sldId id="1635" r:id="rId13"/>
+    <p:sldId id="1636" r:id="rId14"/>
+    <p:sldId id="1637" r:id="rId15"/>
+    <p:sldId id="1638" r:id="rId16"/>
+    <p:sldId id="1639" r:id="rId17"/>
+    <p:sldId id="1640" r:id="rId18"/>
+    <p:sldId id="1641" r:id="rId19"/>
+    <p:sldId id="1642" r:id="rId20"/>
+    <p:sldId id="1643" r:id="rId21"/>
+    <p:sldId id="1644" r:id="rId22"/>
+    <p:sldId id="1645" r:id="rId23"/>
+    <p:sldId id="1646" r:id="rId24"/>
+    <p:sldId id="1647" r:id="rId25"/>
+    <p:sldId id="1648" r:id="rId26"/>
+    <p:sldId id="1649" r:id="rId27"/>
+    <p:sldId id="1650" r:id="rId28"/>
+    <p:sldId id="1651" r:id="rId29"/>
+    <p:sldId id="1652" r:id="rId30"/>
   </p:sldIdLst>
   <p:sldSz cx="12192000" cy="6858000"/>
   <p:notesSz cx="6858000" cy="9144000"/>
@@ -149,7 +170,7 @@
   </p:defaultTextStyle>
   <p:extLst>
     <p:ext uri="{EFAFB233-063F-42B5-8137-9DF3F51BA10A}">
-      <p15:sldGuideLst xmlns:p15="http://schemas.microsoft.com/office/powerpoint/2012/main">
+      <p15:sldGuideLst xmlns:p15="http://schemas.microsoft.com/office/powerpoint/2012/main" xmlns="">
         <p15:guide id="1" orient="horz" pos="2305" userDrawn="1">
           <p15:clr>
             <a:srgbClr val="A4A3A4"/>
@@ -310,6 +331,7 @@
           <a:p>
             <a:fld id="{50305E07-67EA-4042-A3F6-853A8AD8D209}" type="slidenum">
               <a:rPr lang="en-US" smtClean="0"/>
+              <a:pPr/>
               <a:t>‹#›</a:t>
             </a:fld>
             <a:endParaRPr lang="en-US"/>
@@ -561,6 +583,7 @@
           <a:p>
             <a:fld id="{789453B0-9DF3-4847-AF80-E61FDDFE7134}" type="slidenum">
               <a:rPr lang="zh-TW" altLang="en-US" smtClean="0"/>
+              <a:pPr/>
               <a:t>‹#›</a:t>
             </a:fld>
             <a:endParaRPr lang="zh-TW" altLang="en-US"/>
@@ -893,6 +916,9 @@
             </a:pPr>
             <a:fld id="{9B0C4BEA-116E-4A46-BBD1-DB16043DE460}" type="slidenum">
               <a:rPr lang="en-US" altLang="zh-TW" smtClean="0"/>
+              <a:pPr>
+                <a:defRPr/>
+              </a:pPr>
               <a:t>‹#›</a:t>
             </a:fld>
             <a:endParaRPr lang="en-US" altLang="zh-TW"/>
@@ -902,7 +928,7 @@
     </p:spTree>
     <p:extLst>
       <p:ext uri="{BB962C8B-B14F-4D97-AF65-F5344CB8AC3E}">
-        <p14:creationId xmlns:p14="http://schemas.microsoft.com/office/powerpoint/2010/main" val="2827615335"/>
+        <p14:creationId xmlns:p14="http://schemas.microsoft.com/office/powerpoint/2010/main" xmlns="" val="2827615335"/>
       </p:ext>
     </p:extLst>
   </p:cSld>
@@ -1068,6 +1094,9 @@
             </a:pPr>
             <a:fld id="{ACE7D3E4-89F3-4CED-A48A-023A05B8B9D6}" type="slidenum">
               <a:rPr lang="en-US" altLang="zh-TW" smtClean="0"/>
+              <a:pPr>
+                <a:defRPr/>
+              </a:pPr>
               <a:t>‹#›</a:t>
             </a:fld>
             <a:endParaRPr lang="en-US" altLang="zh-TW"/>
@@ -1077,7 +1106,7 @@
     </p:spTree>
     <p:extLst>
       <p:ext uri="{BB962C8B-B14F-4D97-AF65-F5344CB8AC3E}">
-        <p14:creationId xmlns:p14="http://schemas.microsoft.com/office/powerpoint/2010/main" val="1130934698"/>
+        <p14:creationId xmlns:p14="http://schemas.microsoft.com/office/powerpoint/2010/main" xmlns="" val="1130934698"/>
       </p:ext>
     </p:extLst>
   </p:cSld>
@@ -1253,6 +1282,9 @@
             </a:pPr>
             <a:fld id="{E03267DE-EE7E-471A-A40B-FAAFF4920C61}" type="slidenum">
               <a:rPr lang="en-US" altLang="zh-TW" smtClean="0"/>
+              <a:pPr>
+                <a:defRPr/>
+              </a:pPr>
               <a:t>‹#›</a:t>
             </a:fld>
             <a:endParaRPr lang="en-US" altLang="zh-TW"/>
@@ -1262,7 +1294,7 @@
     </p:spTree>
     <p:extLst>
       <p:ext uri="{BB962C8B-B14F-4D97-AF65-F5344CB8AC3E}">
-        <p14:creationId xmlns:p14="http://schemas.microsoft.com/office/powerpoint/2010/main" val="370866368"/>
+        <p14:creationId xmlns:p14="http://schemas.microsoft.com/office/powerpoint/2010/main" xmlns="" val="370866368"/>
       </p:ext>
     </p:extLst>
   </p:cSld>
@@ -1428,6 +1460,9 @@
             </a:pPr>
             <a:fld id="{8B1D29A9-78CF-43D9-96E6-EC61B25CAC04}" type="slidenum">
               <a:rPr lang="en-US" altLang="zh-TW" smtClean="0"/>
+              <a:pPr>
+                <a:defRPr/>
+              </a:pPr>
               <a:t>‹#›</a:t>
             </a:fld>
             <a:endParaRPr lang="en-US" altLang="zh-TW"/>
@@ -1437,7 +1472,7 @@
     </p:spTree>
     <p:extLst>
       <p:ext uri="{BB962C8B-B14F-4D97-AF65-F5344CB8AC3E}">
-        <p14:creationId xmlns:p14="http://schemas.microsoft.com/office/powerpoint/2010/main" val="1828987631"/>
+        <p14:creationId xmlns:p14="http://schemas.microsoft.com/office/powerpoint/2010/main" xmlns="" val="1828987631"/>
       </p:ext>
     </p:extLst>
   </p:cSld>
@@ -1679,6 +1714,9 @@
             </a:pPr>
             <a:fld id="{F8642490-7E29-4483-9A31-EFF80A070D56}" type="slidenum">
               <a:rPr lang="en-US" altLang="zh-TW" smtClean="0"/>
+              <a:pPr>
+                <a:defRPr/>
+              </a:pPr>
               <a:t>‹#›</a:t>
             </a:fld>
             <a:endParaRPr lang="en-US" altLang="zh-TW"/>
@@ -1688,7 +1726,7 @@
     </p:spTree>
     <p:extLst>
       <p:ext uri="{BB962C8B-B14F-4D97-AF65-F5344CB8AC3E}">
-        <p14:creationId xmlns:p14="http://schemas.microsoft.com/office/powerpoint/2010/main" val="1146138605"/>
+        <p14:creationId xmlns:p14="http://schemas.microsoft.com/office/powerpoint/2010/main" xmlns="" val="1146138605"/>
       </p:ext>
     </p:extLst>
   </p:cSld>
@@ -1972,6 +2010,9 @@
             </a:pPr>
             <a:fld id="{BD66FBA3-C5B6-4ABE-B006-3071EDE08652}" type="slidenum">
               <a:rPr lang="en-US" altLang="zh-TW" smtClean="0"/>
+              <a:pPr>
+                <a:defRPr/>
+              </a:pPr>
               <a:t>‹#›</a:t>
             </a:fld>
             <a:endParaRPr lang="en-US" altLang="zh-TW"/>
@@ -1981,7 +2022,7 @@
     </p:spTree>
     <p:extLst>
       <p:ext uri="{BB962C8B-B14F-4D97-AF65-F5344CB8AC3E}">
-        <p14:creationId xmlns:p14="http://schemas.microsoft.com/office/powerpoint/2010/main" val="2688976936"/>
+        <p14:creationId xmlns:p14="http://schemas.microsoft.com/office/powerpoint/2010/main" xmlns="" val="2688976936"/>
       </p:ext>
     </p:extLst>
   </p:cSld>
@@ -2399,6 +2440,9 @@
             </a:pPr>
             <a:fld id="{EAD6F40A-D4BD-4CFE-9F04-3E5B79AD6394}" type="slidenum">
               <a:rPr lang="en-US" altLang="zh-TW" smtClean="0"/>
+              <a:pPr>
+                <a:defRPr/>
+              </a:pPr>
               <a:t>‹#›</a:t>
             </a:fld>
             <a:endParaRPr lang="en-US" altLang="zh-TW"/>
@@ -2408,7 +2452,7 @@
     </p:spTree>
     <p:extLst>
       <p:ext uri="{BB962C8B-B14F-4D97-AF65-F5344CB8AC3E}">
-        <p14:creationId xmlns:p14="http://schemas.microsoft.com/office/powerpoint/2010/main" val="1872756330"/>
+        <p14:creationId xmlns:p14="http://schemas.microsoft.com/office/powerpoint/2010/main" xmlns="" val="1872756330"/>
       </p:ext>
     </p:extLst>
   </p:cSld>
@@ -2522,6 +2566,9 @@
             </a:pPr>
             <a:fld id="{676EE02C-5D35-4378-8340-C70FEDA343E6}" type="slidenum">
               <a:rPr lang="en-US" altLang="zh-TW" smtClean="0"/>
+              <a:pPr>
+                <a:defRPr/>
+              </a:pPr>
               <a:t>‹#›</a:t>
             </a:fld>
             <a:endParaRPr lang="en-US" altLang="zh-TW"/>
@@ -2531,7 +2578,7 @@
     </p:spTree>
     <p:extLst>
       <p:ext uri="{BB962C8B-B14F-4D97-AF65-F5344CB8AC3E}">
-        <p14:creationId xmlns:p14="http://schemas.microsoft.com/office/powerpoint/2010/main" val="307107571"/>
+        <p14:creationId xmlns:p14="http://schemas.microsoft.com/office/powerpoint/2010/main" xmlns="" val="307107571"/>
       </p:ext>
     </p:extLst>
   </p:cSld>
@@ -2622,6 +2669,9 @@
             </a:pPr>
             <a:fld id="{EB50ADB6-12FA-47A2-8F8B-679B72FFE344}" type="slidenum">
               <a:rPr lang="en-US" altLang="zh-TW" smtClean="0"/>
+              <a:pPr>
+                <a:defRPr/>
+              </a:pPr>
               <a:t>‹#›</a:t>
             </a:fld>
             <a:endParaRPr lang="en-US" altLang="zh-TW"/>
@@ -2631,7 +2681,7 @@
     </p:spTree>
     <p:extLst>
       <p:ext uri="{BB962C8B-B14F-4D97-AF65-F5344CB8AC3E}">
-        <p14:creationId xmlns:p14="http://schemas.microsoft.com/office/powerpoint/2010/main" val="1915306188"/>
+        <p14:creationId xmlns:p14="http://schemas.microsoft.com/office/powerpoint/2010/main" xmlns="" val="1915306188"/>
       </p:ext>
     </p:extLst>
   </p:cSld>
@@ -2904,6 +2954,9 @@
             </a:pPr>
             <a:fld id="{6F0F8A50-B2C4-4226-B3AC-3C570B2B9CE0}" type="slidenum">
               <a:rPr lang="en-US" altLang="zh-TW" smtClean="0"/>
+              <a:pPr>
+                <a:defRPr/>
+              </a:pPr>
               <a:t>‹#›</a:t>
             </a:fld>
             <a:endParaRPr lang="en-US" altLang="zh-TW"/>
@@ -2913,7 +2966,7 @@
     </p:spTree>
     <p:extLst>
       <p:ext uri="{BB962C8B-B14F-4D97-AF65-F5344CB8AC3E}">
-        <p14:creationId xmlns:p14="http://schemas.microsoft.com/office/powerpoint/2010/main" val="1992750227"/>
+        <p14:creationId xmlns:p14="http://schemas.microsoft.com/office/powerpoint/2010/main" xmlns="" val="1992750227"/>
       </p:ext>
     </p:extLst>
   </p:cSld>
@@ -3166,6 +3219,9 @@
             </a:pPr>
             <a:fld id="{58F35931-D635-4C49-A97E-2F28EAA6FE94}" type="slidenum">
               <a:rPr lang="en-US" altLang="zh-TW" smtClean="0"/>
+              <a:pPr>
+                <a:defRPr/>
+              </a:pPr>
               <a:t>‹#›</a:t>
             </a:fld>
             <a:endParaRPr lang="en-US" altLang="zh-TW"/>
@@ -3175,7 +3231,7 @@
     </p:spTree>
     <p:extLst>
       <p:ext uri="{BB962C8B-B14F-4D97-AF65-F5344CB8AC3E}">
-        <p14:creationId xmlns:p14="http://schemas.microsoft.com/office/powerpoint/2010/main" val="2307004240"/>
+        <p14:creationId xmlns:p14="http://schemas.microsoft.com/office/powerpoint/2010/main" xmlns="" val="2307004240"/>
       </p:ext>
     </p:extLst>
   </p:cSld>
@@ -3425,6 +3481,9 @@
             </a:pPr>
             <a:fld id="{B24E0EF9-2ADF-4FFE-B22E-4DD3F4BA4B81}" type="slidenum">
               <a:rPr lang="en-US" altLang="zh-TW" smtClean="0"/>
+              <a:pPr>
+                <a:defRPr/>
+              </a:pPr>
               <a:t>‹#›</a:t>
             </a:fld>
             <a:endParaRPr lang="en-US" altLang="zh-TW"/>
@@ -3434,7 +3493,7 @@
     </p:spTree>
     <p:extLst>
       <p:ext uri="{BB962C8B-B14F-4D97-AF65-F5344CB8AC3E}">
-        <p14:creationId xmlns:p14="http://schemas.microsoft.com/office/powerpoint/2010/main" val="978900888"/>
+        <p14:creationId xmlns:p14="http://schemas.microsoft.com/office/powerpoint/2010/main" xmlns="" val="978900888"/>
       </p:ext>
     </p:extLst>
   </p:cSld>
@@ -3724,7 +3783,7 @@
       </p:grpSpPr>
       <p:sp>
         <p:nvSpPr>
-          <p:cNvPr id="4" name="Title 3"/>
+          <p:cNvPr id="4" name="標題 3"/>
           <p:cNvSpPr>
             <a:spLocks noGrp="1"/>
           </p:cNvSpPr>
@@ -3732,87 +3791,195 @@
             <p:ph type="title"/>
           </p:nvPr>
         </p:nvSpPr>
-        <p:spPr/>
-        <p:txBody>
-          <a:bodyPr>
-            <a:normAutofit/>
-          </a:bodyPr>
-          <a:lstStyle/>
-          <a:p>
-            <a:r>
-              <a:rPr lang="en-US" altLang="zh-TW" sz="4800" b="1" dirty="0">
-                <a:solidFill>
-                  <a:srgbClr val="660033"/>
-                </a:solidFill>
-                <a:latin typeface="Microsoft JhengHei" panose="020B0604030504040204" pitchFamily="34" charset="-120"/>
-                <a:ea typeface="Microsoft JhengHei" panose="020B0604030504040204" pitchFamily="34" charset="-120"/>
-              </a:rPr>
-              <a:t>【</a:t>
-            </a:r>
-            <a:r>
-              <a:rPr lang="zh-TW" altLang="en-US" sz="4800" b="1" dirty="0">
-                <a:solidFill>
-                  <a:srgbClr val="660033"/>
-                </a:solidFill>
-                <a:latin typeface="Microsoft JhengHei" panose="020B0604030504040204" pitchFamily="34" charset="-120"/>
-                <a:ea typeface="Microsoft JhengHei" panose="020B0604030504040204" pitchFamily="34" charset="-120"/>
-              </a:rPr>
-              <a:t>我要往前打勝仗</a:t>
-            </a:r>
-            <a:r>
-              <a:rPr lang="en-US" altLang="zh-TW" sz="4800" b="1" dirty="0">
-                <a:solidFill>
-                  <a:srgbClr val="660033"/>
-                </a:solidFill>
-                <a:latin typeface="Microsoft JhengHei" panose="020B0604030504040204" pitchFamily="34" charset="-120"/>
-                <a:ea typeface="Microsoft JhengHei" panose="020B0604030504040204" pitchFamily="34" charset="-120"/>
-              </a:rPr>
-              <a:t>】</a:t>
-            </a:r>
-          </a:p>
-        </p:txBody>
-      </p:sp>
-      <p:sp>
-        <p:nvSpPr>
-          <p:cNvPr id="5" name="Content Placeholder 4"/>
-          <p:cNvSpPr>
-            <a:spLocks noGrp="1"/>
-          </p:cNvSpPr>
-          <p:nvPr>
-            <p:ph idx="1"/>
-          </p:nvPr>
-        </p:nvSpPr>
-        <p:spPr/>
+        <p:spPr>
+          <a:xfrm>
+            <a:off x="0" y="2660915"/>
+            <a:ext cx="12192000" cy="1143000"/>
+          </a:xfrm>
+        </p:spPr>
         <p:txBody>
           <a:bodyPr>
             <a:noAutofit/>
           </a:bodyPr>
           <a:lstStyle/>
           <a:p>
+            <a:r>
+              <a:rPr lang="zh-CN" altLang="en-US" sz="5300" b="1" u="sng" dirty="0" smtClean="0">
+                <a:solidFill>
+                  <a:srgbClr val="000066"/>
+                </a:solidFill>
+                <a:effectLst>
+                  <a:outerShdw blurRad="38100" dist="38100" dir="2700000" algn="tl">
+                    <a:srgbClr val="000000">
+                      <a:alpha val="43137"/>
+                    </a:srgbClr>
+                  </a:outerShdw>
+                </a:effectLst>
+                <a:latin typeface="微軟正黑體" pitchFamily="34" charset="-120"/>
+                <a:ea typeface="微軟正黑體" pitchFamily="34" charset="-120"/>
+              </a:rPr>
+              <a:t>宣道詩 </a:t>
+            </a:r>
+            <a:r>
+              <a:rPr lang="en-US" altLang="zh-CN" sz="5300" b="1" u="sng" dirty="0" smtClean="0">
+                <a:solidFill>
+                  <a:srgbClr val="000066"/>
+                </a:solidFill>
+                <a:effectLst>
+                  <a:outerShdw blurRad="38100" dist="38100" dir="2700000" algn="tl">
+                    <a:srgbClr val="000000">
+                      <a:alpha val="43137"/>
+                    </a:srgbClr>
+                  </a:outerShdw>
+                </a:effectLst>
+                <a:latin typeface="微軟正黑體" pitchFamily="34" charset="-120"/>
+                <a:ea typeface="微軟正黑體" pitchFamily="34" charset="-120"/>
+              </a:rPr>
+              <a:t>241</a:t>
+            </a:r>
+            <a:r>
+              <a:rPr lang="en-US" altLang="zh-CN" sz="7200" b="1" i="1" dirty="0" smtClean="0">
+                <a:solidFill>
+                  <a:srgbClr val="660033"/>
+                </a:solidFill>
+                <a:effectLst>
+                  <a:outerShdw blurRad="38100" dist="38100" dir="2700000" algn="tl">
+                    <a:srgbClr val="000000">
+                      <a:alpha val="43137"/>
+                    </a:srgbClr>
+                  </a:outerShdw>
+                </a:effectLst>
+                <a:latin typeface="微軟正黑體" pitchFamily="34" charset="-120"/>
+                <a:ea typeface="微軟正黑體" pitchFamily="34" charset="-120"/>
+              </a:rPr>
+              <a:t/>
+            </a:r>
+            <a:br>
+              <a:rPr lang="en-US" altLang="zh-CN" sz="7200" b="1" i="1" dirty="0" smtClean="0">
+                <a:solidFill>
+                  <a:srgbClr val="660033"/>
+                </a:solidFill>
+                <a:effectLst>
+                  <a:outerShdw blurRad="38100" dist="38100" dir="2700000" algn="tl">
+                    <a:srgbClr val="000000">
+                      <a:alpha val="43137"/>
+                    </a:srgbClr>
+                  </a:outerShdw>
+                </a:effectLst>
+                <a:latin typeface="微軟正黑體" pitchFamily="34" charset="-120"/>
+                <a:ea typeface="微軟正黑體" pitchFamily="34" charset="-120"/>
+              </a:rPr>
+            </a:br>
+            <a:r>
+              <a:rPr lang="zh-TW" altLang="en-US" sz="8000" b="1" dirty="0" smtClean="0">
+                <a:solidFill>
+                  <a:srgbClr val="660033"/>
+                </a:solidFill>
+                <a:effectLst>
+                  <a:outerShdw blurRad="38100" dist="38100" dir="2700000" algn="tl">
+                    <a:srgbClr val="000000">
+                      <a:alpha val="43137"/>
+                    </a:srgbClr>
+                  </a:outerShdw>
+                </a:effectLst>
+                <a:latin typeface="微軟正黑體" pitchFamily="34" charset="-120"/>
+                <a:ea typeface="微軟正黑體" pitchFamily="34" charset="-120"/>
+              </a:rPr>
+              <a:t>我</a:t>
+            </a:r>
+            <a:r>
+              <a:rPr lang="zh-TW" altLang="en-US" sz="8000" b="1" dirty="0" smtClean="0">
+                <a:solidFill>
+                  <a:srgbClr val="660033"/>
+                </a:solidFill>
+                <a:effectLst>
+                  <a:outerShdw blurRad="38100" dist="38100" dir="2700000" algn="tl">
+                    <a:srgbClr val="000000">
+                      <a:alpha val="43137"/>
+                    </a:srgbClr>
+                  </a:outerShdw>
+                </a:effectLst>
+                <a:latin typeface="微軟正黑體" pitchFamily="34" charset="-120"/>
+                <a:ea typeface="微軟正黑體" pitchFamily="34" charset="-120"/>
+              </a:rPr>
+              <a:t>要往前打勝仗</a:t>
+            </a:r>
+          </a:p>
+        </p:txBody>
+      </p:sp>
+    </p:spTree>
+    <p:extLst>
+      <p:ext uri="{BB962C8B-B14F-4D97-AF65-F5344CB8AC3E}">
+        <p14:creationId xmlns:p14="http://schemas.microsoft.com/office/powerpoint/2010/main" xmlns="" val="3724263107"/>
+      </p:ext>
+    </p:extLst>
+  </p:cSld>
+  <p:clrMapOvr>
+    <a:masterClrMapping/>
+  </p:clrMapOvr>
+  <p:timing>
+    <p:tnLst>
+      <p:par>
+        <p:cTn id="1" dur="indefinite" restart="never" nodeType="tmRoot"/>
+      </p:par>
+    </p:tnLst>
+  </p:timing>
+</p:sld>
+</file>
+
+<file path=ppt/slides/slide10.xml><?xml version="1.0" encoding="utf-8"?>
+<p:sld xmlns:a="http://schemas.openxmlformats.org/drawingml/2006/main" xmlns:r="http://schemas.openxmlformats.org/officeDocument/2006/relationships" xmlns:p="http://schemas.openxmlformats.org/presentationml/2006/main">
+  <p:cSld>
+    <p:spTree>
+      <p:nvGrpSpPr>
+        <p:cNvPr id="1" name=""/>
+        <p:cNvGrpSpPr/>
+        <p:nvPr/>
+      </p:nvGrpSpPr>
+      <p:grpSpPr>
+        <a:xfrm>
+          <a:off x="0" y="0"/>
+          <a:ext cx="0" cy="0"/>
+          <a:chOff x="0" y="0"/>
+          <a:chExt cx="0" cy="0"/>
+        </a:xfrm>
+      </p:grpSpPr>
+      <p:sp>
+        <p:nvSpPr>
+          <p:cNvPr id="5" name="內容版面配置區 4"/>
+          <p:cNvSpPr>
+            <a:spLocks noGrp="1"/>
+          </p:cNvSpPr>
+          <p:nvPr>
+            <p:ph idx="1"/>
+          </p:nvPr>
+        </p:nvSpPr>
+        <p:spPr>
+          <a:xfrm>
+            <a:off x="0" y="2084851"/>
+            <a:ext cx="12192000" cy="2404863"/>
+          </a:xfrm>
+        </p:spPr>
+        <p:txBody>
+          <a:bodyPr anchor="ctr">
+            <a:normAutofit/>
+          </a:bodyPr>
+          <a:lstStyle/>
+          <a:p>
             <a:pPr marL="0" indent="0" algn="ctr">
               <a:buNone/>
             </a:pPr>
             <a:r>
-              <a:rPr lang="zh-TW" altLang="en-US" sz="5400" b="1" dirty="0">
+              <a:rPr lang="zh-TW" altLang="en-US" sz="6600" b="1" dirty="0" smtClean="0">
                 <a:solidFill>
                   <a:srgbClr val="660033"/>
                 </a:solidFill>
                 <a:latin typeface="Microsoft JhengHei" panose="020B0604030504040204" pitchFamily="34" charset="-120"/>
                 <a:ea typeface="Microsoft JhengHei" panose="020B0604030504040204" pitchFamily="34" charset="-120"/>
               </a:rPr>
-              <a:t>聖徒披上靈甲</a:t>
-            </a:r>
-            <a:r>
-              <a:rPr lang="zh-TW" altLang="en-US" sz="5400" b="1" dirty="0">
-                <a:solidFill>
-                  <a:srgbClr val="660033"/>
-                </a:solidFill>
-                <a:latin typeface="Microsoft JhengHei" panose="020B0604030504040204" pitchFamily="34" charset="-120"/>
-                <a:ea typeface="Microsoft JhengHei" panose="020B0604030504040204" pitchFamily="34" charset="-120"/>
-              </a:rPr>
-              <a:t>冑</a:t>
-            </a:r>
-            <a:endParaRPr lang="en-US" altLang="zh-TW" sz="5400" b="1" dirty="0">
+              <a:t>洲過洲  洋過洋</a:t>
+            </a:r>
+            <a:endParaRPr lang="en-US" altLang="zh-TW" sz="6600" b="1" dirty="0">
               <a:solidFill>
                 <a:srgbClr val="660033"/>
               </a:solidFill>
@@ -3820,81 +3987,155 @@
               <a:ea typeface="Microsoft JhengHei" panose="020B0604030504040204" pitchFamily="34" charset="-120"/>
             </a:endParaRPr>
           </a:p>
+        </p:txBody>
+      </p:sp>
+      <p:sp>
+        <p:nvSpPr>
+          <p:cNvPr id="3" name="TextBox 2"/>
+          <p:cNvSpPr txBox="1"/>
+          <p:nvPr/>
+        </p:nvSpPr>
+        <p:spPr>
+          <a:xfrm>
+            <a:off x="0" y="5061182"/>
+            <a:ext cx="12192000" cy="800215"/>
+          </a:xfrm>
+          <a:prstGeom prst="rect">
+            <a:avLst/>
+          </a:prstGeom>
+          <a:noFill/>
+        </p:spPr>
+        <p:txBody>
+          <a:bodyPr wrap="square" lIns="121917" tIns="60958" rIns="121917" bIns="60958" rtlCol="0">
+            <a:spAutoFit/>
+          </a:bodyPr>
+          <a:lstStyle/>
+          <a:p>
+            <a:pPr algn="ctr"/>
+            <a:r>
+              <a:rPr lang="en-US" sz="4400" b="1" dirty="0" smtClean="0">
+                <a:solidFill>
+                  <a:srgbClr val="660033"/>
+                </a:solidFill>
+                <a:latin typeface="+mn-lt"/>
+              </a:rPr>
+              <a:t>( </a:t>
+            </a:r>
+            <a:r>
+              <a:rPr lang="en-US" sz="4400" b="1" dirty="0" smtClean="0">
+                <a:solidFill>
+                  <a:srgbClr val="660033"/>
+                </a:solidFill>
+                <a:latin typeface="+mn-lt"/>
+              </a:rPr>
+              <a:t>2 / 4 </a:t>
+            </a:r>
+            <a:r>
+              <a:rPr lang="en-US" sz="4400" b="1" dirty="0" smtClean="0">
+                <a:solidFill>
+                  <a:srgbClr val="660033"/>
+                </a:solidFill>
+                <a:latin typeface="+mn-lt"/>
+              </a:rPr>
+              <a:t>)</a:t>
+            </a:r>
+            <a:endParaRPr lang="vi-VN" sz="4400" b="1" dirty="0">
+              <a:solidFill>
+                <a:srgbClr val="660033"/>
+              </a:solidFill>
+              <a:latin typeface="+mn-lt"/>
+            </a:endParaRPr>
+          </a:p>
+        </p:txBody>
+      </p:sp>
+    </p:spTree>
+    <p:extLst>
+      <p:ext uri="{BB962C8B-B14F-4D97-AF65-F5344CB8AC3E}">
+        <p14:creationId xmlns:p14="http://schemas.microsoft.com/office/powerpoint/2010/main" xmlns="" val="1407003638"/>
+      </p:ext>
+    </p:extLst>
+  </p:cSld>
+  <p:clrMapOvr>
+    <a:masterClrMapping/>
+  </p:clrMapOvr>
+  <p:timing>
+    <p:tnLst>
+      <p:par>
+        <p:cTn id="1" dur="indefinite" restart="never" nodeType="tmRoot"/>
+      </p:par>
+    </p:tnLst>
+  </p:timing>
+</p:sld>
+</file>
+
+<file path=ppt/slides/slide11.xml><?xml version="1.0" encoding="utf-8"?>
+<p:sld xmlns:a="http://schemas.openxmlformats.org/drawingml/2006/main" xmlns:r="http://schemas.openxmlformats.org/officeDocument/2006/relationships" xmlns:p="http://schemas.openxmlformats.org/presentationml/2006/main">
+  <p:cSld>
+    <p:spTree>
+      <p:nvGrpSpPr>
+        <p:cNvPr id="1" name=""/>
+        <p:cNvGrpSpPr/>
+        <p:nvPr/>
+      </p:nvGrpSpPr>
+      <p:grpSpPr>
+        <a:xfrm>
+          <a:off x="0" y="0"/>
+          <a:ext cx="0" cy="0"/>
+          <a:chOff x="0" y="0"/>
+          <a:chExt cx="0" cy="0"/>
+        </a:xfrm>
+      </p:grpSpPr>
+      <p:sp>
+        <p:nvSpPr>
+          <p:cNvPr id="5" name="內容版面配置區 4"/>
+          <p:cNvSpPr>
+            <a:spLocks noGrp="1"/>
+          </p:cNvSpPr>
+          <p:nvPr>
+            <p:ph idx="1"/>
+          </p:nvPr>
+        </p:nvSpPr>
+        <p:spPr>
+          <a:xfrm>
+            <a:off x="0" y="2084851"/>
+            <a:ext cx="12192000" cy="2404863"/>
+          </a:xfrm>
+        </p:spPr>
+        <p:txBody>
+          <a:bodyPr anchor="ctr">
+            <a:normAutofit/>
+          </a:bodyPr>
+          <a:lstStyle/>
           <a:p>
             <a:pPr marL="0" indent="0" algn="ctr">
               <a:buNone/>
             </a:pPr>
             <a:r>
-              <a:rPr lang="zh-TW" altLang="en-US" sz="5400" b="1" dirty="0">
+              <a:rPr lang="zh-TW" altLang="en-US" sz="6600" b="1" dirty="0" smtClean="0">
                 <a:solidFill>
                   <a:srgbClr val="660033"/>
                 </a:solidFill>
                 <a:latin typeface="Microsoft JhengHei" panose="020B0604030504040204" pitchFamily="34" charset="-120"/>
                 <a:ea typeface="Microsoft JhengHei" panose="020B0604030504040204" pitchFamily="34" charset="-120"/>
               </a:rPr>
-              <a:t>因</a:t>
-            </a:r>
-            <a:r>
-              <a:rPr lang="zh-TW" altLang="en-US" sz="5400" b="1" dirty="0">
+              <a:t>迨至萬國全依投</a:t>
+            </a:r>
+          </a:p>
+          <a:p>
+            <a:pPr marL="0" indent="0" algn="ctr">
+              <a:buNone/>
+            </a:pPr>
+            <a:r>
+              <a:rPr lang="zh-TW" altLang="en-US" sz="6600" b="1" dirty="0" smtClean="0">
                 <a:solidFill>
                   <a:srgbClr val="660033"/>
                 </a:solidFill>
                 <a:latin typeface="Microsoft JhengHei" panose="020B0604030504040204" pitchFamily="34" charset="-120"/>
                 <a:ea typeface="Microsoft JhengHei" panose="020B0604030504040204" pitchFamily="34" charset="-120"/>
               </a:rPr>
-              <a:t>有勝仗須要</a:t>
-            </a:r>
-            <a:r>
-              <a:rPr lang="zh-TW" altLang="en-US" sz="5400" b="1" dirty="0">
-                <a:solidFill>
-                  <a:srgbClr val="660033"/>
-                </a:solidFill>
-                <a:latin typeface="Microsoft JhengHei" panose="020B0604030504040204" pitchFamily="34" charset="-120"/>
-                <a:ea typeface="Microsoft JhengHei" panose="020B0604030504040204" pitchFamily="34" charset="-120"/>
-              </a:rPr>
-              <a:t>鬥  為</a:t>
-            </a:r>
-            <a:r>
-              <a:rPr lang="zh-TW" altLang="en-US" sz="5400" b="1" dirty="0">
-                <a:solidFill>
-                  <a:srgbClr val="660033"/>
-                </a:solidFill>
-                <a:latin typeface="Microsoft JhengHei" panose="020B0604030504040204" pitchFamily="34" charset="-120"/>
-                <a:ea typeface="Microsoft JhengHei" panose="020B0604030504040204" pitchFamily="34" charset="-120"/>
-              </a:rPr>
-              <a:t>主</a:t>
-            </a:r>
-            <a:r>
-              <a:rPr lang="zh-TW" altLang="en-US" sz="5400" b="1" dirty="0">
-                <a:solidFill>
-                  <a:srgbClr val="660033"/>
-                </a:solidFill>
-                <a:latin typeface="Microsoft JhengHei" panose="020B0604030504040204" pitchFamily="34" charset="-120"/>
-                <a:ea typeface="Microsoft JhengHei" panose="020B0604030504040204" pitchFamily="34" charset="-120"/>
-              </a:rPr>
-              <a:t>命  為</a:t>
-            </a:r>
-            <a:r>
-              <a:rPr lang="zh-TW" altLang="en-US" sz="5400" b="1" dirty="0">
-                <a:solidFill>
-                  <a:srgbClr val="660033"/>
-                </a:solidFill>
-                <a:latin typeface="Microsoft JhengHei" panose="020B0604030504040204" pitchFamily="34" charset="-120"/>
-                <a:ea typeface="Microsoft JhengHei" panose="020B0604030504040204" pitchFamily="34" charset="-120"/>
-              </a:rPr>
-              <a:t>主</a:t>
-            </a:r>
-            <a:r>
-              <a:rPr lang="zh-TW" altLang="en-US" sz="5400" b="1" dirty="0">
-                <a:solidFill>
-                  <a:srgbClr val="660033"/>
-                </a:solidFill>
-                <a:latin typeface="Microsoft JhengHei" panose="020B0604030504040204" pitchFamily="34" charset="-120"/>
-                <a:ea typeface="Microsoft JhengHei" panose="020B0604030504040204" pitchFamily="34" charset="-120"/>
-              </a:rPr>
-              <a:t>命</a:t>
-            </a:r>
-            <a:endParaRPr lang="en-US" altLang="zh-TW" sz="5400" b="1" dirty="0">
+              <a:t>主為獨一大君王</a:t>
+            </a:r>
+            <a:endParaRPr lang="en-US" altLang="zh-TW" sz="6600" b="1" dirty="0">
               <a:solidFill>
                 <a:srgbClr val="660033"/>
               </a:solidFill>
@@ -3902,106 +4143,140 @@
               <a:ea typeface="Microsoft JhengHei" panose="020B0604030504040204" pitchFamily="34" charset="-120"/>
             </a:endParaRPr>
           </a:p>
+        </p:txBody>
+      </p:sp>
+      <p:sp>
+        <p:nvSpPr>
+          <p:cNvPr id="3" name="TextBox 2"/>
+          <p:cNvSpPr txBox="1"/>
+          <p:nvPr/>
+        </p:nvSpPr>
+        <p:spPr>
+          <a:xfrm>
+            <a:off x="0" y="5061182"/>
+            <a:ext cx="12192000" cy="800215"/>
+          </a:xfrm>
+          <a:prstGeom prst="rect">
+            <a:avLst/>
+          </a:prstGeom>
+          <a:noFill/>
+        </p:spPr>
+        <p:txBody>
+          <a:bodyPr wrap="square" lIns="121917" tIns="60958" rIns="121917" bIns="60958" rtlCol="0">
+            <a:spAutoFit/>
+          </a:bodyPr>
+          <a:lstStyle/>
+          <a:p>
+            <a:pPr algn="ctr"/>
+            <a:r>
+              <a:rPr lang="en-US" sz="4400" b="1" dirty="0" smtClean="0">
+                <a:solidFill>
+                  <a:srgbClr val="660033"/>
+                </a:solidFill>
+                <a:latin typeface="+mn-lt"/>
+              </a:rPr>
+              <a:t>( </a:t>
+            </a:r>
+            <a:r>
+              <a:rPr lang="en-US" sz="4400" b="1" dirty="0" smtClean="0">
+                <a:solidFill>
+                  <a:srgbClr val="660033"/>
+                </a:solidFill>
+                <a:latin typeface="+mn-lt"/>
+              </a:rPr>
+              <a:t>2 / 4 </a:t>
+            </a:r>
+            <a:r>
+              <a:rPr lang="en-US" sz="4400" b="1" dirty="0" smtClean="0">
+                <a:solidFill>
+                  <a:srgbClr val="660033"/>
+                </a:solidFill>
+                <a:latin typeface="+mn-lt"/>
+              </a:rPr>
+              <a:t>)</a:t>
+            </a:r>
+            <a:endParaRPr lang="vi-VN" sz="4400" b="1" dirty="0">
+              <a:solidFill>
+                <a:srgbClr val="660033"/>
+              </a:solidFill>
+              <a:latin typeface="+mn-lt"/>
+            </a:endParaRPr>
+          </a:p>
+        </p:txBody>
+      </p:sp>
+    </p:spTree>
+    <p:extLst>
+      <p:ext uri="{BB962C8B-B14F-4D97-AF65-F5344CB8AC3E}">
+        <p14:creationId xmlns:p14="http://schemas.microsoft.com/office/powerpoint/2010/main" xmlns="" val="1407003638"/>
+      </p:ext>
+    </p:extLst>
+  </p:cSld>
+  <p:clrMapOvr>
+    <a:masterClrMapping/>
+  </p:clrMapOvr>
+  <p:timing>
+    <p:tnLst>
+      <p:par>
+        <p:cTn id="1" dur="indefinite" restart="never" nodeType="tmRoot"/>
+      </p:par>
+    </p:tnLst>
+  </p:timing>
+</p:sld>
+</file>
+
+<file path=ppt/slides/slide12.xml><?xml version="1.0" encoding="utf-8"?>
+<p:sld xmlns:a="http://schemas.openxmlformats.org/drawingml/2006/main" xmlns:r="http://schemas.openxmlformats.org/officeDocument/2006/relationships" xmlns:p="http://schemas.openxmlformats.org/presentationml/2006/main">
+  <p:cSld>
+    <p:spTree>
+      <p:nvGrpSpPr>
+        <p:cNvPr id="1" name=""/>
+        <p:cNvGrpSpPr/>
+        <p:nvPr/>
+      </p:nvGrpSpPr>
+      <p:grpSpPr>
+        <a:xfrm>
+          <a:off x="0" y="0"/>
+          <a:ext cx="0" cy="0"/>
+          <a:chOff x="0" y="0"/>
+          <a:chExt cx="0" cy="0"/>
+        </a:xfrm>
+      </p:grpSpPr>
+      <p:sp>
+        <p:nvSpPr>
+          <p:cNvPr id="5" name="內容版面配置區 4"/>
+          <p:cNvSpPr>
+            <a:spLocks noGrp="1"/>
+          </p:cNvSpPr>
+          <p:nvPr>
+            <p:ph idx="1"/>
+          </p:nvPr>
+        </p:nvSpPr>
+        <p:spPr>
+          <a:xfrm>
+            <a:off x="0" y="2084851"/>
+            <a:ext cx="12192000" cy="2404863"/>
+          </a:xfrm>
+        </p:spPr>
+        <p:txBody>
+          <a:bodyPr anchor="ctr">
+            <a:normAutofit/>
+          </a:bodyPr>
+          <a:lstStyle/>
           <a:p>
             <a:pPr marL="0" indent="0" algn="ctr">
               <a:buNone/>
             </a:pPr>
             <a:r>
-              <a:rPr lang="zh-TW" altLang="en-US" sz="5400" b="1" dirty="0">
+              <a:rPr lang="zh-TW" altLang="en-US" sz="6600" b="1" dirty="0" smtClean="0">
                 <a:solidFill>
                   <a:srgbClr val="660033"/>
                 </a:solidFill>
                 <a:latin typeface="Microsoft JhengHei" panose="020B0604030504040204" pitchFamily="34" charset="-120"/>
                 <a:ea typeface="Microsoft JhengHei" panose="020B0604030504040204" pitchFamily="34" charset="-120"/>
               </a:rPr>
-              <a:t>戴盔執劍盾禦寇</a:t>
-            </a:r>
-          </a:p>
-          <a:p>
-            <a:pPr marL="0" indent="0" algn="ctr">
-              <a:buNone/>
-            </a:pPr>
-            <a:r>
-              <a:rPr lang="zh-TW" altLang="en-US" sz="5400" b="1" dirty="0">
-                <a:solidFill>
-                  <a:srgbClr val="660033"/>
-                </a:solidFill>
-                <a:latin typeface="Microsoft JhengHei" panose="020B0604030504040204" pitchFamily="34" charset="-120"/>
-                <a:ea typeface="Microsoft JhengHei" panose="020B0604030504040204" pitchFamily="34" charset="-120"/>
-              </a:rPr>
-              <a:t>往前速向戰場</a:t>
-            </a:r>
-            <a:r>
-              <a:rPr lang="zh-TW" altLang="en-US" sz="5400" b="1" dirty="0">
-                <a:solidFill>
-                  <a:srgbClr val="660033"/>
-                </a:solidFill>
-                <a:latin typeface="Microsoft JhengHei" panose="020B0604030504040204" pitchFamily="34" charset="-120"/>
-                <a:ea typeface="Microsoft JhengHei" panose="020B0604030504040204" pitchFamily="34" charset="-120"/>
-              </a:rPr>
-              <a:t>走  奉</a:t>
-            </a:r>
-            <a:r>
-              <a:rPr lang="zh-TW" altLang="en-US" sz="5400" b="1" dirty="0">
-                <a:solidFill>
-                  <a:srgbClr val="660033"/>
-                </a:solidFill>
-                <a:latin typeface="Microsoft JhengHei" panose="020B0604030504040204" pitchFamily="34" charset="-120"/>
-                <a:ea typeface="Microsoft JhengHei" panose="020B0604030504040204" pitchFamily="34" charset="-120"/>
-              </a:rPr>
-              <a:t>主</a:t>
-            </a:r>
-            <a:r>
-              <a:rPr lang="zh-CN" altLang="zh-TW" sz="5400" b="1" dirty="0">
-                <a:solidFill>
-                  <a:srgbClr val="660033"/>
-                </a:solidFill>
-                <a:latin typeface="Microsoft JhengHei" panose="020B0604030504040204" pitchFamily="34" charset="-120"/>
-                <a:ea typeface="Microsoft JhengHei" panose="020B0604030504040204" pitchFamily="34" charset="-120"/>
-              </a:rPr>
-              <a:t>令</a:t>
-            </a:r>
-            <a:r>
-              <a:rPr lang="en-US" altLang="zh-CN" sz="5400" b="1" dirty="0">
-                <a:solidFill>
-                  <a:srgbClr val="660033"/>
-                </a:solidFill>
-                <a:latin typeface="Microsoft JhengHei" panose="020B0604030504040204" pitchFamily="34" charset="-120"/>
-                <a:ea typeface="Microsoft JhengHei" panose="020B0604030504040204" pitchFamily="34" charset="-120"/>
-              </a:rPr>
-              <a:t>  </a:t>
-            </a:r>
-            <a:r>
-              <a:rPr lang="zh-TW" altLang="en-US" sz="5400" b="1" dirty="0">
-                <a:solidFill>
-                  <a:srgbClr val="660033"/>
-                </a:solidFill>
-                <a:latin typeface="Microsoft JhengHei" panose="020B0604030504040204" pitchFamily="34" charset="-120"/>
-                <a:ea typeface="Microsoft JhengHei" panose="020B0604030504040204" pitchFamily="34" charset="-120"/>
-              </a:rPr>
-              <a:t>奉</a:t>
-            </a:r>
-            <a:r>
-              <a:rPr lang="zh-TW" altLang="en-US" sz="5400" b="1" dirty="0">
-                <a:solidFill>
-                  <a:srgbClr val="660033"/>
-                </a:solidFill>
-                <a:latin typeface="Microsoft JhengHei" panose="020B0604030504040204" pitchFamily="34" charset="-120"/>
-                <a:ea typeface="Microsoft JhengHei" panose="020B0604030504040204" pitchFamily="34" charset="-120"/>
-              </a:rPr>
-              <a:t>主</a:t>
-            </a:r>
-            <a:r>
-              <a:rPr lang="zh-CN" altLang="zh-TW" sz="5400" b="1" dirty="0">
-                <a:solidFill>
-                  <a:srgbClr val="660033"/>
-                </a:solidFill>
-                <a:latin typeface="Microsoft JhengHei" panose="020B0604030504040204" pitchFamily="34" charset="-120"/>
-                <a:ea typeface="Microsoft JhengHei" panose="020B0604030504040204" pitchFamily="34" charset="-120"/>
-              </a:rPr>
-              <a:t>令</a:t>
-            </a:r>
-            <a:endParaRPr lang="zh-CN" altLang="zh-TW" sz="5400" b="1" dirty="0">
+              <a:t>永主宰  永主宰</a:t>
+            </a:r>
+            <a:endParaRPr lang="en-US" altLang="zh-TW" sz="6600" b="1" dirty="0">
               <a:solidFill>
                 <a:srgbClr val="660033"/>
               </a:solidFill>
@@ -4013,52 +4288,997 @@
       </p:sp>
       <p:sp>
         <p:nvSpPr>
-          <p:cNvPr id="6" name="Text Box 1"/>
+          <p:cNvPr id="3" name="TextBox 2"/>
           <p:cNvSpPr txBox="1"/>
           <p:nvPr/>
         </p:nvSpPr>
         <p:spPr>
           <a:xfrm>
-            <a:off x="1703512" y="1700808"/>
-            <a:ext cx="1055440" cy="923330"/>
+            <a:off x="0" y="5061182"/>
+            <a:ext cx="12192000" cy="800215"/>
           </a:xfrm>
           <a:prstGeom prst="rect">
             <a:avLst/>
           </a:prstGeom>
           <a:noFill/>
-          <a:ln w="9525">
-            <a:noFill/>
-            <a:miter lim="800000"/>
-          </a:ln>
         </p:spPr>
         <p:txBody>
-          <a:bodyPr wrap="square">
+          <a:bodyPr wrap="square" lIns="121917" tIns="60958" rIns="121917" bIns="60958" rtlCol="0">
             <a:spAutoFit/>
           </a:bodyPr>
           <a:lstStyle/>
           <a:p>
             <a:pPr algn="ctr"/>
             <a:r>
-              <a:rPr lang="en-US" sz="5400" b="1" dirty="0">
-                <a:solidFill>
-                  <a:srgbClr val="660033"/>
-                </a:solidFill>
-              </a:rPr>
-              <a:t>1.</a:t>
-            </a:r>
+              <a:rPr lang="en-US" sz="4400" b="1" dirty="0" smtClean="0">
+                <a:solidFill>
+                  <a:srgbClr val="660033"/>
+                </a:solidFill>
+                <a:latin typeface="+mn-lt"/>
+              </a:rPr>
+              <a:t>( </a:t>
+            </a:r>
+            <a:r>
+              <a:rPr lang="en-US" sz="4400" b="1" dirty="0" smtClean="0">
+                <a:solidFill>
+                  <a:srgbClr val="660033"/>
+                </a:solidFill>
+                <a:latin typeface="+mn-lt"/>
+              </a:rPr>
+              <a:t>2 / 4 </a:t>
+            </a:r>
+            <a:r>
+              <a:rPr lang="en-US" sz="4400" b="1" dirty="0" smtClean="0">
+                <a:solidFill>
+                  <a:srgbClr val="660033"/>
+                </a:solidFill>
+                <a:latin typeface="+mn-lt"/>
+              </a:rPr>
+              <a:t>)</a:t>
+            </a:r>
+            <a:endParaRPr lang="vi-VN" sz="4400" b="1" dirty="0">
+              <a:solidFill>
+                <a:srgbClr val="660033"/>
+              </a:solidFill>
+              <a:latin typeface="+mn-lt"/>
+            </a:endParaRPr>
           </a:p>
         </p:txBody>
       </p:sp>
     </p:spTree>
     <p:extLst>
       <p:ext uri="{BB962C8B-B14F-4D97-AF65-F5344CB8AC3E}">
-        <p14:creationId xmlns:p14="http://schemas.microsoft.com/office/powerpoint/2010/main" val="2748835019"/>
+        <p14:creationId xmlns:p14="http://schemas.microsoft.com/office/powerpoint/2010/main" xmlns="" val="1407003638"/>
       </p:ext>
     </p:extLst>
   </p:cSld>
   <p:clrMapOvr>
     <a:masterClrMapping/>
   </p:clrMapOvr>
+  <p:timing>
+    <p:tnLst>
+      <p:par>
+        <p:cTn id="1" dur="indefinite" restart="never" nodeType="tmRoot"/>
+      </p:par>
+    </p:tnLst>
+  </p:timing>
+</p:sld>
+</file>
+
+<file path=ppt/slides/slide13.xml><?xml version="1.0" encoding="utf-8"?>
+<p:sld xmlns:a="http://schemas.openxmlformats.org/drawingml/2006/main" xmlns:r="http://schemas.openxmlformats.org/officeDocument/2006/relationships" xmlns:p="http://schemas.openxmlformats.org/presentationml/2006/main">
+  <p:cSld>
+    <p:spTree>
+      <p:nvGrpSpPr>
+        <p:cNvPr id="1" name=""/>
+        <p:cNvGrpSpPr/>
+        <p:nvPr/>
+      </p:nvGrpSpPr>
+      <p:grpSpPr>
+        <a:xfrm>
+          <a:off x="0" y="0"/>
+          <a:ext cx="0" cy="0"/>
+          <a:chOff x="0" y="0"/>
+          <a:chExt cx="0" cy="0"/>
+        </a:xfrm>
+      </p:grpSpPr>
+      <p:sp>
+        <p:nvSpPr>
+          <p:cNvPr id="5" name="內容版面配置區 4"/>
+          <p:cNvSpPr>
+            <a:spLocks noGrp="1"/>
+          </p:cNvSpPr>
+          <p:nvPr>
+            <p:ph idx="1"/>
+          </p:nvPr>
+        </p:nvSpPr>
+        <p:spPr>
+          <a:xfrm>
+            <a:off x="0" y="2084851"/>
+            <a:ext cx="12192000" cy="2404863"/>
+          </a:xfrm>
+        </p:spPr>
+        <p:txBody>
+          <a:bodyPr anchor="ctr">
+            <a:normAutofit/>
+          </a:bodyPr>
+          <a:lstStyle/>
+          <a:p>
+            <a:pPr marL="0" indent="0" algn="ctr">
+              <a:buNone/>
+            </a:pPr>
+            <a:r>
+              <a:rPr lang="zh-CN" altLang="en-US" sz="6600" b="1" dirty="0" smtClean="0">
+                <a:solidFill>
+                  <a:srgbClr val="660033"/>
+                </a:solidFill>
+                <a:latin typeface="Microsoft JhengHei" panose="020B0604030504040204" pitchFamily="34" charset="-120"/>
+                <a:ea typeface="Microsoft JhengHei" panose="020B0604030504040204" pitchFamily="34" charset="-120"/>
+              </a:rPr>
+              <a:t>我要往前</a:t>
+            </a:r>
+            <a:r>
+              <a:rPr lang="zh-CN" altLang="en-US" sz="6600" b="1" dirty="0" smtClean="0">
+                <a:solidFill>
+                  <a:srgbClr val="660033"/>
+                </a:solidFill>
+                <a:latin typeface="Microsoft JhengHei" panose="020B0604030504040204" pitchFamily="34" charset="-120"/>
+                <a:ea typeface="Microsoft JhengHei" panose="020B0604030504040204" pitchFamily="34" charset="-120"/>
+              </a:rPr>
+              <a:t>打勝仗</a:t>
+            </a:r>
+            <a:endParaRPr lang="en-US" altLang="zh-CN" sz="6600" b="1" dirty="0" smtClean="0">
+              <a:solidFill>
+                <a:srgbClr val="660033"/>
+              </a:solidFill>
+              <a:latin typeface="Microsoft JhengHei" panose="020B0604030504040204" pitchFamily="34" charset="-120"/>
+              <a:ea typeface="Microsoft JhengHei" panose="020B0604030504040204" pitchFamily="34" charset="-120"/>
+            </a:endParaRPr>
+          </a:p>
+          <a:p>
+            <a:pPr marL="0" indent="0" algn="ctr">
+              <a:buNone/>
+            </a:pPr>
+            <a:r>
+              <a:rPr lang="zh-CN" altLang="en-US" sz="6600" b="1" dirty="0" smtClean="0">
+                <a:solidFill>
+                  <a:srgbClr val="660033"/>
+                </a:solidFill>
+                <a:latin typeface="Microsoft JhengHei" panose="020B0604030504040204" pitchFamily="34" charset="-120"/>
+                <a:ea typeface="Microsoft JhengHei" panose="020B0604030504040204" pitchFamily="34" charset="-120"/>
+              </a:rPr>
+              <a:t>耶穌</a:t>
+            </a:r>
+            <a:r>
+              <a:rPr lang="zh-CN" altLang="en-US" sz="6600" b="1" dirty="0" smtClean="0">
+                <a:solidFill>
+                  <a:srgbClr val="660033"/>
+                </a:solidFill>
+                <a:latin typeface="Microsoft JhengHei" panose="020B0604030504040204" pitchFamily="34" charset="-120"/>
+                <a:ea typeface="Microsoft JhengHei" panose="020B0604030504040204" pitchFamily="34" charset="-120"/>
+              </a:rPr>
+              <a:t>為我大主將</a:t>
+            </a:r>
+            <a:endParaRPr lang="zh-CN" altLang="en-US" sz="6600" b="1" dirty="0">
+              <a:solidFill>
+                <a:srgbClr val="660033"/>
+              </a:solidFill>
+              <a:latin typeface="Microsoft JhengHei" panose="020B0604030504040204" pitchFamily="34" charset="-120"/>
+              <a:ea typeface="Microsoft JhengHei" panose="020B0604030504040204" pitchFamily="34" charset="-120"/>
+            </a:endParaRPr>
+          </a:p>
+        </p:txBody>
+      </p:sp>
+    </p:spTree>
+    <p:extLst>
+      <p:ext uri="{BB962C8B-B14F-4D97-AF65-F5344CB8AC3E}">
+        <p14:creationId xmlns:p14="http://schemas.microsoft.com/office/powerpoint/2010/main" xmlns="" val="1407003638"/>
+      </p:ext>
+    </p:extLst>
+  </p:cSld>
+  <p:clrMapOvr>
+    <a:masterClrMapping/>
+  </p:clrMapOvr>
+  <p:timing>
+    <p:tnLst>
+      <p:par>
+        <p:cTn id="1" dur="indefinite" restart="never" nodeType="tmRoot"/>
+      </p:par>
+    </p:tnLst>
+  </p:timing>
+</p:sld>
+</file>
+
+<file path=ppt/slides/slide14.xml><?xml version="1.0" encoding="utf-8"?>
+<p:sld xmlns:a="http://schemas.openxmlformats.org/drawingml/2006/main" xmlns:r="http://schemas.openxmlformats.org/officeDocument/2006/relationships" xmlns:p="http://schemas.openxmlformats.org/presentationml/2006/main">
+  <p:cSld>
+    <p:spTree>
+      <p:nvGrpSpPr>
+        <p:cNvPr id="1" name=""/>
+        <p:cNvGrpSpPr/>
+        <p:nvPr/>
+      </p:nvGrpSpPr>
+      <p:grpSpPr>
+        <a:xfrm>
+          <a:off x="0" y="0"/>
+          <a:ext cx="0" cy="0"/>
+          <a:chOff x="0" y="0"/>
+          <a:chExt cx="0" cy="0"/>
+        </a:xfrm>
+      </p:grpSpPr>
+      <p:sp>
+        <p:nvSpPr>
+          <p:cNvPr id="5" name="內容版面配置區 4"/>
+          <p:cNvSpPr>
+            <a:spLocks noGrp="1"/>
+          </p:cNvSpPr>
+          <p:nvPr>
+            <p:ph idx="1"/>
+          </p:nvPr>
+        </p:nvSpPr>
+        <p:spPr>
+          <a:xfrm>
+            <a:off x="0" y="2084851"/>
+            <a:ext cx="12192000" cy="2404863"/>
+          </a:xfrm>
+        </p:spPr>
+        <p:txBody>
+          <a:bodyPr anchor="ctr">
+            <a:normAutofit/>
+          </a:bodyPr>
+          <a:lstStyle/>
+          <a:p>
+            <a:pPr marL="0" indent="0" algn="ctr">
+              <a:buNone/>
+            </a:pPr>
+            <a:r>
+              <a:rPr lang="zh-CN" altLang="en-US" sz="6600" b="1" dirty="0" smtClean="0">
+                <a:solidFill>
+                  <a:srgbClr val="660033"/>
+                </a:solidFill>
+                <a:latin typeface="Microsoft JhengHei" panose="020B0604030504040204" pitchFamily="34" charset="-120"/>
+                <a:ea typeface="Microsoft JhengHei" panose="020B0604030504040204" pitchFamily="34" charset="-120"/>
+              </a:rPr>
+              <a:t>耶穌為我大主將</a:t>
+            </a:r>
+            <a:endParaRPr lang="en-US" altLang="zh-CN" sz="6600" b="1" dirty="0">
+              <a:solidFill>
+                <a:srgbClr val="660033"/>
+              </a:solidFill>
+              <a:latin typeface="Microsoft JhengHei" panose="020B0604030504040204" pitchFamily="34" charset="-120"/>
+              <a:ea typeface="Microsoft JhengHei" panose="020B0604030504040204" pitchFamily="34" charset="-120"/>
+            </a:endParaRPr>
+          </a:p>
+        </p:txBody>
+      </p:sp>
+    </p:spTree>
+    <p:extLst>
+      <p:ext uri="{BB962C8B-B14F-4D97-AF65-F5344CB8AC3E}">
+        <p14:creationId xmlns:p14="http://schemas.microsoft.com/office/powerpoint/2010/main" xmlns="" val="1407003638"/>
+      </p:ext>
+    </p:extLst>
+  </p:cSld>
+  <p:clrMapOvr>
+    <a:masterClrMapping/>
+  </p:clrMapOvr>
+  <p:timing>
+    <p:tnLst>
+      <p:par>
+        <p:cTn id="1" dur="indefinite" restart="never" nodeType="tmRoot"/>
+      </p:par>
+    </p:tnLst>
+  </p:timing>
+</p:sld>
+</file>
+
+<file path=ppt/slides/slide15.xml><?xml version="1.0" encoding="utf-8"?>
+<p:sld xmlns:a="http://schemas.openxmlformats.org/drawingml/2006/main" xmlns:r="http://schemas.openxmlformats.org/officeDocument/2006/relationships" xmlns:p="http://schemas.openxmlformats.org/presentationml/2006/main">
+  <p:cSld>
+    <p:spTree>
+      <p:nvGrpSpPr>
+        <p:cNvPr id="1" name=""/>
+        <p:cNvGrpSpPr/>
+        <p:nvPr/>
+      </p:nvGrpSpPr>
+      <p:grpSpPr>
+        <a:xfrm>
+          <a:off x="0" y="0"/>
+          <a:ext cx="0" cy="0"/>
+          <a:chOff x="0" y="0"/>
+          <a:chExt cx="0" cy="0"/>
+        </a:xfrm>
+      </p:grpSpPr>
+      <p:sp>
+        <p:nvSpPr>
+          <p:cNvPr id="5" name="內容版面配置區 4"/>
+          <p:cNvSpPr>
+            <a:spLocks noGrp="1"/>
+          </p:cNvSpPr>
+          <p:nvPr>
+            <p:ph idx="1"/>
+          </p:nvPr>
+        </p:nvSpPr>
+        <p:spPr>
+          <a:xfrm>
+            <a:off x="0" y="2084851"/>
+            <a:ext cx="12192000" cy="2404863"/>
+          </a:xfrm>
+        </p:spPr>
+        <p:txBody>
+          <a:bodyPr anchor="ctr">
+            <a:normAutofit/>
+          </a:bodyPr>
+          <a:lstStyle/>
+          <a:p>
+            <a:pPr marL="0" indent="0" algn="ctr">
+              <a:buNone/>
+            </a:pPr>
+            <a:r>
+              <a:rPr lang="zh-CN" altLang="en-US" sz="6600" b="1" dirty="0" smtClean="0">
+                <a:solidFill>
+                  <a:srgbClr val="660033"/>
+                </a:solidFill>
+                <a:latin typeface="Microsoft JhengHei" panose="020B0604030504040204" pitchFamily="34" charset="-120"/>
+                <a:ea typeface="Microsoft JhengHei" panose="020B0604030504040204" pitchFamily="34" charset="-120"/>
+              </a:rPr>
+              <a:t>我要往前打勝仗  直打了末次</a:t>
+            </a:r>
+          </a:p>
+          <a:p>
+            <a:pPr marL="0" indent="0" algn="ctr">
+              <a:buNone/>
+            </a:pPr>
+            <a:r>
+              <a:rPr lang="zh-CN" altLang="en-US" sz="6600" b="1" dirty="0" smtClean="0">
+                <a:solidFill>
+                  <a:srgbClr val="660033"/>
+                </a:solidFill>
+                <a:latin typeface="Microsoft JhengHei" panose="020B0604030504040204" pitchFamily="34" charset="-120"/>
+                <a:ea typeface="Microsoft JhengHei" panose="020B0604030504040204" pitchFamily="34" charset="-120"/>
+              </a:rPr>
+              <a:t>榮耀美好勝仗</a:t>
+            </a:r>
+            <a:endParaRPr lang="zh-CN" altLang="en-US" sz="6600" b="1" dirty="0">
+              <a:solidFill>
+                <a:srgbClr val="660033"/>
+              </a:solidFill>
+              <a:latin typeface="Microsoft JhengHei" panose="020B0604030504040204" pitchFamily="34" charset="-120"/>
+              <a:ea typeface="Microsoft JhengHei" panose="020B0604030504040204" pitchFamily="34" charset="-120"/>
+            </a:endParaRPr>
+          </a:p>
+        </p:txBody>
+      </p:sp>
+    </p:spTree>
+    <p:extLst>
+      <p:ext uri="{BB962C8B-B14F-4D97-AF65-F5344CB8AC3E}">
+        <p14:creationId xmlns:p14="http://schemas.microsoft.com/office/powerpoint/2010/main" xmlns="" val="1407003638"/>
+      </p:ext>
+    </p:extLst>
+  </p:cSld>
+  <p:clrMapOvr>
+    <a:masterClrMapping/>
+  </p:clrMapOvr>
+  <p:timing>
+    <p:tnLst>
+      <p:par>
+        <p:cTn id="1" dur="indefinite" restart="never" nodeType="tmRoot"/>
+      </p:par>
+    </p:tnLst>
+  </p:timing>
+</p:sld>
+</file>
+
+<file path=ppt/slides/slide16.xml><?xml version="1.0" encoding="utf-8"?>
+<p:sld xmlns:a="http://schemas.openxmlformats.org/drawingml/2006/main" xmlns:r="http://schemas.openxmlformats.org/officeDocument/2006/relationships" xmlns:p="http://schemas.openxmlformats.org/presentationml/2006/main">
+  <p:cSld>
+    <p:spTree>
+      <p:nvGrpSpPr>
+        <p:cNvPr id="1" name=""/>
+        <p:cNvGrpSpPr/>
+        <p:nvPr/>
+      </p:nvGrpSpPr>
+      <p:grpSpPr>
+        <a:xfrm>
+          <a:off x="0" y="0"/>
+          <a:ext cx="0" cy="0"/>
+          <a:chOff x="0" y="0"/>
+          <a:chExt cx="0" cy="0"/>
+        </a:xfrm>
+      </p:grpSpPr>
+      <p:sp>
+        <p:nvSpPr>
+          <p:cNvPr id="5" name="內容版面配置區 4"/>
+          <p:cNvSpPr>
+            <a:spLocks noGrp="1"/>
+          </p:cNvSpPr>
+          <p:nvPr>
+            <p:ph idx="1"/>
+          </p:nvPr>
+        </p:nvSpPr>
+        <p:spPr>
+          <a:xfrm>
+            <a:off x="0" y="2084851"/>
+            <a:ext cx="12192000" cy="2404863"/>
+          </a:xfrm>
+        </p:spPr>
+        <p:txBody>
+          <a:bodyPr anchor="ctr">
+            <a:normAutofit/>
+          </a:bodyPr>
+          <a:lstStyle/>
+          <a:p>
+            <a:pPr marL="0" indent="0" algn="ctr">
+              <a:buNone/>
+            </a:pPr>
+            <a:r>
+              <a:rPr lang="zh-TW" altLang="en-US" sz="6600" b="1" dirty="0" smtClean="0">
+                <a:solidFill>
+                  <a:srgbClr val="660033"/>
+                </a:solidFill>
+                <a:latin typeface="Microsoft JhengHei" panose="020B0604030504040204" pitchFamily="34" charset="-120"/>
+                <a:ea typeface="Microsoft JhengHei" panose="020B0604030504040204" pitchFamily="34" charset="-120"/>
+              </a:rPr>
+              <a:t>等到戰事收完畢</a:t>
+            </a:r>
+          </a:p>
+          <a:p>
+            <a:pPr marL="0" indent="0" algn="ctr">
+              <a:buNone/>
+            </a:pPr>
+            <a:r>
+              <a:rPr lang="zh-TW" altLang="en-US" sz="6600" b="1" dirty="0" smtClean="0">
+                <a:solidFill>
+                  <a:srgbClr val="660033"/>
+                </a:solidFill>
+                <a:latin typeface="Microsoft JhengHei" panose="020B0604030504040204" pitchFamily="34" charset="-120"/>
+                <a:ea typeface="Microsoft JhengHei" panose="020B0604030504040204" pitchFamily="34" charset="-120"/>
+              </a:rPr>
+              <a:t>得勝工事</a:t>
+            </a:r>
+            <a:r>
+              <a:rPr lang="zh-CN" altLang="zh-TW" sz="6600" b="1" dirty="0" smtClean="0">
+                <a:solidFill>
+                  <a:srgbClr val="660033"/>
+                </a:solidFill>
+                <a:latin typeface="Microsoft JhengHei" panose="020B0604030504040204" pitchFamily="34" charset="-120"/>
+                <a:ea typeface="Microsoft JhengHei" panose="020B0604030504040204" pitchFamily="34" charset="-120"/>
+              </a:rPr>
+              <a:t>已</a:t>
+            </a:r>
+            <a:r>
+              <a:rPr lang="zh-TW" altLang="en-US" sz="6600" b="1" dirty="0" smtClean="0">
+                <a:solidFill>
+                  <a:srgbClr val="660033"/>
+                </a:solidFill>
+                <a:latin typeface="Microsoft JhengHei" panose="020B0604030504040204" pitchFamily="34" charset="-120"/>
+                <a:ea typeface="Microsoft JhengHei" panose="020B0604030504040204" pitchFamily="34" charset="-120"/>
+              </a:rPr>
+              <a:t>告訖</a:t>
+            </a:r>
+            <a:endParaRPr lang="en-US" altLang="zh-TW" sz="6600" b="1" dirty="0">
+              <a:solidFill>
+                <a:srgbClr val="660033"/>
+              </a:solidFill>
+              <a:latin typeface="Microsoft JhengHei" panose="020B0604030504040204" pitchFamily="34" charset="-120"/>
+              <a:ea typeface="Microsoft JhengHei" panose="020B0604030504040204" pitchFamily="34" charset="-120"/>
+            </a:endParaRPr>
+          </a:p>
+        </p:txBody>
+      </p:sp>
+      <p:sp>
+        <p:nvSpPr>
+          <p:cNvPr id="3" name="TextBox 2"/>
+          <p:cNvSpPr txBox="1"/>
+          <p:nvPr/>
+        </p:nvSpPr>
+        <p:spPr>
+          <a:xfrm>
+            <a:off x="0" y="5061182"/>
+            <a:ext cx="12192000" cy="800215"/>
+          </a:xfrm>
+          <a:prstGeom prst="rect">
+            <a:avLst/>
+          </a:prstGeom>
+          <a:noFill/>
+        </p:spPr>
+        <p:txBody>
+          <a:bodyPr wrap="square" lIns="121917" tIns="60958" rIns="121917" bIns="60958" rtlCol="0">
+            <a:spAutoFit/>
+          </a:bodyPr>
+          <a:lstStyle/>
+          <a:p>
+            <a:pPr algn="ctr"/>
+            <a:r>
+              <a:rPr lang="en-US" sz="4400" b="1" dirty="0" smtClean="0">
+                <a:solidFill>
+                  <a:srgbClr val="660033"/>
+                </a:solidFill>
+                <a:latin typeface="+mn-lt"/>
+              </a:rPr>
+              <a:t>( </a:t>
+            </a:r>
+            <a:r>
+              <a:rPr lang="en-US" sz="4400" b="1" dirty="0" smtClean="0">
+                <a:solidFill>
+                  <a:srgbClr val="660033"/>
+                </a:solidFill>
+                <a:latin typeface="+mn-lt"/>
+              </a:rPr>
+              <a:t>3 / 4 </a:t>
+            </a:r>
+            <a:r>
+              <a:rPr lang="en-US" sz="4400" b="1" dirty="0" smtClean="0">
+                <a:solidFill>
+                  <a:srgbClr val="660033"/>
+                </a:solidFill>
+                <a:latin typeface="+mn-lt"/>
+              </a:rPr>
+              <a:t>)</a:t>
+            </a:r>
+            <a:endParaRPr lang="vi-VN" sz="4400" b="1" dirty="0">
+              <a:solidFill>
+                <a:srgbClr val="660033"/>
+              </a:solidFill>
+              <a:latin typeface="+mn-lt"/>
+            </a:endParaRPr>
+          </a:p>
+        </p:txBody>
+      </p:sp>
+    </p:spTree>
+    <p:extLst>
+      <p:ext uri="{BB962C8B-B14F-4D97-AF65-F5344CB8AC3E}">
+        <p14:creationId xmlns:p14="http://schemas.microsoft.com/office/powerpoint/2010/main" xmlns="" val="1407003638"/>
+      </p:ext>
+    </p:extLst>
+  </p:cSld>
+  <p:clrMapOvr>
+    <a:masterClrMapping/>
+  </p:clrMapOvr>
+  <p:timing>
+    <p:tnLst>
+      <p:par>
+        <p:cTn id="1" dur="indefinite" restart="never" nodeType="tmRoot"/>
+      </p:par>
+    </p:tnLst>
+  </p:timing>
+</p:sld>
+</file>
+
+<file path=ppt/slides/slide17.xml><?xml version="1.0" encoding="utf-8"?>
+<p:sld xmlns:a="http://schemas.openxmlformats.org/drawingml/2006/main" xmlns:r="http://schemas.openxmlformats.org/officeDocument/2006/relationships" xmlns:p="http://schemas.openxmlformats.org/presentationml/2006/main">
+  <p:cSld>
+    <p:spTree>
+      <p:nvGrpSpPr>
+        <p:cNvPr id="1" name=""/>
+        <p:cNvGrpSpPr/>
+        <p:nvPr/>
+      </p:nvGrpSpPr>
+      <p:grpSpPr>
+        <a:xfrm>
+          <a:off x="0" y="0"/>
+          <a:ext cx="0" cy="0"/>
+          <a:chOff x="0" y="0"/>
+          <a:chExt cx="0" cy="0"/>
+        </a:xfrm>
+      </p:grpSpPr>
+      <p:sp>
+        <p:nvSpPr>
+          <p:cNvPr id="5" name="內容版面配置區 4"/>
+          <p:cNvSpPr>
+            <a:spLocks noGrp="1"/>
+          </p:cNvSpPr>
+          <p:nvPr>
+            <p:ph idx="1"/>
+          </p:nvPr>
+        </p:nvSpPr>
+        <p:spPr>
+          <a:xfrm>
+            <a:off x="0" y="2084851"/>
+            <a:ext cx="12192000" cy="2404863"/>
+          </a:xfrm>
+        </p:spPr>
+        <p:txBody>
+          <a:bodyPr anchor="ctr">
+            <a:normAutofit/>
+          </a:bodyPr>
+          <a:lstStyle/>
+          <a:p>
+            <a:pPr marL="0" indent="0" algn="ctr">
+              <a:buNone/>
+            </a:pPr>
+            <a:r>
+              <a:rPr lang="zh-TW" altLang="en-US" sz="6600" b="1" dirty="0" smtClean="0">
+                <a:solidFill>
+                  <a:srgbClr val="660033"/>
+                </a:solidFill>
+                <a:latin typeface="Microsoft JhengHei" panose="020B0604030504040204" pitchFamily="34" charset="-120"/>
+                <a:ea typeface="Microsoft JhengHei" panose="020B0604030504040204" pitchFamily="34" charset="-120"/>
+              </a:rPr>
+              <a:t>功成了  功成了</a:t>
+            </a:r>
+            <a:endParaRPr lang="en-US" altLang="zh-TW" sz="6600" b="1" dirty="0">
+              <a:solidFill>
+                <a:srgbClr val="660033"/>
+              </a:solidFill>
+              <a:latin typeface="Microsoft JhengHei" panose="020B0604030504040204" pitchFamily="34" charset="-120"/>
+              <a:ea typeface="Microsoft JhengHei" panose="020B0604030504040204" pitchFamily="34" charset="-120"/>
+            </a:endParaRPr>
+          </a:p>
+        </p:txBody>
+      </p:sp>
+      <p:sp>
+        <p:nvSpPr>
+          <p:cNvPr id="3" name="TextBox 2"/>
+          <p:cNvSpPr txBox="1"/>
+          <p:nvPr/>
+        </p:nvSpPr>
+        <p:spPr>
+          <a:xfrm>
+            <a:off x="0" y="5061182"/>
+            <a:ext cx="12192000" cy="800215"/>
+          </a:xfrm>
+          <a:prstGeom prst="rect">
+            <a:avLst/>
+          </a:prstGeom>
+          <a:noFill/>
+        </p:spPr>
+        <p:txBody>
+          <a:bodyPr wrap="square" lIns="121917" tIns="60958" rIns="121917" bIns="60958" rtlCol="0">
+            <a:spAutoFit/>
+          </a:bodyPr>
+          <a:lstStyle/>
+          <a:p>
+            <a:pPr algn="ctr"/>
+            <a:r>
+              <a:rPr lang="en-US" sz="4400" b="1" dirty="0" smtClean="0">
+                <a:solidFill>
+                  <a:srgbClr val="660033"/>
+                </a:solidFill>
+                <a:latin typeface="+mn-lt"/>
+              </a:rPr>
+              <a:t>( </a:t>
+            </a:r>
+            <a:r>
+              <a:rPr lang="en-US" sz="4400" b="1" dirty="0" smtClean="0">
+                <a:solidFill>
+                  <a:srgbClr val="660033"/>
+                </a:solidFill>
+                <a:latin typeface="+mn-lt"/>
+              </a:rPr>
+              <a:t>3 / 4 </a:t>
+            </a:r>
+            <a:r>
+              <a:rPr lang="en-US" sz="4400" b="1" dirty="0" smtClean="0">
+                <a:solidFill>
+                  <a:srgbClr val="660033"/>
+                </a:solidFill>
+                <a:latin typeface="+mn-lt"/>
+              </a:rPr>
+              <a:t>)</a:t>
+            </a:r>
+            <a:endParaRPr lang="vi-VN" sz="4400" b="1" dirty="0">
+              <a:solidFill>
+                <a:srgbClr val="660033"/>
+              </a:solidFill>
+              <a:latin typeface="+mn-lt"/>
+            </a:endParaRPr>
+          </a:p>
+        </p:txBody>
+      </p:sp>
+    </p:spTree>
+    <p:extLst>
+      <p:ext uri="{BB962C8B-B14F-4D97-AF65-F5344CB8AC3E}">
+        <p14:creationId xmlns:p14="http://schemas.microsoft.com/office/powerpoint/2010/main" xmlns="" val="1407003638"/>
+      </p:ext>
+    </p:extLst>
+  </p:cSld>
+  <p:clrMapOvr>
+    <a:masterClrMapping/>
+  </p:clrMapOvr>
+  <p:timing>
+    <p:tnLst>
+      <p:par>
+        <p:cTn id="1" dur="indefinite" restart="never" nodeType="tmRoot"/>
+      </p:par>
+    </p:tnLst>
+  </p:timing>
+</p:sld>
+</file>
+
+<file path=ppt/slides/slide18.xml><?xml version="1.0" encoding="utf-8"?>
+<p:sld xmlns:a="http://schemas.openxmlformats.org/drawingml/2006/main" xmlns:r="http://schemas.openxmlformats.org/officeDocument/2006/relationships" xmlns:p="http://schemas.openxmlformats.org/presentationml/2006/main">
+  <p:cSld>
+    <p:spTree>
+      <p:nvGrpSpPr>
+        <p:cNvPr id="1" name=""/>
+        <p:cNvGrpSpPr/>
+        <p:nvPr/>
+      </p:nvGrpSpPr>
+      <p:grpSpPr>
+        <a:xfrm>
+          <a:off x="0" y="0"/>
+          <a:ext cx="0" cy="0"/>
+          <a:chOff x="0" y="0"/>
+          <a:chExt cx="0" cy="0"/>
+        </a:xfrm>
+      </p:grpSpPr>
+      <p:sp>
+        <p:nvSpPr>
+          <p:cNvPr id="5" name="內容版面配置區 4"/>
+          <p:cNvSpPr>
+            <a:spLocks noGrp="1"/>
+          </p:cNvSpPr>
+          <p:nvPr>
+            <p:ph idx="1"/>
+          </p:nvPr>
+        </p:nvSpPr>
+        <p:spPr>
+          <a:xfrm>
+            <a:off x="0" y="2084851"/>
+            <a:ext cx="12192000" cy="2404863"/>
+          </a:xfrm>
+        </p:spPr>
+        <p:txBody>
+          <a:bodyPr anchor="ctr">
+            <a:normAutofit/>
+          </a:bodyPr>
+          <a:lstStyle/>
+          <a:p>
+            <a:pPr marL="0" indent="0" algn="ctr">
+              <a:buNone/>
+            </a:pPr>
+            <a:r>
+              <a:rPr lang="zh-TW" altLang="en-US" sz="6600" b="1" dirty="0" smtClean="0">
+                <a:solidFill>
+                  <a:srgbClr val="660033"/>
+                </a:solidFill>
+                <a:latin typeface="Microsoft JhengHei" panose="020B0604030504040204" pitchFamily="34" charset="-120"/>
+                <a:ea typeface="Microsoft JhengHei" panose="020B0604030504040204" pitchFamily="34" charset="-120"/>
+              </a:rPr>
+              <a:t>住在耶路撒冷裏</a:t>
+            </a:r>
+          </a:p>
+          <a:p>
+            <a:pPr marL="0" indent="0" algn="ctr">
+              <a:buNone/>
+            </a:pPr>
+            <a:r>
+              <a:rPr lang="zh-TW" altLang="en-US" sz="6600" b="1" dirty="0" smtClean="0">
+                <a:solidFill>
+                  <a:srgbClr val="660033"/>
+                </a:solidFill>
+                <a:latin typeface="Microsoft JhengHei" panose="020B0604030504040204" pitchFamily="34" charset="-120"/>
+                <a:ea typeface="Microsoft JhengHei" panose="020B0604030504040204" pitchFamily="34" charset="-120"/>
+              </a:rPr>
+              <a:t>長戴金冠永安息</a:t>
+            </a:r>
+            <a:endParaRPr lang="en-US" altLang="zh-TW" sz="6600" b="1" dirty="0">
+              <a:solidFill>
+                <a:srgbClr val="660033"/>
+              </a:solidFill>
+              <a:latin typeface="Microsoft JhengHei" panose="020B0604030504040204" pitchFamily="34" charset="-120"/>
+              <a:ea typeface="Microsoft JhengHei" panose="020B0604030504040204" pitchFamily="34" charset="-120"/>
+            </a:endParaRPr>
+          </a:p>
+        </p:txBody>
+      </p:sp>
+      <p:sp>
+        <p:nvSpPr>
+          <p:cNvPr id="3" name="TextBox 2"/>
+          <p:cNvSpPr txBox="1"/>
+          <p:nvPr/>
+        </p:nvSpPr>
+        <p:spPr>
+          <a:xfrm>
+            <a:off x="0" y="5061182"/>
+            <a:ext cx="12192000" cy="800215"/>
+          </a:xfrm>
+          <a:prstGeom prst="rect">
+            <a:avLst/>
+          </a:prstGeom>
+          <a:noFill/>
+        </p:spPr>
+        <p:txBody>
+          <a:bodyPr wrap="square" lIns="121917" tIns="60958" rIns="121917" bIns="60958" rtlCol="0">
+            <a:spAutoFit/>
+          </a:bodyPr>
+          <a:lstStyle/>
+          <a:p>
+            <a:pPr algn="ctr"/>
+            <a:r>
+              <a:rPr lang="en-US" sz="4400" b="1" dirty="0" smtClean="0">
+                <a:solidFill>
+                  <a:srgbClr val="660033"/>
+                </a:solidFill>
+                <a:latin typeface="+mn-lt"/>
+              </a:rPr>
+              <a:t>( </a:t>
+            </a:r>
+            <a:r>
+              <a:rPr lang="en-US" sz="4400" b="1" dirty="0" smtClean="0">
+                <a:solidFill>
+                  <a:srgbClr val="660033"/>
+                </a:solidFill>
+                <a:latin typeface="+mn-lt"/>
+              </a:rPr>
+              <a:t>3 / 4 </a:t>
+            </a:r>
+            <a:r>
+              <a:rPr lang="en-US" sz="4400" b="1" dirty="0" smtClean="0">
+                <a:solidFill>
+                  <a:srgbClr val="660033"/>
+                </a:solidFill>
+                <a:latin typeface="+mn-lt"/>
+              </a:rPr>
+              <a:t>)</a:t>
+            </a:r>
+            <a:endParaRPr lang="vi-VN" sz="4400" b="1" dirty="0">
+              <a:solidFill>
+                <a:srgbClr val="660033"/>
+              </a:solidFill>
+              <a:latin typeface="+mn-lt"/>
+            </a:endParaRPr>
+          </a:p>
+        </p:txBody>
+      </p:sp>
+    </p:spTree>
+    <p:extLst>
+      <p:ext uri="{BB962C8B-B14F-4D97-AF65-F5344CB8AC3E}">
+        <p14:creationId xmlns:p14="http://schemas.microsoft.com/office/powerpoint/2010/main" xmlns="" val="1407003638"/>
+      </p:ext>
+    </p:extLst>
+  </p:cSld>
+  <p:clrMapOvr>
+    <a:masterClrMapping/>
+  </p:clrMapOvr>
+  <p:timing>
+    <p:tnLst>
+      <p:par>
+        <p:cTn id="1" dur="indefinite" restart="never" nodeType="tmRoot"/>
+      </p:par>
+    </p:tnLst>
+  </p:timing>
+</p:sld>
+</file>
+
+<file path=ppt/slides/slide19.xml><?xml version="1.0" encoding="utf-8"?>
+<p:sld xmlns:a="http://schemas.openxmlformats.org/drawingml/2006/main" xmlns:r="http://schemas.openxmlformats.org/officeDocument/2006/relationships" xmlns:p="http://schemas.openxmlformats.org/presentationml/2006/main">
+  <p:cSld>
+    <p:spTree>
+      <p:nvGrpSpPr>
+        <p:cNvPr id="1" name=""/>
+        <p:cNvGrpSpPr/>
+        <p:nvPr/>
+      </p:nvGrpSpPr>
+      <p:grpSpPr>
+        <a:xfrm>
+          <a:off x="0" y="0"/>
+          <a:ext cx="0" cy="0"/>
+          <a:chOff x="0" y="0"/>
+          <a:chExt cx="0" cy="0"/>
+        </a:xfrm>
+      </p:grpSpPr>
+      <p:sp>
+        <p:nvSpPr>
+          <p:cNvPr id="5" name="內容版面配置區 4"/>
+          <p:cNvSpPr>
+            <a:spLocks noGrp="1"/>
+          </p:cNvSpPr>
+          <p:nvPr>
+            <p:ph idx="1"/>
+          </p:nvPr>
+        </p:nvSpPr>
+        <p:spPr>
+          <a:xfrm>
+            <a:off x="0" y="2084851"/>
+            <a:ext cx="12192000" cy="2404863"/>
+          </a:xfrm>
+        </p:spPr>
+        <p:txBody>
+          <a:bodyPr anchor="ctr">
+            <a:normAutofit/>
+          </a:bodyPr>
+          <a:lstStyle/>
+          <a:p>
+            <a:pPr marL="0" indent="0" algn="ctr">
+              <a:buNone/>
+            </a:pPr>
+            <a:r>
+              <a:rPr lang="zh-TW" altLang="en-US" sz="6600" b="1" dirty="0" smtClean="0">
+                <a:solidFill>
+                  <a:srgbClr val="660033"/>
+                </a:solidFill>
+                <a:latin typeface="Microsoft JhengHei" panose="020B0604030504040204" pitchFamily="34" charset="-120"/>
+                <a:ea typeface="Microsoft JhengHei" panose="020B0604030504040204" pitchFamily="34" charset="-120"/>
+              </a:rPr>
+              <a:t>結果好  結果好</a:t>
+            </a:r>
+            <a:endParaRPr lang="en-US" altLang="zh-TW" sz="6600" b="1" dirty="0">
+              <a:solidFill>
+                <a:srgbClr val="660033"/>
+              </a:solidFill>
+              <a:latin typeface="Microsoft JhengHei" panose="020B0604030504040204" pitchFamily="34" charset="-120"/>
+              <a:ea typeface="Microsoft JhengHei" panose="020B0604030504040204" pitchFamily="34" charset="-120"/>
+            </a:endParaRPr>
+          </a:p>
+        </p:txBody>
+      </p:sp>
+      <p:sp>
+        <p:nvSpPr>
+          <p:cNvPr id="3" name="TextBox 2"/>
+          <p:cNvSpPr txBox="1"/>
+          <p:nvPr/>
+        </p:nvSpPr>
+        <p:spPr>
+          <a:xfrm>
+            <a:off x="0" y="5061182"/>
+            <a:ext cx="12192000" cy="800215"/>
+          </a:xfrm>
+          <a:prstGeom prst="rect">
+            <a:avLst/>
+          </a:prstGeom>
+          <a:noFill/>
+        </p:spPr>
+        <p:txBody>
+          <a:bodyPr wrap="square" lIns="121917" tIns="60958" rIns="121917" bIns="60958" rtlCol="0">
+            <a:spAutoFit/>
+          </a:bodyPr>
+          <a:lstStyle/>
+          <a:p>
+            <a:pPr algn="ctr"/>
+            <a:r>
+              <a:rPr lang="en-US" sz="4400" b="1" dirty="0" smtClean="0">
+                <a:solidFill>
+                  <a:srgbClr val="660033"/>
+                </a:solidFill>
+                <a:latin typeface="+mn-lt"/>
+              </a:rPr>
+              <a:t>( </a:t>
+            </a:r>
+            <a:r>
+              <a:rPr lang="en-US" sz="4400" b="1" dirty="0" smtClean="0">
+                <a:solidFill>
+                  <a:srgbClr val="660033"/>
+                </a:solidFill>
+                <a:latin typeface="+mn-lt"/>
+              </a:rPr>
+              <a:t>3 / 4 </a:t>
+            </a:r>
+            <a:r>
+              <a:rPr lang="en-US" sz="4400" b="1" dirty="0" smtClean="0">
+                <a:solidFill>
+                  <a:srgbClr val="660033"/>
+                </a:solidFill>
+                <a:latin typeface="+mn-lt"/>
+              </a:rPr>
+              <a:t>)</a:t>
+            </a:r>
+            <a:endParaRPr lang="vi-VN" sz="4400" b="1" dirty="0">
+              <a:solidFill>
+                <a:srgbClr val="660033"/>
+              </a:solidFill>
+              <a:latin typeface="+mn-lt"/>
+            </a:endParaRPr>
+          </a:p>
+        </p:txBody>
+      </p:sp>
+    </p:spTree>
+    <p:extLst>
+      <p:ext uri="{BB962C8B-B14F-4D97-AF65-F5344CB8AC3E}">
+        <p14:creationId xmlns:p14="http://schemas.microsoft.com/office/powerpoint/2010/main" xmlns="" val="1407003638"/>
+      </p:ext>
+    </p:extLst>
+  </p:cSld>
+  <p:clrMapOvr>
+    <a:masterClrMapping/>
+  </p:clrMapOvr>
+  <p:timing>
+    <p:tnLst>
+      <p:par>
+        <p:cTn id="1" dur="indefinite" restart="never" nodeType="tmRoot"/>
+      </p:par>
+    </p:tnLst>
+  </p:timing>
 </p:sld>
 </file>
 
@@ -4081,130 +5301,40 @@
       </p:grpSpPr>
       <p:sp>
         <p:nvSpPr>
-          <p:cNvPr id="4" name="Title 3"/>
-          <p:cNvSpPr>
-            <a:spLocks noGrp="1"/>
-          </p:cNvSpPr>
-          <p:nvPr>
-            <p:ph type="title"/>
-          </p:nvPr>
-        </p:nvSpPr>
-        <p:spPr/>
-        <p:txBody>
-          <a:bodyPr>
+          <p:cNvPr id="5" name="內容版面配置區 4"/>
+          <p:cNvSpPr>
+            <a:spLocks noGrp="1"/>
+          </p:cNvSpPr>
+          <p:nvPr>
+            <p:ph idx="1"/>
+          </p:nvPr>
+        </p:nvSpPr>
+        <p:spPr>
+          <a:xfrm>
+            <a:off x="0" y="2084851"/>
+            <a:ext cx="12192000" cy="2404863"/>
+          </a:xfrm>
+        </p:spPr>
+        <p:txBody>
+          <a:bodyPr anchor="ctr">
             <a:normAutofit/>
           </a:bodyPr>
           <a:lstStyle/>
           <a:p>
-            <a:r>
-              <a:rPr lang="en-US" altLang="zh-TW" sz="4800" b="1" dirty="0">
+            <a:pPr marL="0" indent="0" algn="ctr">
+              <a:buNone/>
+            </a:pPr>
+            <a:r>
+              <a:rPr lang="zh-TW" altLang="en-US" sz="6600" b="1" dirty="0" smtClean="0">
                 <a:solidFill>
                   <a:srgbClr val="660033"/>
                 </a:solidFill>
                 <a:latin typeface="Microsoft JhengHei" panose="020B0604030504040204" pitchFamily="34" charset="-120"/>
                 <a:ea typeface="Microsoft JhengHei" panose="020B0604030504040204" pitchFamily="34" charset="-120"/>
               </a:rPr>
-              <a:t>【</a:t>
-            </a:r>
-            <a:r>
-              <a:rPr lang="zh-TW" altLang="en-US" sz="4800" b="1" dirty="0">
-                <a:solidFill>
-                  <a:srgbClr val="660033"/>
-                </a:solidFill>
-                <a:latin typeface="Microsoft JhengHei" panose="020B0604030504040204" pitchFamily="34" charset="-120"/>
-                <a:ea typeface="Microsoft JhengHei" panose="020B0604030504040204" pitchFamily="34" charset="-120"/>
-              </a:rPr>
-              <a:t>我要往前打勝仗</a:t>
-            </a:r>
-            <a:r>
-              <a:rPr lang="en-US" altLang="zh-TW" sz="4800" b="1" dirty="0">
-                <a:solidFill>
-                  <a:srgbClr val="660033"/>
-                </a:solidFill>
-                <a:latin typeface="Microsoft JhengHei" panose="020B0604030504040204" pitchFamily="34" charset="-120"/>
-                <a:ea typeface="Microsoft JhengHei" panose="020B0604030504040204" pitchFamily="34" charset="-120"/>
-              </a:rPr>
-              <a:t>】</a:t>
-            </a:r>
-          </a:p>
-        </p:txBody>
-      </p:sp>
-      <p:sp>
-        <p:nvSpPr>
-          <p:cNvPr id="5" name="Content Placeholder 4"/>
-          <p:cNvSpPr>
-            <a:spLocks noGrp="1"/>
-          </p:cNvSpPr>
-          <p:nvPr>
-            <p:ph idx="1"/>
-          </p:nvPr>
-        </p:nvSpPr>
-        <p:spPr/>
-        <p:txBody>
-          <a:bodyPr>
-            <a:noAutofit/>
-          </a:bodyPr>
-          <a:lstStyle/>
-          <a:p>
-            <a:pPr marL="0" indent="0" algn="ctr">
-              <a:buNone/>
-            </a:pPr>
-            <a:r>
-              <a:rPr lang="zh-CN" altLang="en-US" sz="5400" b="1" dirty="0">
-                <a:solidFill>
-                  <a:srgbClr val="660033"/>
-                </a:solidFill>
-                <a:latin typeface="Microsoft JhengHei" panose="020B0604030504040204" pitchFamily="34" charset="-120"/>
-                <a:ea typeface="Microsoft JhengHei" panose="020B0604030504040204" pitchFamily="34" charset="-120"/>
-              </a:rPr>
-              <a:t>我要往前打勝</a:t>
-            </a:r>
-            <a:r>
-              <a:rPr lang="zh-CN" altLang="en-US" sz="5400" b="1" dirty="0" smtClean="0">
-                <a:solidFill>
-                  <a:srgbClr val="660033"/>
-                </a:solidFill>
-                <a:latin typeface="Microsoft JhengHei" panose="020B0604030504040204" pitchFamily="34" charset="-120"/>
-                <a:ea typeface="Microsoft JhengHei" panose="020B0604030504040204" pitchFamily="34" charset="-120"/>
-              </a:rPr>
-              <a:t>仗  耶</a:t>
-            </a:r>
-            <a:r>
-              <a:rPr lang="zh-CN" altLang="en-US" sz="5400" b="1" dirty="0">
-                <a:solidFill>
-                  <a:srgbClr val="660033"/>
-                </a:solidFill>
-                <a:latin typeface="Microsoft JhengHei" panose="020B0604030504040204" pitchFamily="34" charset="-120"/>
-                <a:ea typeface="Microsoft JhengHei" panose="020B0604030504040204" pitchFamily="34" charset="-120"/>
-              </a:rPr>
-              <a:t>穌為我大主將</a:t>
-            </a:r>
-          </a:p>
-          <a:p>
-            <a:pPr marL="0" indent="0" algn="ctr">
-              <a:buNone/>
-            </a:pPr>
-            <a:r>
-              <a:rPr lang="zh-CN" altLang="en-US" sz="5400" b="1" dirty="0">
-                <a:solidFill>
-                  <a:srgbClr val="660033"/>
-                </a:solidFill>
-                <a:latin typeface="Microsoft JhengHei" panose="020B0604030504040204" pitchFamily="34" charset="-120"/>
-                <a:ea typeface="Microsoft JhengHei" panose="020B0604030504040204" pitchFamily="34" charset="-120"/>
-              </a:rPr>
-              <a:t>耶穌為我大主</a:t>
-            </a:r>
-            <a:r>
-              <a:rPr lang="zh-CN" altLang="en-US" sz="5400" b="1" dirty="0">
-                <a:solidFill>
-                  <a:srgbClr val="660033"/>
-                </a:solidFill>
-                <a:latin typeface="Microsoft JhengHei" panose="020B0604030504040204" pitchFamily="34" charset="-120"/>
-                <a:ea typeface="Microsoft JhengHei" panose="020B0604030504040204" pitchFamily="34" charset="-120"/>
-              </a:rPr>
-              <a:t>將</a:t>
-            </a:r>
-            <a:endParaRPr lang="en-US" altLang="zh-CN" sz="5400" b="1" dirty="0">
+              <a:t>聖徒披上靈甲冑</a:t>
+            </a:r>
+            <a:endParaRPr lang="en-US" altLang="zh-TW" sz="6600" b="1" dirty="0" smtClean="0">
               <a:solidFill>
                 <a:srgbClr val="660033"/>
               </a:solidFill>
@@ -4217,61 +5347,26 @@
               <a:buNone/>
             </a:pPr>
             <a:r>
-              <a:rPr lang="zh-CN" altLang="en-US" sz="5400" b="1" dirty="0">
+              <a:rPr lang="zh-TW" altLang="en-US" sz="6600" b="1" dirty="0" smtClean="0">
                 <a:solidFill>
                   <a:srgbClr val="660033"/>
                 </a:solidFill>
                 <a:latin typeface="Microsoft JhengHei" panose="020B0604030504040204" pitchFamily="34" charset="-120"/>
                 <a:ea typeface="Microsoft JhengHei" panose="020B0604030504040204" pitchFamily="34" charset="-120"/>
               </a:rPr>
-              <a:t>我要往前打勝</a:t>
-            </a:r>
-            <a:r>
-              <a:rPr lang="zh-CN" altLang="en-US" sz="5400" b="1" dirty="0">
+              <a:t>因有勝仗須要</a:t>
+            </a:r>
+            <a:r>
+              <a:rPr lang="zh-TW" altLang="en-US" sz="6600" b="1" dirty="0" smtClean="0">
                 <a:solidFill>
                   <a:srgbClr val="660033"/>
                 </a:solidFill>
                 <a:latin typeface="Microsoft JhengHei" panose="020B0604030504040204" pitchFamily="34" charset="-120"/>
                 <a:ea typeface="Microsoft JhengHei" panose="020B0604030504040204" pitchFamily="34" charset="-120"/>
               </a:rPr>
-              <a:t>仗  直</a:t>
-            </a:r>
-            <a:r>
-              <a:rPr lang="zh-CN" altLang="en-US" sz="5400" b="1" dirty="0">
-                <a:solidFill>
-                  <a:srgbClr val="660033"/>
-                </a:solidFill>
-                <a:latin typeface="Microsoft JhengHei" panose="020B0604030504040204" pitchFamily="34" charset="-120"/>
-                <a:ea typeface="Microsoft JhengHei" panose="020B0604030504040204" pitchFamily="34" charset="-120"/>
-              </a:rPr>
-              <a:t>打了末次</a:t>
-            </a:r>
-          </a:p>
-          <a:p>
-            <a:pPr marL="0" indent="0" algn="ctr">
-              <a:buNone/>
-            </a:pPr>
-            <a:r>
-              <a:rPr lang="zh-CN" altLang="en-US" sz="5400" b="1" dirty="0">
-                <a:solidFill>
-                  <a:srgbClr val="660033"/>
-                </a:solidFill>
-                <a:latin typeface="Microsoft JhengHei" panose="020B0604030504040204" pitchFamily="34" charset="-120"/>
-                <a:ea typeface="Microsoft JhengHei" panose="020B0604030504040204" pitchFamily="34" charset="-120"/>
-              </a:rPr>
-              <a:t>榮耀美好勝</a:t>
-            </a:r>
-            <a:r>
-              <a:rPr lang="zh-CN" altLang="en-US" sz="5400" b="1" dirty="0">
-                <a:solidFill>
-                  <a:srgbClr val="660033"/>
-                </a:solidFill>
-                <a:latin typeface="Microsoft JhengHei" panose="020B0604030504040204" pitchFamily="34" charset="-120"/>
-                <a:ea typeface="Microsoft JhengHei" panose="020B0604030504040204" pitchFamily="34" charset="-120"/>
-              </a:rPr>
-              <a:t>仗</a:t>
-            </a:r>
-            <a:endParaRPr lang="zh-CN" altLang="en-US" sz="5400" b="1" dirty="0">
+              <a:t>鬥</a:t>
+            </a:r>
+            <a:endParaRPr lang="en-US" altLang="zh-TW" sz="6600" b="1" dirty="0">
               <a:solidFill>
                 <a:srgbClr val="660033"/>
               </a:solidFill>
@@ -4281,16 +5376,1322 @@
           </a:p>
         </p:txBody>
       </p:sp>
+      <p:sp>
+        <p:nvSpPr>
+          <p:cNvPr id="3" name="TextBox 2"/>
+          <p:cNvSpPr txBox="1"/>
+          <p:nvPr/>
+        </p:nvSpPr>
+        <p:spPr>
+          <a:xfrm>
+            <a:off x="0" y="5061182"/>
+            <a:ext cx="12192000" cy="800215"/>
+          </a:xfrm>
+          <a:prstGeom prst="rect">
+            <a:avLst/>
+          </a:prstGeom>
+          <a:noFill/>
+        </p:spPr>
+        <p:txBody>
+          <a:bodyPr wrap="square" lIns="121917" tIns="60958" rIns="121917" bIns="60958" rtlCol="0">
+            <a:spAutoFit/>
+          </a:bodyPr>
+          <a:lstStyle/>
+          <a:p>
+            <a:pPr algn="ctr"/>
+            <a:r>
+              <a:rPr lang="en-US" sz="4400" b="1" dirty="0" smtClean="0">
+                <a:solidFill>
+                  <a:srgbClr val="660033"/>
+                </a:solidFill>
+                <a:latin typeface="+mn-lt"/>
+              </a:rPr>
+              <a:t>( </a:t>
+            </a:r>
+            <a:r>
+              <a:rPr lang="en-US" sz="4400" b="1" dirty="0" smtClean="0">
+                <a:solidFill>
+                  <a:srgbClr val="660033"/>
+                </a:solidFill>
+                <a:latin typeface="+mn-lt"/>
+              </a:rPr>
+              <a:t>1 / 4 </a:t>
+            </a:r>
+            <a:r>
+              <a:rPr lang="en-US" sz="4400" b="1" dirty="0" smtClean="0">
+                <a:solidFill>
+                  <a:srgbClr val="660033"/>
+                </a:solidFill>
+                <a:latin typeface="+mn-lt"/>
+              </a:rPr>
+              <a:t>)</a:t>
+            </a:r>
+            <a:endParaRPr lang="vi-VN" sz="4400" b="1" dirty="0">
+              <a:solidFill>
+                <a:srgbClr val="660033"/>
+              </a:solidFill>
+              <a:latin typeface="+mn-lt"/>
+            </a:endParaRPr>
+          </a:p>
+        </p:txBody>
+      </p:sp>
     </p:spTree>
     <p:extLst>
       <p:ext uri="{BB962C8B-B14F-4D97-AF65-F5344CB8AC3E}">
-        <p14:creationId xmlns:p14="http://schemas.microsoft.com/office/powerpoint/2010/main" val="3319191940"/>
+        <p14:creationId xmlns:p14="http://schemas.microsoft.com/office/powerpoint/2010/main" xmlns="" val="1407003638"/>
       </p:ext>
     </p:extLst>
   </p:cSld>
   <p:clrMapOvr>
     <a:masterClrMapping/>
   </p:clrMapOvr>
+  <p:timing>
+    <p:tnLst>
+      <p:par>
+        <p:cTn id="1" dur="indefinite" restart="never" nodeType="tmRoot"/>
+      </p:par>
+    </p:tnLst>
+  </p:timing>
+</p:sld>
+</file>
+
+<file path=ppt/slides/slide20.xml><?xml version="1.0" encoding="utf-8"?>
+<p:sld xmlns:a="http://schemas.openxmlformats.org/drawingml/2006/main" xmlns:r="http://schemas.openxmlformats.org/officeDocument/2006/relationships" xmlns:p="http://schemas.openxmlformats.org/presentationml/2006/main">
+  <p:cSld>
+    <p:spTree>
+      <p:nvGrpSpPr>
+        <p:cNvPr id="1" name=""/>
+        <p:cNvGrpSpPr/>
+        <p:nvPr/>
+      </p:nvGrpSpPr>
+      <p:grpSpPr>
+        <a:xfrm>
+          <a:off x="0" y="0"/>
+          <a:ext cx="0" cy="0"/>
+          <a:chOff x="0" y="0"/>
+          <a:chExt cx="0" cy="0"/>
+        </a:xfrm>
+      </p:grpSpPr>
+      <p:sp>
+        <p:nvSpPr>
+          <p:cNvPr id="5" name="內容版面配置區 4"/>
+          <p:cNvSpPr>
+            <a:spLocks noGrp="1"/>
+          </p:cNvSpPr>
+          <p:nvPr>
+            <p:ph idx="1"/>
+          </p:nvPr>
+        </p:nvSpPr>
+        <p:spPr>
+          <a:xfrm>
+            <a:off x="0" y="2084851"/>
+            <a:ext cx="12192000" cy="2404863"/>
+          </a:xfrm>
+        </p:spPr>
+        <p:txBody>
+          <a:bodyPr anchor="ctr">
+            <a:normAutofit/>
+          </a:bodyPr>
+          <a:lstStyle/>
+          <a:p>
+            <a:pPr marL="0" indent="0" algn="ctr">
+              <a:buNone/>
+            </a:pPr>
+            <a:r>
+              <a:rPr lang="zh-CN" altLang="en-US" sz="6600" b="1" dirty="0" smtClean="0">
+                <a:solidFill>
+                  <a:srgbClr val="660033"/>
+                </a:solidFill>
+                <a:latin typeface="Microsoft JhengHei" panose="020B0604030504040204" pitchFamily="34" charset="-120"/>
+                <a:ea typeface="Microsoft JhengHei" panose="020B0604030504040204" pitchFamily="34" charset="-120"/>
+              </a:rPr>
+              <a:t>我要往前</a:t>
+            </a:r>
+            <a:r>
+              <a:rPr lang="zh-CN" altLang="en-US" sz="6600" b="1" dirty="0" smtClean="0">
+                <a:solidFill>
+                  <a:srgbClr val="660033"/>
+                </a:solidFill>
+                <a:latin typeface="Microsoft JhengHei" panose="020B0604030504040204" pitchFamily="34" charset="-120"/>
+                <a:ea typeface="Microsoft JhengHei" panose="020B0604030504040204" pitchFamily="34" charset="-120"/>
+              </a:rPr>
+              <a:t>打勝仗</a:t>
+            </a:r>
+            <a:endParaRPr lang="en-US" altLang="zh-CN" sz="6600" b="1" dirty="0" smtClean="0">
+              <a:solidFill>
+                <a:srgbClr val="660033"/>
+              </a:solidFill>
+              <a:latin typeface="Microsoft JhengHei" panose="020B0604030504040204" pitchFamily="34" charset="-120"/>
+              <a:ea typeface="Microsoft JhengHei" panose="020B0604030504040204" pitchFamily="34" charset="-120"/>
+            </a:endParaRPr>
+          </a:p>
+          <a:p>
+            <a:pPr marL="0" indent="0" algn="ctr">
+              <a:buNone/>
+            </a:pPr>
+            <a:r>
+              <a:rPr lang="zh-CN" altLang="en-US" sz="6600" b="1" dirty="0" smtClean="0">
+                <a:solidFill>
+                  <a:srgbClr val="660033"/>
+                </a:solidFill>
+                <a:latin typeface="Microsoft JhengHei" panose="020B0604030504040204" pitchFamily="34" charset="-120"/>
+                <a:ea typeface="Microsoft JhengHei" panose="020B0604030504040204" pitchFamily="34" charset="-120"/>
+              </a:rPr>
+              <a:t>耶穌</a:t>
+            </a:r>
+            <a:r>
+              <a:rPr lang="zh-CN" altLang="en-US" sz="6600" b="1" dirty="0" smtClean="0">
+                <a:solidFill>
+                  <a:srgbClr val="660033"/>
+                </a:solidFill>
+                <a:latin typeface="Microsoft JhengHei" panose="020B0604030504040204" pitchFamily="34" charset="-120"/>
+                <a:ea typeface="Microsoft JhengHei" panose="020B0604030504040204" pitchFamily="34" charset="-120"/>
+              </a:rPr>
+              <a:t>為我大主將</a:t>
+            </a:r>
+            <a:endParaRPr lang="zh-CN" altLang="en-US" sz="6600" b="1" dirty="0">
+              <a:solidFill>
+                <a:srgbClr val="660033"/>
+              </a:solidFill>
+              <a:latin typeface="Microsoft JhengHei" panose="020B0604030504040204" pitchFamily="34" charset="-120"/>
+              <a:ea typeface="Microsoft JhengHei" panose="020B0604030504040204" pitchFamily="34" charset="-120"/>
+            </a:endParaRPr>
+          </a:p>
+        </p:txBody>
+      </p:sp>
+    </p:spTree>
+    <p:extLst>
+      <p:ext uri="{BB962C8B-B14F-4D97-AF65-F5344CB8AC3E}">
+        <p14:creationId xmlns:p14="http://schemas.microsoft.com/office/powerpoint/2010/main" xmlns="" val="1407003638"/>
+      </p:ext>
+    </p:extLst>
+  </p:cSld>
+  <p:clrMapOvr>
+    <a:masterClrMapping/>
+  </p:clrMapOvr>
+  <p:timing>
+    <p:tnLst>
+      <p:par>
+        <p:cTn id="1" dur="indefinite" restart="never" nodeType="tmRoot"/>
+      </p:par>
+    </p:tnLst>
+  </p:timing>
+</p:sld>
+</file>
+
+<file path=ppt/slides/slide21.xml><?xml version="1.0" encoding="utf-8"?>
+<p:sld xmlns:a="http://schemas.openxmlformats.org/drawingml/2006/main" xmlns:r="http://schemas.openxmlformats.org/officeDocument/2006/relationships" xmlns:p="http://schemas.openxmlformats.org/presentationml/2006/main">
+  <p:cSld>
+    <p:spTree>
+      <p:nvGrpSpPr>
+        <p:cNvPr id="1" name=""/>
+        <p:cNvGrpSpPr/>
+        <p:nvPr/>
+      </p:nvGrpSpPr>
+      <p:grpSpPr>
+        <a:xfrm>
+          <a:off x="0" y="0"/>
+          <a:ext cx="0" cy="0"/>
+          <a:chOff x="0" y="0"/>
+          <a:chExt cx="0" cy="0"/>
+        </a:xfrm>
+      </p:grpSpPr>
+      <p:sp>
+        <p:nvSpPr>
+          <p:cNvPr id="5" name="內容版面配置區 4"/>
+          <p:cNvSpPr>
+            <a:spLocks noGrp="1"/>
+          </p:cNvSpPr>
+          <p:nvPr>
+            <p:ph idx="1"/>
+          </p:nvPr>
+        </p:nvSpPr>
+        <p:spPr>
+          <a:xfrm>
+            <a:off x="0" y="2084851"/>
+            <a:ext cx="12192000" cy="2404863"/>
+          </a:xfrm>
+        </p:spPr>
+        <p:txBody>
+          <a:bodyPr anchor="ctr">
+            <a:normAutofit/>
+          </a:bodyPr>
+          <a:lstStyle/>
+          <a:p>
+            <a:pPr marL="0" indent="0" algn="ctr">
+              <a:buNone/>
+            </a:pPr>
+            <a:r>
+              <a:rPr lang="zh-CN" altLang="en-US" sz="6600" b="1" dirty="0" smtClean="0">
+                <a:solidFill>
+                  <a:srgbClr val="660033"/>
+                </a:solidFill>
+                <a:latin typeface="Microsoft JhengHei" panose="020B0604030504040204" pitchFamily="34" charset="-120"/>
+                <a:ea typeface="Microsoft JhengHei" panose="020B0604030504040204" pitchFamily="34" charset="-120"/>
+              </a:rPr>
+              <a:t>耶穌為我大主將</a:t>
+            </a:r>
+            <a:endParaRPr lang="en-US" altLang="zh-CN" sz="6600" b="1" dirty="0">
+              <a:solidFill>
+                <a:srgbClr val="660033"/>
+              </a:solidFill>
+              <a:latin typeface="Microsoft JhengHei" panose="020B0604030504040204" pitchFamily="34" charset="-120"/>
+              <a:ea typeface="Microsoft JhengHei" panose="020B0604030504040204" pitchFamily="34" charset="-120"/>
+            </a:endParaRPr>
+          </a:p>
+        </p:txBody>
+      </p:sp>
+    </p:spTree>
+    <p:extLst>
+      <p:ext uri="{BB962C8B-B14F-4D97-AF65-F5344CB8AC3E}">
+        <p14:creationId xmlns:p14="http://schemas.microsoft.com/office/powerpoint/2010/main" xmlns="" val="1407003638"/>
+      </p:ext>
+    </p:extLst>
+  </p:cSld>
+  <p:clrMapOvr>
+    <a:masterClrMapping/>
+  </p:clrMapOvr>
+  <p:timing>
+    <p:tnLst>
+      <p:par>
+        <p:cTn id="1" dur="indefinite" restart="never" nodeType="tmRoot"/>
+      </p:par>
+    </p:tnLst>
+  </p:timing>
+</p:sld>
+</file>
+
+<file path=ppt/slides/slide22.xml><?xml version="1.0" encoding="utf-8"?>
+<p:sld xmlns:a="http://schemas.openxmlformats.org/drawingml/2006/main" xmlns:r="http://schemas.openxmlformats.org/officeDocument/2006/relationships" xmlns:p="http://schemas.openxmlformats.org/presentationml/2006/main">
+  <p:cSld>
+    <p:spTree>
+      <p:nvGrpSpPr>
+        <p:cNvPr id="1" name=""/>
+        <p:cNvGrpSpPr/>
+        <p:nvPr/>
+      </p:nvGrpSpPr>
+      <p:grpSpPr>
+        <a:xfrm>
+          <a:off x="0" y="0"/>
+          <a:ext cx="0" cy="0"/>
+          <a:chOff x="0" y="0"/>
+          <a:chExt cx="0" cy="0"/>
+        </a:xfrm>
+      </p:grpSpPr>
+      <p:sp>
+        <p:nvSpPr>
+          <p:cNvPr id="5" name="內容版面配置區 4"/>
+          <p:cNvSpPr>
+            <a:spLocks noGrp="1"/>
+          </p:cNvSpPr>
+          <p:nvPr>
+            <p:ph idx="1"/>
+          </p:nvPr>
+        </p:nvSpPr>
+        <p:spPr>
+          <a:xfrm>
+            <a:off x="0" y="2084851"/>
+            <a:ext cx="12192000" cy="2404863"/>
+          </a:xfrm>
+        </p:spPr>
+        <p:txBody>
+          <a:bodyPr anchor="ctr">
+            <a:normAutofit/>
+          </a:bodyPr>
+          <a:lstStyle/>
+          <a:p>
+            <a:pPr marL="0" indent="0" algn="ctr">
+              <a:buNone/>
+            </a:pPr>
+            <a:r>
+              <a:rPr lang="zh-CN" altLang="en-US" sz="6600" b="1" dirty="0" smtClean="0">
+                <a:solidFill>
+                  <a:srgbClr val="660033"/>
+                </a:solidFill>
+                <a:latin typeface="Microsoft JhengHei" panose="020B0604030504040204" pitchFamily="34" charset="-120"/>
+                <a:ea typeface="Microsoft JhengHei" panose="020B0604030504040204" pitchFamily="34" charset="-120"/>
+              </a:rPr>
+              <a:t>我要往前打勝仗  直打了末次</a:t>
+            </a:r>
+          </a:p>
+          <a:p>
+            <a:pPr marL="0" indent="0" algn="ctr">
+              <a:buNone/>
+            </a:pPr>
+            <a:r>
+              <a:rPr lang="zh-CN" altLang="en-US" sz="6600" b="1" dirty="0" smtClean="0">
+                <a:solidFill>
+                  <a:srgbClr val="660033"/>
+                </a:solidFill>
+                <a:latin typeface="Microsoft JhengHei" panose="020B0604030504040204" pitchFamily="34" charset="-120"/>
+                <a:ea typeface="Microsoft JhengHei" panose="020B0604030504040204" pitchFamily="34" charset="-120"/>
+              </a:rPr>
+              <a:t>榮耀美好勝仗</a:t>
+            </a:r>
+            <a:endParaRPr lang="zh-CN" altLang="en-US" sz="6600" b="1" dirty="0">
+              <a:solidFill>
+                <a:srgbClr val="660033"/>
+              </a:solidFill>
+              <a:latin typeface="Microsoft JhengHei" panose="020B0604030504040204" pitchFamily="34" charset="-120"/>
+              <a:ea typeface="Microsoft JhengHei" panose="020B0604030504040204" pitchFamily="34" charset="-120"/>
+            </a:endParaRPr>
+          </a:p>
+        </p:txBody>
+      </p:sp>
+    </p:spTree>
+    <p:extLst>
+      <p:ext uri="{BB962C8B-B14F-4D97-AF65-F5344CB8AC3E}">
+        <p14:creationId xmlns:p14="http://schemas.microsoft.com/office/powerpoint/2010/main" xmlns="" val="1407003638"/>
+      </p:ext>
+    </p:extLst>
+  </p:cSld>
+  <p:clrMapOvr>
+    <a:masterClrMapping/>
+  </p:clrMapOvr>
+  <p:timing>
+    <p:tnLst>
+      <p:par>
+        <p:cTn id="1" dur="indefinite" restart="never" nodeType="tmRoot"/>
+      </p:par>
+    </p:tnLst>
+  </p:timing>
+</p:sld>
+</file>
+
+<file path=ppt/slides/slide23.xml><?xml version="1.0" encoding="utf-8"?>
+<p:sld xmlns:a="http://schemas.openxmlformats.org/drawingml/2006/main" xmlns:r="http://schemas.openxmlformats.org/officeDocument/2006/relationships" xmlns:p="http://schemas.openxmlformats.org/presentationml/2006/main">
+  <p:cSld>
+    <p:spTree>
+      <p:nvGrpSpPr>
+        <p:cNvPr id="1" name=""/>
+        <p:cNvGrpSpPr/>
+        <p:nvPr/>
+      </p:nvGrpSpPr>
+      <p:grpSpPr>
+        <a:xfrm>
+          <a:off x="0" y="0"/>
+          <a:ext cx="0" cy="0"/>
+          <a:chOff x="0" y="0"/>
+          <a:chExt cx="0" cy="0"/>
+        </a:xfrm>
+      </p:grpSpPr>
+      <p:sp>
+        <p:nvSpPr>
+          <p:cNvPr id="5" name="內容版面配置區 4"/>
+          <p:cNvSpPr>
+            <a:spLocks noGrp="1"/>
+          </p:cNvSpPr>
+          <p:nvPr>
+            <p:ph idx="1"/>
+          </p:nvPr>
+        </p:nvSpPr>
+        <p:spPr>
+          <a:xfrm>
+            <a:off x="0" y="2084851"/>
+            <a:ext cx="12192000" cy="2404863"/>
+          </a:xfrm>
+        </p:spPr>
+        <p:txBody>
+          <a:bodyPr anchor="ctr">
+            <a:normAutofit/>
+          </a:bodyPr>
+          <a:lstStyle/>
+          <a:p>
+            <a:pPr marL="0" indent="0" algn="ctr">
+              <a:buNone/>
+            </a:pPr>
+            <a:r>
+              <a:rPr lang="zh-TW" altLang="en-US" sz="6600" b="1" dirty="0" smtClean="0">
+                <a:solidFill>
+                  <a:srgbClr val="660033"/>
+                </a:solidFill>
+                <a:latin typeface="Microsoft JhengHei" panose="020B0604030504040204" pitchFamily="34" charset="-120"/>
+                <a:ea typeface="Microsoft JhengHei" panose="020B0604030504040204" pitchFamily="34" charset="-120"/>
+              </a:rPr>
+              <a:t>那時必得喜色添</a:t>
+            </a:r>
+          </a:p>
+          <a:p>
+            <a:pPr marL="0" indent="0" algn="ctr">
+              <a:buNone/>
+            </a:pPr>
+            <a:r>
+              <a:rPr lang="zh-CN" altLang="zh-TW" sz="6600" b="1" dirty="0" smtClean="0">
+                <a:solidFill>
+                  <a:srgbClr val="660033"/>
+                </a:solidFill>
+                <a:latin typeface="Microsoft JhengHei" panose="020B0604030504040204" pitchFamily="34" charset="-120"/>
+                <a:ea typeface="Microsoft JhengHei" panose="020B0604030504040204" pitchFamily="34" charset="-120"/>
+              </a:rPr>
+              <a:t>眾</a:t>
+            </a:r>
+            <a:r>
+              <a:rPr lang="zh-TW" altLang="en-US" sz="6600" b="1" dirty="0" smtClean="0">
+                <a:solidFill>
+                  <a:srgbClr val="660033"/>
+                </a:solidFill>
+                <a:latin typeface="Microsoft JhengHei" panose="020B0604030504040204" pitchFamily="34" charset="-120"/>
+                <a:ea typeface="Microsoft JhengHei" panose="020B0604030504040204" pitchFamily="34" charset="-120"/>
+              </a:rPr>
+              <a:t>徒運舌讚主權</a:t>
+            </a:r>
+            <a:endParaRPr lang="en-US" altLang="zh-TW" sz="6600" b="1" dirty="0">
+              <a:solidFill>
+                <a:srgbClr val="660033"/>
+              </a:solidFill>
+              <a:latin typeface="Microsoft JhengHei" panose="020B0604030504040204" pitchFamily="34" charset="-120"/>
+              <a:ea typeface="Microsoft JhengHei" panose="020B0604030504040204" pitchFamily="34" charset="-120"/>
+            </a:endParaRPr>
+          </a:p>
+        </p:txBody>
+      </p:sp>
+      <p:sp>
+        <p:nvSpPr>
+          <p:cNvPr id="3" name="TextBox 2"/>
+          <p:cNvSpPr txBox="1"/>
+          <p:nvPr/>
+        </p:nvSpPr>
+        <p:spPr>
+          <a:xfrm>
+            <a:off x="0" y="5061182"/>
+            <a:ext cx="12192000" cy="800215"/>
+          </a:xfrm>
+          <a:prstGeom prst="rect">
+            <a:avLst/>
+          </a:prstGeom>
+          <a:noFill/>
+        </p:spPr>
+        <p:txBody>
+          <a:bodyPr wrap="square" lIns="121917" tIns="60958" rIns="121917" bIns="60958" rtlCol="0">
+            <a:spAutoFit/>
+          </a:bodyPr>
+          <a:lstStyle/>
+          <a:p>
+            <a:pPr algn="ctr"/>
+            <a:r>
+              <a:rPr lang="en-US" sz="4400" b="1" dirty="0" smtClean="0">
+                <a:solidFill>
+                  <a:srgbClr val="660033"/>
+                </a:solidFill>
+                <a:latin typeface="+mn-lt"/>
+              </a:rPr>
+              <a:t>( </a:t>
+            </a:r>
+            <a:r>
+              <a:rPr lang="en-US" sz="4400" b="1" dirty="0" smtClean="0">
+                <a:solidFill>
+                  <a:srgbClr val="660033"/>
+                </a:solidFill>
+                <a:latin typeface="+mn-lt"/>
+              </a:rPr>
+              <a:t>4 / 4 </a:t>
+            </a:r>
+            <a:r>
+              <a:rPr lang="en-US" sz="4400" b="1" dirty="0" smtClean="0">
+                <a:solidFill>
+                  <a:srgbClr val="660033"/>
+                </a:solidFill>
+                <a:latin typeface="+mn-lt"/>
+              </a:rPr>
+              <a:t>)</a:t>
+            </a:r>
+            <a:endParaRPr lang="vi-VN" sz="4400" b="1" dirty="0">
+              <a:solidFill>
+                <a:srgbClr val="660033"/>
+              </a:solidFill>
+              <a:latin typeface="+mn-lt"/>
+            </a:endParaRPr>
+          </a:p>
+        </p:txBody>
+      </p:sp>
+    </p:spTree>
+    <p:extLst>
+      <p:ext uri="{BB962C8B-B14F-4D97-AF65-F5344CB8AC3E}">
+        <p14:creationId xmlns:p14="http://schemas.microsoft.com/office/powerpoint/2010/main" xmlns="" val="1407003638"/>
+      </p:ext>
+    </p:extLst>
+  </p:cSld>
+  <p:clrMapOvr>
+    <a:masterClrMapping/>
+  </p:clrMapOvr>
+  <p:timing>
+    <p:tnLst>
+      <p:par>
+        <p:cTn id="1" dur="indefinite" restart="never" nodeType="tmRoot"/>
+      </p:par>
+    </p:tnLst>
+  </p:timing>
+</p:sld>
+</file>
+
+<file path=ppt/slides/slide24.xml><?xml version="1.0" encoding="utf-8"?>
+<p:sld xmlns:a="http://schemas.openxmlformats.org/drawingml/2006/main" xmlns:r="http://schemas.openxmlformats.org/officeDocument/2006/relationships" xmlns:p="http://schemas.openxmlformats.org/presentationml/2006/main">
+  <p:cSld>
+    <p:spTree>
+      <p:nvGrpSpPr>
+        <p:cNvPr id="1" name=""/>
+        <p:cNvGrpSpPr/>
+        <p:nvPr/>
+      </p:nvGrpSpPr>
+      <p:grpSpPr>
+        <a:xfrm>
+          <a:off x="0" y="0"/>
+          <a:ext cx="0" cy="0"/>
+          <a:chOff x="0" y="0"/>
+          <a:chExt cx="0" cy="0"/>
+        </a:xfrm>
+      </p:grpSpPr>
+      <p:sp>
+        <p:nvSpPr>
+          <p:cNvPr id="5" name="內容版面配置區 4"/>
+          <p:cNvSpPr>
+            <a:spLocks noGrp="1"/>
+          </p:cNvSpPr>
+          <p:nvPr>
+            <p:ph idx="1"/>
+          </p:nvPr>
+        </p:nvSpPr>
+        <p:spPr>
+          <a:xfrm>
+            <a:off x="0" y="2084851"/>
+            <a:ext cx="12192000" cy="2404863"/>
+          </a:xfrm>
+        </p:spPr>
+        <p:txBody>
+          <a:bodyPr anchor="ctr">
+            <a:normAutofit/>
+          </a:bodyPr>
+          <a:lstStyle/>
+          <a:p>
+            <a:pPr marL="0" indent="0" algn="ctr">
+              <a:buNone/>
+            </a:pPr>
+            <a:r>
+              <a:rPr lang="zh-TW" altLang="en-US" sz="6600" b="1" dirty="0" smtClean="0">
+                <a:solidFill>
+                  <a:srgbClr val="660033"/>
+                </a:solidFill>
+                <a:latin typeface="Microsoft JhengHei" panose="020B0604030504040204" pitchFamily="34" charset="-120"/>
+                <a:ea typeface="Microsoft JhengHei" panose="020B0604030504040204" pitchFamily="34" charset="-120"/>
+              </a:rPr>
+              <a:t>更頌掦  更頌掦</a:t>
+            </a:r>
+            <a:endParaRPr lang="en-US" altLang="zh-TW" sz="6600" b="1" dirty="0">
+              <a:solidFill>
+                <a:srgbClr val="660033"/>
+              </a:solidFill>
+              <a:latin typeface="Microsoft JhengHei" panose="020B0604030504040204" pitchFamily="34" charset="-120"/>
+              <a:ea typeface="Microsoft JhengHei" panose="020B0604030504040204" pitchFamily="34" charset="-120"/>
+            </a:endParaRPr>
+          </a:p>
+        </p:txBody>
+      </p:sp>
+      <p:sp>
+        <p:nvSpPr>
+          <p:cNvPr id="3" name="TextBox 2"/>
+          <p:cNvSpPr txBox="1"/>
+          <p:nvPr/>
+        </p:nvSpPr>
+        <p:spPr>
+          <a:xfrm>
+            <a:off x="0" y="5061182"/>
+            <a:ext cx="12192000" cy="800215"/>
+          </a:xfrm>
+          <a:prstGeom prst="rect">
+            <a:avLst/>
+          </a:prstGeom>
+          <a:noFill/>
+        </p:spPr>
+        <p:txBody>
+          <a:bodyPr wrap="square" lIns="121917" tIns="60958" rIns="121917" bIns="60958" rtlCol="0">
+            <a:spAutoFit/>
+          </a:bodyPr>
+          <a:lstStyle/>
+          <a:p>
+            <a:pPr algn="ctr"/>
+            <a:r>
+              <a:rPr lang="en-US" sz="4400" b="1" dirty="0" smtClean="0">
+                <a:solidFill>
+                  <a:srgbClr val="660033"/>
+                </a:solidFill>
+                <a:latin typeface="+mn-lt"/>
+              </a:rPr>
+              <a:t>( </a:t>
+            </a:r>
+            <a:r>
+              <a:rPr lang="en-US" sz="4400" b="1" dirty="0" smtClean="0">
+                <a:solidFill>
+                  <a:srgbClr val="660033"/>
+                </a:solidFill>
+                <a:latin typeface="+mn-lt"/>
+              </a:rPr>
+              <a:t>4 / 4 </a:t>
+            </a:r>
+            <a:r>
+              <a:rPr lang="en-US" sz="4400" b="1" dirty="0" smtClean="0">
+                <a:solidFill>
+                  <a:srgbClr val="660033"/>
+                </a:solidFill>
+                <a:latin typeface="+mn-lt"/>
+              </a:rPr>
+              <a:t>)</a:t>
+            </a:r>
+            <a:endParaRPr lang="vi-VN" sz="4400" b="1" dirty="0">
+              <a:solidFill>
+                <a:srgbClr val="660033"/>
+              </a:solidFill>
+              <a:latin typeface="+mn-lt"/>
+            </a:endParaRPr>
+          </a:p>
+        </p:txBody>
+      </p:sp>
+    </p:spTree>
+    <p:extLst>
+      <p:ext uri="{BB962C8B-B14F-4D97-AF65-F5344CB8AC3E}">
+        <p14:creationId xmlns:p14="http://schemas.microsoft.com/office/powerpoint/2010/main" xmlns="" val="1407003638"/>
+      </p:ext>
+    </p:extLst>
+  </p:cSld>
+  <p:clrMapOvr>
+    <a:masterClrMapping/>
+  </p:clrMapOvr>
+  <p:timing>
+    <p:tnLst>
+      <p:par>
+        <p:cTn id="1" dur="indefinite" restart="never" nodeType="tmRoot"/>
+      </p:par>
+    </p:tnLst>
+  </p:timing>
+</p:sld>
+</file>
+
+<file path=ppt/slides/slide25.xml><?xml version="1.0" encoding="utf-8"?>
+<p:sld xmlns:a="http://schemas.openxmlformats.org/drawingml/2006/main" xmlns:r="http://schemas.openxmlformats.org/officeDocument/2006/relationships" xmlns:p="http://schemas.openxmlformats.org/presentationml/2006/main">
+  <p:cSld>
+    <p:spTree>
+      <p:nvGrpSpPr>
+        <p:cNvPr id="1" name=""/>
+        <p:cNvGrpSpPr/>
+        <p:nvPr/>
+      </p:nvGrpSpPr>
+      <p:grpSpPr>
+        <a:xfrm>
+          <a:off x="0" y="0"/>
+          <a:ext cx="0" cy="0"/>
+          <a:chOff x="0" y="0"/>
+          <a:chExt cx="0" cy="0"/>
+        </a:xfrm>
+      </p:grpSpPr>
+      <p:sp>
+        <p:nvSpPr>
+          <p:cNvPr id="5" name="內容版面配置區 4"/>
+          <p:cNvSpPr>
+            <a:spLocks noGrp="1"/>
+          </p:cNvSpPr>
+          <p:nvPr>
+            <p:ph idx="1"/>
+          </p:nvPr>
+        </p:nvSpPr>
+        <p:spPr>
+          <a:xfrm>
+            <a:off x="0" y="2084851"/>
+            <a:ext cx="12192000" cy="2404863"/>
+          </a:xfrm>
+        </p:spPr>
+        <p:txBody>
+          <a:bodyPr anchor="ctr">
+            <a:normAutofit/>
+          </a:bodyPr>
+          <a:lstStyle/>
+          <a:p>
+            <a:pPr marL="0" indent="0" algn="ctr">
+              <a:buNone/>
+            </a:pPr>
+            <a:r>
+              <a:rPr lang="zh-TW" altLang="en-US" sz="6600" b="1" dirty="0" smtClean="0">
+                <a:solidFill>
+                  <a:srgbClr val="660033"/>
+                </a:solidFill>
+                <a:latin typeface="Microsoft JhengHei" panose="020B0604030504040204" pitchFamily="34" charset="-120"/>
+                <a:ea typeface="Microsoft JhengHei" panose="020B0604030504040204" pitchFamily="34" charset="-120"/>
+              </a:rPr>
+              <a:t>我輩將立大王前</a:t>
+            </a:r>
+          </a:p>
+          <a:p>
+            <a:pPr marL="0" indent="0" algn="ctr">
+              <a:buNone/>
+            </a:pPr>
+            <a:r>
+              <a:rPr lang="zh-TW" altLang="en-US" sz="6600" b="1" dirty="0" smtClean="0">
+                <a:solidFill>
+                  <a:srgbClr val="660033"/>
+                </a:solidFill>
+                <a:latin typeface="Microsoft JhengHei" panose="020B0604030504040204" pitchFamily="34" charset="-120"/>
+                <a:ea typeface="Microsoft JhengHei" panose="020B0604030504040204" pitchFamily="34" charset="-120"/>
+              </a:rPr>
+              <a:t>高聲同心奏</a:t>
+            </a:r>
+            <a:r>
+              <a:rPr lang="zh-CN" altLang="zh-TW" sz="6600" b="1" dirty="0" smtClean="0">
+                <a:solidFill>
+                  <a:srgbClr val="660033"/>
+                </a:solidFill>
+                <a:latin typeface="Microsoft JhengHei" panose="020B0604030504040204" pitchFamily="34" charset="-120"/>
+                <a:ea typeface="Microsoft JhengHei" panose="020B0604030504040204" pitchFamily="34" charset="-120"/>
+              </a:rPr>
+              <a:t>凱旋</a:t>
+            </a:r>
+            <a:endParaRPr lang="en-US" altLang="zh-TW" sz="6600" b="1" dirty="0">
+              <a:solidFill>
+                <a:srgbClr val="660033"/>
+              </a:solidFill>
+              <a:latin typeface="Microsoft JhengHei" panose="020B0604030504040204" pitchFamily="34" charset="-120"/>
+              <a:ea typeface="Microsoft JhengHei" panose="020B0604030504040204" pitchFamily="34" charset="-120"/>
+            </a:endParaRPr>
+          </a:p>
+        </p:txBody>
+      </p:sp>
+      <p:sp>
+        <p:nvSpPr>
+          <p:cNvPr id="3" name="TextBox 2"/>
+          <p:cNvSpPr txBox="1"/>
+          <p:nvPr/>
+        </p:nvSpPr>
+        <p:spPr>
+          <a:xfrm>
+            <a:off x="0" y="5061182"/>
+            <a:ext cx="12192000" cy="800215"/>
+          </a:xfrm>
+          <a:prstGeom prst="rect">
+            <a:avLst/>
+          </a:prstGeom>
+          <a:noFill/>
+        </p:spPr>
+        <p:txBody>
+          <a:bodyPr wrap="square" lIns="121917" tIns="60958" rIns="121917" bIns="60958" rtlCol="0">
+            <a:spAutoFit/>
+          </a:bodyPr>
+          <a:lstStyle/>
+          <a:p>
+            <a:pPr algn="ctr"/>
+            <a:r>
+              <a:rPr lang="en-US" sz="4400" b="1" dirty="0" smtClean="0">
+                <a:solidFill>
+                  <a:srgbClr val="660033"/>
+                </a:solidFill>
+                <a:latin typeface="+mn-lt"/>
+              </a:rPr>
+              <a:t>( </a:t>
+            </a:r>
+            <a:r>
+              <a:rPr lang="en-US" sz="4400" b="1" dirty="0" smtClean="0">
+                <a:solidFill>
+                  <a:srgbClr val="660033"/>
+                </a:solidFill>
+                <a:latin typeface="+mn-lt"/>
+              </a:rPr>
+              <a:t>4 / 4 </a:t>
+            </a:r>
+            <a:r>
+              <a:rPr lang="en-US" sz="4400" b="1" dirty="0" smtClean="0">
+                <a:solidFill>
+                  <a:srgbClr val="660033"/>
+                </a:solidFill>
+                <a:latin typeface="+mn-lt"/>
+              </a:rPr>
+              <a:t>)</a:t>
+            </a:r>
+            <a:endParaRPr lang="vi-VN" sz="4400" b="1" dirty="0">
+              <a:solidFill>
+                <a:srgbClr val="660033"/>
+              </a:solidFill>
+              <a:latin typeface="+mn-lt"/>
+            </a:endParaRPr>
+          </a:p>
+        </p:txBody>
+      </p:sp>
+    </p:spTree>
+    <p:extLst>
+      <p:ext uri="{BB962C8B-B14F-4D97-AF65-F5344CB8AC3E}">
+        <p14:creationId xmlns:p14="http://schemas.microsoft.com/office/powerpoint/2010/main" xmlns="" val="1407003638"/>
+      </p:ext>
+    </p:extLst>
+  </p:cSld>
+  <p:clrMapOvr>
+    <a:masterClrMapping/>
+  </p:clrMapOvr>
+  <p:timing>
+    <p:tnLst>
+      <p:par>
+        <p:cTn id="1" dur="indefinite" restart="never" nodeType="tmRoot"/>
+      </p:par>
+    </p:tnLst>
+  </p:timing>
+</p:sld>
+</file>
+
+<file path=ppt/slides/slide26.xml><?xml version="1.0" encoding="utf-8"?>
+<p:sld xmlns:a="http://schemas.openxmlformats.org/drawingml/2006/main" xmlns:r="http://schemas.openxmlformats.org/officeDocument/2006/relationships" xmlns:p="http://schemas.openxmlformats.org/presentationml/2006/main">
+  <p:cSld>
+    <p:spTree>
+      <p:nvGrpSpPr>
+        <p:cNvPr id="1" name=""/>
+        <p:cNvGrpSpPr/>
+        <p:nvPr/>
+      </p:nvGrpSpPr>
+      <p:grpSpPr>
+        <a:xfrm>
+          <a:off x="0" y="0"/>
+          <a:ext cx="0" cy="0"/>
+          <a:chOff x="0" y="0"/>
+          <a:chExt cx="0" cy="0"/>
+        </a:xfrm>
+      </p:grpSpPr>
+      <p:sp>
+        <p:nvSpPr>
+          <p:cNvPr id="5" name="內容版面配置區 4"/>
+          <p:cNvSpPr>
+            <a:spLocks noGrp="1"/>
+          </p:cNvSpPr>
+          <p:nvPr>
+            <p:ph idx="1"/>
+          </p:nvPr>
+        </p:nvSpPr>
+        <p:spPr>
+          <a:xfrm>
+            <a:off x="0" y="2084851"/>
+            <a:ext cx="12192000" cy="2404863"/>
+          </a:xfrm>
+        </p:spPr>
+        <p:txBody>
+          <a:bodyPr anchor="ctr">
+            <a:normAutofit/>
+          </a:bodyPr>
+          <a:lstStyle/>
+          <a:p>
+            <a:pPr marL="0" indent="0" algn="ctr">
+              <a:buNone/>
+            </a:pPr>
+            <a:r>
+              <a:rPr lang="zh-CN" altLang="zh-TW" sz="6600" b="1" dirty="0" smtClean="0">
+                <a:solidFill>
+                  <a:srgbClr val="660033"/>
+                </a:solidFill>
+                <a:latin typeface="Microsoft JhengHei" panose="020B0604030504040204" pitchFamily="34" charset="-120"/>
+                <a:ea typeface="Microsoft JhengHei" panose="020B0604030504040204" pitchFamily="34" charset="-120"/>
+              </a:rPr>
+              <a:t>永無疆</a:t>
+            </a:r>
+            <a:r>
+              <a:rPr lang="en-US" altLang="zh-CN" sz="6600" b="1" dirty="0" smtClean="0">
+                <a:solidFill>
+                  <a:srgbClr val="660033"/>
+                </a:solidFill>
+                <a:latin typeface="Microsoft JhengHei" panose="020B0604030504040204" pitchFamily="34" charset="-120"/>
+                <a:ea typeface="Microsoft JhengHei" panose="020B0604030504040204" pitchFamily="34" charset="-120"/>
+              </a:rPr>
+              <a:t>  </a:t>
+            </a:r>
+            <a:r>
+              <a:rPr lang="zh-CN" altLang="zh-TW" sz="6600" b="1" dirty="0" smtClean="0">
+                <a:solidFill>
+                  <a:srgbClr val="660033"/>
+                </a:solidFill>
+                <a:latin typeface="Microsoft JhengHei" panose="020B0604030504040204" pitchFamily="34" charset="-120"/>
+                <a:ea typeface="Microsoft JhengHei" panose="020B0604030504040204" pitchFamily="34" charset="-120"/>
+              </a:rPr>
+              <a:t>永無疆</a:t>
+            </a:r>
+            <a:endParaRPr lang="en-US" altLang="zh-TW" sz="6600" b="1" dirty="0">
+              <a:solidFill>
+                <a:srgbClr val="660033"/>
+              </a:solidFill>
+              <a:latin typeface="Microsoft JhengHei" panose="020B0604030504040204" pitchFamily="34" charset="-120"/>
+              <a:ea typeface="Microsoft JhengHei" panose="020B0604030504040204" pitchFamily="34" charset="-120"/>
+            </a:endParaRPr>
+          </a:p>
+        </p:txBody>
+      </p:sp>
+      <p:sp>
+        <p:nvSpPr>
+          <p:cNvPr id="3" name="TextBox 2"/>
+          <p:cNvSpPr txBox="1"/>
+          <p:nvPr/>
+        </p:nvSpPr>
+        <p:spPr>
+          <a:xfrm>
+            <a:off x="0" y="5061182"/>
+            <a:ext cx="12192000" cy="800215"/>
+          </a:xfrm>
+          <a:prstGeom prst="rect">
+            <a:avLst/>
+          </a:prstGeom>
+          <a:noFill/>
+        </p:spPr>
+        <p:txBody>
+          <a:bodyPr wrap="square" lIns="121917" tIns="60958" rIns="121917" bIns="60958" rtlCol="0">
+            <a:spAutoFit/>
+          </a:bodyPr>
+          <a:lstStyle/>
+          <a:p>
+            <a:pPr algn="ctr"/>
+            <a:r>
+              <a:rPr lang="en-US" sz="4400" b="1" dirty="0" smtClean="0">
+                <a:solidFill>
+                  <a:srgbClr val="660033"/>
+                </a:solidFill>
+                <a:latin typeface="+mn-lt"/>
+              </a:rPr>
+              <a:t>( </a:t>
+            </a:r>
+            <a:r>
+              <a:rPr lang="en-US" sz="4400" b="1" dirty="0" smtClean="0">
+                <a:solidFill>
+                  <a:srgbClr val="660033"/>
+                </a:solidFill>
+                <a:latin typeface="+mn-lt"/>
+              </a:rPr>
+              <a:t>4 / 4 </a:t>
+            </a:r>
+            <a:r>
+              <a:rPr lang="en-US" sz="4400" b="1" dirty="0" smtClean="0">
+                <a:solidFill>
+                  <a:srgbClr val="660033"/>
+                </a:solidFill>
+                <a:latin typeface="+mn-lt"/>
+              </a:rPr>
+              <a:t>)</a:t>
+            </a:r>
+            <a:endParaRPr lang="vi-VN" sz="4400" b="1" dirty="0">
+              <a:solidFill>
+                <a:srgbClr val="660033"/>
+              </a:solidFill>
+              <a:latin typeface="+mn-lt"/>
+            </a:endParaRPr>
+          </a:p>
+        </p:txBody>
+      </p:sp>
+    </p:spTree>
+    <p:extLst>
+      <p:ext uri="{BB962C8B-B14F-4D97-AF65-F5344CB8AC3E}">
+        <p14:creationId xmlns:p14="http://schemas.microsoft.com/office/powerpoint/2010/main" xmlns="" val="1407003638"/>
+      </p:ext>
+    </p:extLst>
+  </p:cSld>
+  <p:clrMapOvr>
+    <a:masterClrMapping/>
+  </p:clrMapOvr>
+  <p:timing>
+    <p:tnLst>
+      <p:par>
+        <p:cTn id="1" dur="indefinite" restart="never" nodeType="tmRoot"/>
+      </p:par>
+    </p:tnLst>
+  </p:timing>
+</p:sld>
+</file>
+
+<file path=ppt/slides/slide27.xml><?xml version="1.0" encoding="utf-8"?>
+<p:sld xmlns:a="http://schemas.openxmlformats.org/drawingml/2006/main" xmlns:r="http://schemas.openxmlformats.org/officeDocument/2006/relationships" xmlns:p="http://schemas.openxmlformats.org/presentationml/2006/main">
+  <p:cSld>
+    <p:spTree>
+      <p:nvGrpSpPr>
+        <p:cNvPr id="1" name=""/>
+        <p:cNvGrpSpPr/>
+        <p:nvPr/>
+      </p:nvGrpSpPr>
+      <p:grpSpPr>
+        <a:xfrm>
+          <a:off x="0" y="0"/>
+          <a:ext cx="0" cy="0"/>
+          <a:chOff x="0" y="0"/>
+          <a:chExt cx="0" cy="0"/>
+        </a:xfrm>
+      </p:grpSpPr>
+      <p:sp>
+        <p:nvSpPr>
+          <p:cNvPr id="5" name="內容版面配置區 4"/>
+          <p:cNvSpPr>
+            <a:spLocks noGrp="1"/>
+          </p:cNvSpPr>
+          <p:nvPr>
+            <p:ph idx="1"/>
+          </p:nvPr>
+        </p:nvSpPr>
+        <p:spPr>
+          <a:xfrm>
+            <a:off x="0" y="2084851"/>
+            <a:ext cx="12192000" cy="2404863"/>
+          </a:xfrm>
+        </p:spPr>
+        <p:txBody>
+          <a:bodyPr anchor="ctr">
+            <a:normAutofit/>
+          </a:bodyPr>
+          <a:lstStyle/>
+          <a:p>
+            <a:pPr marL="0" indent="0" algn="ctr">
+              <a:buNone/>
+            </a:pPr>
+            <a:r>
+              <a:rPr lang="zh-CN" altLang="en-US" sz="6600" b="1" dirty="0" smtClean="0">
+                <a:solidFill>
+                  <a:srgbClr val="660033"/>
+                </a:solidFill>
+                <a:latin typeface="Microsoft JhengHei" panose="020B0604030504040204" pitchFamily="34" charset="-120"/>
+                <a:ea typeface="Microsoft JhengHei" panose="020B0604030504040204" pitchFamily="34" charset="-120"/>
+              </a:rPr>
+              <a:t>我要往前</a:t>
+            </a:r>
+            <a:r>
+              <a:rPr lang="zh-CN" altLang="en-US" sz="6600" b="1" dirty="0" smtClean="0">
+                <a:solidFill>
+                  <a:srgbClr val="660033"/>
+                </a:solidFill>
+                <a:latin typeface="Microsoft JhengHei" panose="020B0604030504040204" pitchFamily="34" charset="-120"/>
+                <a:ea typeface="Microsoft JhengHei" panose="020B0604030504040204" pitchFamily="34" charset="-120"/>
+              </a:rPr>
+              <a:t>打勝仗</a:t>
+            </a:r>
+            <a:endParaRPr lang="en-US" altLang="zh-CN" sz="6600" b="1" dirty="0" smtClean="0">
+              <a:solidFill>
+                <a:srgbClr val="660033"/>
+              </a:solidFill>
+              <a:latin typeface="Microsoft JhengHei" panose="020B0604030504040204" pitchFamily="34" charset="-120"/>
+              <a:ea typeface="Microsoft JhengHei" panose="020B0604030504040204" pitchFamily="34" charset="-120"/>
+            </a:endParaRPr>
+          </a:p>
+          <a:p>
+            <a:pPr marL="0" indent="0" algn="ctr">
+              <a:buNone/>
+            </a:pPr>
+            <a:r>
+              <a:rPr lang="zh-CN" altLang="en-US" sz="6600" b="1" dirty="0" smtClean="0">
+                <a:solidFill>
+                  <a:srgbClr val="660033"/>
+                </a:solidFill>
+                <a:latin typeface="Microsoft JhengHei" panose="020B0604030504040204" pitchFamily="34" charset="-120"/>
+                <a:ea typeface="Microsoft JhengHei" panose="020B0604030504040204" pitchFamily="34" charset="-120"/>
+              </a:rPr>
+              <a:t>耶穌</a:t>
+            </a:r>
+            <a:r>
+              <a:rPr lang="zh-CN" altLang="en-US" sz="6600" b="1" dirty="0" smtClean="0">
+                <a:solidFill>
+                  <a:srgbClr val="660033"/>
+                </a:solidFill>
+                <a:latin typeface="Microsoft JhengHei" panose="020B0604030504040204" pitchFamily="34" charset="-120"/>
+                <a:ea typeface="Microsoft JhengHei" panose="020B0604030504040204" pitchFamily="34" charset="-120"/>
+              </a:rPr>
+              <a:t>為我大主將</a:t>
+            </a:r>
+            <a:endParaRPr lang="zh-CN" altLang="en-US" sz="6600" b="1" dirty="0">
+              <a:solidFill>
+                <a:srgbClr val="660033"/>
+              </a:solidFill>
+              <a:latin typeface="Microsoft JhengHei" panose="020B0604030504040204" pitchFamily="34" charset="-120"/>
+              <a:ea typeface="Microsoft JhengHei" panose="020B0604030504040204" pitchFamily="34" charset="-120"/>
+            </a:endParaRPr>
+          </a:p>
+        </p:txBody>
+      </p:sp>
+    </p:spTree>
+    <p:extLst>
+      <p:ext uri="{BB962C8B-B14F-4D97-AF65-F5344CB8AC3E}">
+        <p14:creationId xmlns:p14="http://schemas.microsoft.com/office/powerpoint/2010/main" xmlns="" val="1407003638"/>
+      </p:ext>
+    </p:extLst>
+  </p:cSld>
+  <p:clrMapOvr>
+    <a:masterClrMapping/>
+  </p:clrMapOvr>
+  <p:timing>
+    <p:tnLst>
+      <p:par>
+        <p:cTn id="1" dur="indefinite" restart="never" nodeType="tmRoot"/>
+      </p:par>
+    </p:tnLst>
+  </p:timing>
+</p:sld>
+</file>
+
+<file path=ppt/slides/slide28.xml><?xml version="1.0" encoding="utf-8"?>
+<p:sld xmlns:a="http://schemas.openxmlformats.org/drawingml/2006/main" xmlns:r="http://schemas.openxmlformats.org/officeDocument/2006/relationships" xmlns:p="http://schemas.openxmlformats.org/presentationml/2006/main">
+  <p:cSld>
+    <p:spTree>
+      <p:nvGrpSpPr>
+        <p:cNvPr id="1" name=""/>
+        <p:cNvGrpSpPr/>
+        <p:nvPr/>
+      </p:nvGrpSpPr>
+      <p:grpSpPr>
+        <a:xfrm>
+          <a:off x="0" y="0"/>
+          <a:ext cx="0" cy="0"/>
+          <a:chOff x="0" y="0"/>
+          <a:chExt cx="0" cy="0"/>
+        </a:xfrm>
+      </p:grpSpPr>
+      <p:sp>
+        <p:nvSpPr>
+          <p:cNvPr id="5" name="內容版面配置區 4"/>
+          <p:cNvSpPr>
+            <a:spLocks noGrp="1"/>
+          </p:cNvSpPr>
+          <p:nvPr>
+            <p:ph idx="1"/>
+          </p:nvPr>
+        </p:nvSpPr>
+        <p:spPr>
+          <a:xfrm>
+            <a:off x="0" y="2084851"/>
+            <a:ext cx="12192000" cy="2404863"/>
+          </a:xfrm>
+        </p:spPr>
+        <p:txBody>
+          <a:bodyPr anchor="ctr">
+            <a:normAutofit/>
+          </a:bodyPr>
+          <a:lstStyle/>
+          <a:p>
+            <a:pPr marL="0" indent="0" algn="ctr">
+              <a:buNone/>
+            </a:pPr>
+            <a:r>
+              <a:rPr lang="zh-CN" altLang="en-US" sz="6600" b="1" dirty="0" smtClean="0">
+                <a:solidFill>
+                  <a:srgbClr val="660033"/>
+                </a:solidFill>
+                <a:latin typeface="Microsoft JhengHei" panose="020B0604030504040204" pitchFamily="34" charset="-120"/>
+                <a:ea typeface="Microsoft JhengHei" panose="020B0604030504040204" pitchFamily="34" charset="-120"/>
+              </a:rPr>
+              <a:t>耶穌為我大主將</a:t>
+            </a:r>
+            <a:endParaRPr lang="en-US" altLang="zh-CN" sz="6600" b="1" dirty="0">
+              <a:solidFill>
+                <a:srgbClr val="660033"/>
+              </a:solidFill>
+              <a:latin typeface="Microsoft JhengHei" panose="020B0604030504040204" pitchFamily="34" charset="-120"/>
+              <a:ea typeface="Microsoft JhengHei" panose="020B0604030504040204" pitchFamily="34" charset="-120"/>
+            </a:endParaRPr>
+          </a:p>
+        </p:txBody>
+      </p:sp>
+    </p:spTree>
+    <p:extLst>
+      <p:ext uri="{BB962C8B-B14F-4D97-AF65-F5344CB8AC3E}">
+        <p14:creationId xmlns:p14="http://schemas.microsoft.com/office/powerpoint/2010/main" xmlns="" val="1407003638"/>
+      </p:ext>
+    </p:extLst>
+  </p:cSld>
+  <p:clrMapOvr>
+    <a:masterClrMapping/>
+  </p:clrMapOvr>
+  <p:timing>
+    <p:tnLst>
+      <p:par>
+        <p:cTn id="1" dur="indefinite" restart="never" nodeType="tmRoot"/>
+      </p:par>
+    </p:tnLst>
+  </p:timing>
+</p:sld>
+</file>
+
+<file path=ppt/slides/slide29.xml><?xml version="1.0" encoding="utf-8"?>
+<p:sld xmlns:a="http://schemas.openxmlformats.org/drawingml/2006/main" xmlns:r="http://schemas.openxmlformats.org/officeDocument/2006/relationships" xmlns:p="http://schemas.openxmlformats.org/presentationml/2006/main">
+  <p:cSld>
+    <p:spTree>
+      <p:nvGrpSpPr>
+        <p:cNvPr id="1" name=""/>
+        <p:cNvGrpSpPr/>
+        <p:nvPr/>
+      </p:nvGrpSpPr>
+      <p:grpSpPr>
+        <a:xfrm>
+          <a:off x="0" y="0"/>
+          <a:ext cx="0" cy="0"/>
+          <a:chOff x="0" y="0"/>
+          <a:chExt cx="0" cy="0"/>
+        </a:xfrm>
+      </p:grpSpPr>
+      <p:sp>
+        <p:nvSpPr>
+          <p:cNvPr id="5" name="內容版面配置區 4"/>
+          <p:cNvSpPr>
+            <a:spLocks noGrp="1"/>
+          </p:cNvSpPr>
+          <p:nvPr>
+            <p:ph idx="1"/>
+          </p:nvPr>
+        </p:nvSpPr>
+        <p:spPr>
+          <a:xfrm>
+            <a:off x="0" y="2084851"/>
+            <a:ext cx="12192000" cy="2404863"/>
+          </a:xfrm>
+        </p:spPr>
+        <p:txBody>
+          <a:bodyPr anchor="ctr">
+            <a:normAutofit/>
+          </a:bodyPr>
+          <a:lstStyle/>
+          <a:p>
+            <a:pPr marL="0" indent="0" algn="ctr">
+              <a:buNone/>
+            </a:pPr>
+            <a:r>
+              <a:rPr lang="zh-CN" altLang="en-US" sz="6600" b="1" dirty="0" smtClean="0">
+                <a:solidFill>
+                  <a:srgbClr val="660033"/>
+                </a:solidFill>
+                <a:latin typeface="Microsoft JhengHei" panose="020B0604030504040204" pitchFamily="34" charset="-120"/>
+                <a:ea typeface="Microsoft JhengHei" panose="020B0604030504040204" pitchFamily="34" charset="-120"/>
+              </a:rPr>
+              <a:t>我要往前打勝仗  直打了末次</a:t>
+            </a:r>
+          </a:p>
+          <a:p>
+            <a:pPr marL="0" indent="0" algn="ctr">
+              <a:buNone/>
+            </a:pPr>
+            <a:r>
+              <a:rPr lang="zh-CN" altLang="en-US" sz="6600" b="1" dirty="0" smtClean="0">
+                <a:solidFill>
+                  <a:srgbClr val="660033"/>
+                </a:solidFill>
+                <a:latin typeface="Microsoft JhengHei" panose="020B0604030504040204" pitchFamily="34" charset="-120"/>
+                <a:ea typeface="Microsoft JhengHei" panose="020B0604030504040204" pitchFamily="34" charset="-120"/>
+              </a:rPr>
+              <a:t>榮耀美好勝仗</a:t>
+            </a:r>
+            <a:endParaRPr lang="zh-CN" altLang="en-US" sz="6600" b="1" dirty="0">
+              <a:solidFill>
+                <a:srgbClr val="660033"/>
+              </a:solidFill>
+              <a:latin typeface="Microsoft JhengHei" panose="020B0604030504040204" pitchFamily="34" charset="-120"/>
+              <a:ea typeface="Microsoft JhengHei" panose="020B0604030504040204" pitchFamily="34" charset="-120"/>
+            </a:endParaRPr>
+          </a:p>
+        </p:txBody>
+      </p:sp>
+    </p:spTree>
+    <p:extLst>
+      <p:ext uri="{BB962C8B-B14F-4D97-AF65-F5344CB8AC3E}">
+        <p14:creationId xmlns:p14="http://schemas.microsoft.com/office/powerpoint/2010/main" xmlns="" val="1407003638"/>
+      </p:ext>
+    </p:extLst>
+  </p:cSld>
+  <p:clrMapOvr>
+    <a:masterClrMapping/>
+  </p:clrMapOvr>
+  <p:timing>
+    <p:tnLst>
+      <p:par>
+        <p:cTn id="1" dur="indefinite" restart="never" nodeType="tmRoot"/>
+      </p:par>
+    </p:tnLst>
+  </p:timing>
 </p:sld>
 </file>
 
@@ -4313,170 +6714,50 @@
       </p:grpSpPr>
       <p:sp>
         <p:nvSpPr>
-          <p:cNvPr id="4" name="Title 3"/>
-          <p:cNvSpPr>
-            <a:spLocks noGrp="1"/>
-          </p:cNvSpPr>
-          <p:nvPr>
-            <p:ph type="title"/>
-          </p:nvPr>
-        </p:nvSpPr>
-        <p:spPr/>
-        <p:txBody>
-          <a:bodyPr>
+          <p:cNvPr id="5" name="內容版面配置區 4"/>
+          <p:cNvSpPr>
+            <a:spLocks noGrp="1"/>
+          </p:cNvSpPr>
+          <p:nvPr>
+            <p:ph idx="1"/>
+          </p:nvPr>
+        </p:nvSpPr>
+        <p:spPr>
+          <a:xfrm>
+            <a:off x="0" y="2084851"/>
+            <a:ext cx="12192000" cy="2404863"/>
+          </a:xfrm>
+        </p:spPr>
+        <p:txBody>
+          <a:bodyPr anchor="ctr">
             <a:normAutofit/>
           </a:bodyPr>
           <a:lstStyle/>
           <a:p>
-            <a:r>
-              <a:rPr lang="en-US" altLang="zh-TW" sz="4800" b="1" dirty="0">
+            <a:pPr marL="0" indent="0" algn="ctr">
+              <a:buNone/>
+            </a:pPr>
+            <a:r>
+              <a:rPr lang="zh-TW" altLang="en-US" sz="6600" b="1" dirty="0" smtClean="0">
                 <a:solidFill>
                   <a:srgbClr val="660033"/>
                 </a:solidFill>
                 <a:latin typeface="Microsoft JhengHei" panose="020B0604030504040204" pitchFamily="34" charset="-120"/>
                 <a:ea typeface="Microsoft JhengHei" panose="020B0604030504040204" pitchFamily="34" charset="-120"/>
               </a:rPr>
-              <a:t>【</a:t>
-            </a:r>
-            <a:r>
-              <a:rPr lang="zh-TW" altLang="en-US" sz="4800" b="1" dirty="0">
+              <a:t>為主</a:t>
+            </a:r>
+            <a:r>
+              <a:rPr lang="zh-TW" altLang="en-US" sz="6600" b="1" dirty="0" smtClean="0">
                 <a:solidFill>
                   <a:srgbClr val="660033"/>
                 </a:solidFill>
                 <a:latin typeface="Microsoft JhengHei" panose="020B0604030504040204" pitchFamily="34" charset="-120"/>
                 <a:ea typeface="Microsoft JhengHei" panose="020B0604030504040204" pitchFamily="34" charset="-120"/>
               </a:rPr>
-              <a:t>我要往前打勝仗</a:t>
-            </a:r>
-            <a:r>
-              <a:rPr lang="en-US" altLang="zh-TW" sz="4800" b="1" dirty="0">
-                <a:solidFill>
-                  <a:srgbClr val="660033"/>
-                </a:solidFill>
-                <a:latin typeface="Microsoft JhengHei" panose="020B0604030504040204" pitchFamily="34" charset="-120"/>
-                <a:ea typeface="Microsoft JhengHei" panose="020B0604030504040204" pitchFamily="34" charset="-120"/>
-              </a:rPr>
-              <a:t>】</a:t>
-            </a:r>
-          </a:p>
-        </p:txBody>
-      </p:sp>
-      <p:sp>
-        <p:nvSpPr>
-          <p:cNvPr id="5" name="Content Placeholder 4"/>
-          <p:cNvSpPr>
-            <a:spLocks noGrp="1"/>
-          </p:cNvSpPr>
-          <p:nvPr>
-            <p:ph idx="1"/>
-          </p:nvPr>
-        </p:nvSpPr>
-        <p:spPr/>
-        <p:txBody>
-          <a:bodyPr>
-            <a:noAutofit/>
-          </a:bodyPr>
-          <a:lstStyle/>
-          <a:p>
-            <a:pPr marL="0" indent="0" algn="ctr">
-              <a:buNone/>
-            </a:pPr>
-            <a:r>
-              <a:rPr lang="zh-TW" altLang="en-US" sz="5400" b="1" dirty="0">
-                <a:solidFill>
-                  <a:srgbClr val="660033"/>
-                </a:solidFill>
-                <a:latin typeface="Microsoft JhengHei" panose="020B0604030504040204" pitchFamily="34" charset="-120"/>
-                <a:ea typeface="Microsoft JhengHei" panose="020B0604030504040204" pitchFamily="34" charset="-120"/>
-              </a:rPr>
-              <a:t>速</a:t>
-            </a:r>
-            <a:r>
-              <a:rPr lang="zh-CN" altLang="zh-TW" sz="5400" b="1" dirty="0">
-                <a:solidFill>
-                  <a:srgbClr val="660033"/>
-                </a:solidFill>
-                <a:latin typeface="Microsoft JhengHei" panose="020B0604030504040204" pitchFamily="34" charset="-120"/>
-                <a:ea typeface="Microsoft JhengHei" panose="020B0604030504040204" pitchFamily="34" charset="-120"/>
-              </a:rPr>
-              <a:t>即</a:t>
-            </a:r>
-            <a:r>
-              <a:rPr lang="zh-TW" altLang="en-US" sz="5400" b="1" dirty="0">
-                <a:solidFill>
-                  <a:srgbClr val="660033"/>
-                </a:solidFill>
-                <a:latin typeface="Microsoft JhengHei" panose="020B0604030504040204" pitchFamily="34" charset="-120"/>
-                <a:ea typeface="Microsoft JhengHei" panose="020B0604030504040204" pitchFamily="34" charset="-120"/>
-              </a:rPr>
-              <a:t>展開主旗旈</a:t>
-            </a:r>
-          </a:p>
-          <a:p>
-            <a:pPr marL="0" indent="0" algn="ctr">
-              <a:buNone/>
-            </a:pPr>
-            <a:r>
-              <a:rPr lang="zh-TW" altLang="en-US" sz="5400" b="1" dirty="0">
-                <a:solidFill>
-                  <a:srgbClr val="660033"/>
-                </a:solidFill>
-                <a:latin typeface="Microsoft JhengHei" panose="020B0604030504040204" pitchFamily="34" charset="-120"/>
-                <a:ea typeface="Microsoft JhengHei" panose="020B0604030504040204" pitchFamily="34" charset="-120"/>
-              </a:rPr>
-              <a:t>直到飄揚全地</a:t>
-            </a:r>
-            <a:r>
-              <a:rPr lang="zh-TW" altLang="en-US" sz="5400" b="1" dirty="0">
-                <a:solidFill>
-                  <a:srgbClr val="660033"/>
-                </a:solidFill>
-                <a:latin typeface="Microsoft JhengHei" panose="020B0604030504040204" pitchFamily="34" charset="-120"/>
-                <a:ea typeface="Microsoft JhengHei" panose="020B0604030504040204" pitchFamily="34" charset="-120"/>
-              </a:rPr>
-              <a:t>球  洲</a:t>
-            </a:r>
-            <a:r>
-              <a:rPr lang="zh-TW" altLang="en-US" sz="5400" b="1" dirty="0">
-                <a:solidFill>
-                  <a:srgbClr val="660033"/>
-                </a:solidFill>
-                <a:latin typeface="Microsoft JhengHei" panose="020B0604030504040204" pitchFamily="34" charset="-120"/>
-                <a:ea typeface="Microsoft JhengHei" panose="020B0604030504040204" pitchFamily="34" charset="-120"/>
-              </a:rPr>
-              <a:t>過</a:t>
-            </a:r>
-            <a:r>
-              <a:rPr lang="zh-TW" altLang="en-US" sz="5400" b="1" dirty="0">
-                <a:solidFill>
-                  <a:srgbClr val="660033"/>
-                </a:solidFill>
-                <a:latin typeface="Microsoft JhengHei" panose="020B0604030504040204" pitchFamily="34" charset="-120"/>
-                <a:ea typeface="Microsoft JhengHei" panose="020B0604030504040204" pitchFamily="34" charset="-120"/>
-              </a:rPr>
-              <a:t>洲  洋</a:t>
-            </a:r>
-            <a:r>
-              <a:rPr lang="zh-TW" altLang="en-US" sz="5400" b="1" dirty="0">
-                <a:solidFill>
-                  <a:srgbClr val="660033"/>
-                </a:solidFill>
-                <a:latin typeface="Microsoft JhengHei" panose="020B0604030504040204" pitchFamily="34" charset="-120"/>
-                <a:ea typeface="Microsoft JhengHei" panose="020B0604030504040204" pitchFamily="34" charset="-120"/>
-              </a:rPr>
-              <a:t>過</a:t>
-            </a:r>
-            <a:r>
-              <a:rPr lang="zh-TW" altLang="en-US" sz="5400" b="1" dirty="0">
-                <a:solidFill>
-                  <a:srgbClr val="660033"/>
-                </a:solidFill>
-                <a:latin typeface="Microsoft JhengHei" panose="020B0604030504040204" pitchFamily="34" charset="-120"/>
-                <a:ea typeface="Microsoft JhengHei" panose="020B0604030504040204" pitchFamily="34" charset="-120"/>
-              </a:rPr>
-              <a:t>洋</a:t>
-            </a:r>
-            <a:endParaRPr lang="en-US" altLang="zh-TW" sz="5400" b="1" dirty="0">
+              <a:t>命  為主命</a:t>
+            </a:r>
+            <a:endParaRPr lang="en-US" altLang="zh-TW" sz="6600" b="1" dirty="0">
               <a:solidFill>
                 <a:srgbClr val="660033"/>
               </a:solidFill>
@@ -4484,142 +6765,63 @@
               <a:ea typeface="Microsoft JhengHei" panose="020B0604030504040204" pitchFamily="34" charset="-120"/>
             </a:endParaRPr>
           </a:p>
-          <a:p>
-            <a:pPr marL="0" indent="0" algn="ctr">
-              <a:buNone/>
-            </a:pPr>
-            <a:r>
-              <a:rPr lang="zh-TW" altLang="en-US" sz="5400" b="1" dirty="0">
-                <a:solidFill>
-                  <a:srgbClr val="660033"/>
-                </a:solidFill>
-                <a:latin typeface="Microsoft JhengHei" panose="020B0604030504040204" pitchFamily="34" charset="-120"/>
-                <a:ea typeface="Microsoft JhengHei" panose="020B0604030504040204" pitchFamily="34" charset="-120"/>
-              </a:rPr>
-              <a:t>迨至萬國全依投</a:t>
-            </a:r>
-          </a:p>
-          <a:p>
-            <a:pPr marL="0" indent="0" algn="ctr">
-              <a:buNone/>
-            </a:pPr>
-            <a:r>
-              <a:rPr lang="zh-TW" altLang="en-US" sz="5400" b="1" dirty="0">
-                <a:solidFill>
-                  <a:srgbClr val="660033"/>
-                </a:solidFill>
-                <a:latin typeface="Microsoft JhengHei" panose="020B0604030504040204" pitchFamily="34" charset="-120"/>
-                <a:ea typeface="Microsoft JhengHei" panose="020B0604030504040204" pitchFamily="34" charset="-120"/>
-              </a:rPr>
-              <a:t>主為獨一大君</a:t>
-            </a:r>
-            <a:r>
-              <a:rPr lang="zh-TW" altLang="en-US" sz="5400" b="1" dirty="0">
-                <a:solidFill>
-                  <a:srgbClr val="660033"/>
-                </a:solidFill>
-                <a:latin typeface="Microsoft JhengHei" panose="020B0604030504040204" pitchFamily="34" charset="-120"/>
-                <a:ea typeface="Microsoft JhengHei" panose="020B0604030504040204" pitchFamily="34" charset="-120"/>
-              </a:rPr>
-              <a:t>王  永</a:t>
-            </a:r>
-            <a:r>
-              <a:rPr lang="zh-TW" altLang="en-US" sz="5400" b="1" dirty="0">
-                <a:solidFill>
-                  <a:srgbClr val="660033"/>
-                </a:solidFill>
-                <a:latin typeface="Microsoft JhengHei" panose="020B0604030504040204" pitchFamily="34" charset="-120"/>
-                <a:ea typeface="Microsoft JhengHei" panose="020B0604030504040204" pitchFamily="34" charset="-120"/>
-              </a:rPr>
-              <a:t>主</a:t>
-            </a:r>
-            <a:r>
-              <a:rPr lang="zh-TW" altLang="en-US" sz="5400" b="1" dirty="0">
-                <a:solidFill>
-                  <a:srgbClr val="660033"/>
-                </a:solidFill>
-                <a:latin typeface="Microsoft JhengHei" panose="020B0604030504040204" pitchFamily="34" charset="-120"/>
-                <a:ea typeface="Microsoft JhengHei" panose="020B0604030504040204" pitchFamily="34" charset="-120"/>
-              </a:rPr>
-              <a:t>宰  永</a:t>
-            </a:r>
-            <a:r>
-              <a:rPr lang="zh-TW" altLang="en-US" sz="5400" b="1" dirty="0">
-                <a:solidFill>
-                  <a:srgbClr val="660033"/>
-                </a:solidFill>
-                <a:latin typeface="Microsoft JhengHei" panose="020B0604030504040204" pitchFamily="34" charset="-120"/>
-                <a:ea typeface="Microsoft JhengHei" panose="020B0604030504040204" pitchFamily="34" charset="-120"/>
-              </a:rPr>
-              <a:t>主</a:t>
-            </a:r>
-            <a:r>
-              <a:rPr lang="zh-TW" altLang="en-US" sz="5400" b="1" dirty="0">
-                <a:solidFill>
-                  <a:srgbClr val="660033"/>
-                </a:solidFill>
-                <a:latin typeface="Microsoft JhengHei" panose="020B0604030504040204" pitchFamily="34" charset="-120"/>
-                <a:ea typeface="Microsoft JhengHei" panose="020B0604030504040204" pitchFamily="34" charset="-120"/>
-              </a:rPr>
-              <a:t>宰</a:t>
-            </a:r>
-            <a:endParaRPr lang="zh-TW" altLang="en-US" sz="5400" b="1" dirty="0">
-              <a:solidFill>
-                <a:srgbClr val="660033"/>
-              </a:solidFill>
-              <a:latin typeface="Microsoft JhengHei" panose="020B0604030504040204" pitchFamily="34" charset="-120"/>
-              <a:ea typeface="Microsoft JhengHei" panose="020B0604030504040204" pitchFamily="34" charset="-120"/>
-            </a:endParaRPr>
-          </a:p>
-        </p:txBody>
-      </p:sp>
-      <p:sp>
-        <p:nvSpPr>
-          <p:cNvPr id="6" name="Text Box 1"/>
+        </p:txBody>
+      </p:sp>
+      <p:sp>
+        <p:nvSpPr>
+          <p:cNvPr id="3" name="TextBox 2"/>
           <p:cNvSpPr txBox="1"/>
           <p:nvPr/>
         </p:nvSpPr>
         <p:spPr>
           <a:xfrm>
-            <a:off x="1703512" y="1700808"/>
-            <a:ext cx="1055440" cy="923330"/>
+            <a:off x="0" y="5061182"/>
+            <a:ext cx="12192000" cy="800215"/>
           </a:xfrm>
           <a:prstGeom prst="rect">
             <a:avLst/>
           </a:prstGeom>
           <a:noFill/>
-          <a:ln w="9525">
-            <a:noFill/>
-            <a:miter lim="800000"/>
-          </a:ln>
         </p:spPr>
         <p:txBody>
-          <a:bodyPr wrap="square">
+          <a:bodyPr wrap="square" lIns="121917" tIns="60958" rIns="121917" bIns="60958" rtlCol="0">
             <a:spAutoFit/>
           </a:bodyPr>
           <a:lstStyle/>
           <a:p>
             <a:pPr algn="ctr"/>
             <a:r>
-              <a:rPr lang="en-US" sz="5400" b="1" dirty="0">
-                <a:solidFill>
-                  <a:srgbClr val="660033"/>
-                </a:solidFill>
-              </a:rPr>
-              <a:t>2</a:t>
-            </a:r>
-            <a:r>
-              <a:rPr lang="en-US" sz="5400" b="1" dirty="0" smtClean="0">
-                <a:solidFill>
-                  <a:srgbClr val="660033"/>
-                </a:solidFill>
-              </a:rPr>
-              <a:t>.</a:t>
-            </a:r>
-            <a:endParaRPr lang="en-US" sz="5400" b="1" dirty="0">
+              <a:rPr lang="en-US" sz="4400" b="1" dirty="0" smtClean="0">
+                <a:solidFill>
+                  <a:srgbClr val="660033"/>
+                </a:solidFill>
+                <a:latin typeface="+mn-lt"/>
+              </a:rPr>
+              <a:t>( </a:t>
+            </a:r>
+            <a:r>
+              <a:rPr lang="en-US" sz="4400" b="1" dirty="0" smtClean="0">
+                <a:solidFill>
+                  <a:srgbClr val="660033"/>
+                </a:solidFill>
+                <a:latin typeface="+mn-lt"/>
+              </a:rPr>
+              <a:t>1 / 4 </a:t>
+            </a:r>
+            <a:r>
+              <a:rPr lang="en-US" sz="4400" b="1" dirty="0" smtClean="0">
+                <a:solidFill>
+                  <a:srgbClr val="660033"/>
+                </a:solidFill>
+                <a:latin typeface="+mn-lt"/>
+              </a:rPr>
+              <a:t>)</a:t>
+            </a:r>
+            <a:endParaRPr lang="vi-VN" sz="4400" b="1" dirty="0">
               <a:solidFill>
                 <a:srgbClr val="660033"/>
               </a:solidFill>
+              <a:latin typeface="+mn-lt"/>
             </a:endParaRPr>
           </a:p>
         </p:txBody>
@@ -4627,13 +6829,20 @@
     </p:spTree>
     <p:extLst>
       <p:ext uri="{BB962C8B-B14F-4D97-AF65-F5344CB8AC3E}">
-        <p14:creationId xmlns:p14="http://schemas.microsoft.com/office/powerpoint/2010/main" val="700927036"/>
+        <p14:creationId xmlns:p14="http://schemas.microsoft.com/office/powerpoint/2010/main" xmlns="" val="1407003638"/>
       </p:ext>
     </p:extLst>
   </p:cSld>
   <p:clrMapOvr>
     <a:masterClrMapping/>
   </p:clrMapOvr>
+  <p:timing>
+    <p:tnLst>
+      <p:par>
+        <p:cTn id="1" dur="indefinite" restart="never" nodeType="tmRoot"/>
+      </p:par>
+    </p:tnLst>
+  </p:timing>
 </p:sld>
 </file>
 
@@ -4656,130 +6865,55 @@
       </p:grpSpPr>
       <p:sp>
         <p:nvSpPr>
-          <p:cNvPr id="4" name="Title 3"/>
-          <p:cNvSpPr>
-            <a:spLocks noGrp="1"/>
-          </p:cNvSpPr>
-          <p:nvPr>
-            <p:ph type="title"/>
-          </p:nvPr>
-        </p:nvSpPr>
-        <p:spPr/>
-        <p:txBody>
-          <a:bodyPr>
+          <p:cNvPr id="5" name="內容版面配置區 4"/>
+          <p:cNvSpPr>
+            <a:spLocks noGrp="1"/>
+          </p:cNvSpPr>
+          <p:nvPr>
+            <p:ph idx="1"/>
+          </p:nvPr>
+        </p:nvSpPr>
+        <p:spPr>
+          <a:xfrm>
+            <a:off x="0" y="2084851"/>
+            <a:ext cx="12192000" cy="2404863"/>
+          </a:xfrm>
+        </p:spPr>
+        <p:txBody>
+          <a:bodyPr anchor="ctr">
             <a:normAutofit/>
           </a:bodyPr>
           <a:lstStyle/>
           <a:p>
-            <a:r>
-              <a:rPr lang="en-US" altLang="zh-TW" sz="4800" b="1" dirty="0">
+            <a:pPr marL="0" indent="0" algn="ctr">
+              <a:buNone/>
+            </a:pPr>
+            <a:r>
+              <a:rPr lang="zh-TW" altLang="en-US" sz="6600" b="1" dirty="0" smtClean="0">
                 <a:solidFill>
                   <a:srgbClr val="660033"/>
                 </a:solidFill>
                 <a:latin typeface="Microsoft JhengHei" panose="020B0604030504040204" pitchFamily="34" charset="-120"/>
                 <a:ea typeface="Microsoft JhengHei" panose="020B0604030504040204" pitchFamily="34" charset="-120"/>
               </a:rPr>
-              <a:t>【</a:t>
-            </a:r>
-            <a:r>
-              <a:rPr lang="zh-TW" altLang="en-US" sz="4800" b="1" dirty="0">
+              <a:t>戴盔執劍盾禦寇</a:t>
+            </a:r>
+          </a:p>
+          <a:p>
+            <a:pPr marL="0" indent="0" algn="ctr">
+              <a:buNone/>
+            </a:pPr>
+            <a:r>
+              <a:rPr lang="zh-TW" altLang="en-US" sz="6600" b="1" dirty="0" smtClean="0">
                 <a:solidFill>
                   <a:srgbClr val="660033"/>
                 </a:solidFill>
                 <a:latin typeface="Microsoft JhengHei" panose="020B0604030504040204" pitchFamily="34" charset="-120"/>
                 <a:ea typeface="Microsoft JhengHei" panose="020B0604030504040204" pitchFamily="34" charset="-120"/>
               </a:rPr>
-              <a:t>我要往前打勝仗</a:t>
-            </a:r>
-            <a:r>
-              <a:rPr lang="en-US" altLang="zh-TW" sz="4800" b="1" dirty="0">
-                <a:solidFill>
-                  <a:srgbClr val="660033"/>
-                </a:solidFill>
-                <a:latin typeface="Microsoft JhengHei" panose="020B0604030504040204" pitchFamily="34" charset="-120"/>
-                <a:ea typeface="Microsoft JhengHei" panose="020B0604030504040204" pitchFamily="34" charset="-120"/>
-              </a:rPr>
-              <a:t>】</a:t>
-            </a:r>
-          </a:p>
-        </p:txBody>
-      </p:sp>
-      <p:sp>
-        <p:nvSpPr>
-          <p:cNvPr id="5" name="Content Placeholder 4"/>
-          <p:cNvSpPr>
-            <a:spLocks noGrp="1"/>
-          </p:cNvSpPr>
-          <p:nvPr>
-            <p:ph idx="1"/>
-          </p:nvPr>
-        </p:nvSpPr>
-        <p:spPr/>
-        <p:txBody>
-          <a:bodyPr>
-            <a:noAutofit/>
-          </a:bodyPr>
-          <a:lstStyle/>
-          <a:p>
-            <a:pPr marL="0" indent="0" algn="ctr">
-              <a:buNone/>
-            </a:pPr>
-            <a:r>
-              <a:rPr lang="zh-CN" altLang="en-US" sz="5400" b="1" dirty="0">
-                <a:solidFill>
-                  <a:srgbClr val="660033"/>
-                </a:solidFill>
-                <a:latin typeface="Microsoft JhengHei" panose="020B0604030504040204" pitchFamily="34" charset="-120"/>
-                <a:ea typeface="Microsoft JhengHei" panose="020B0604030504040204" pitchFamily="34" charset="-120"/>
-              </a:rPr>
-              <a:t>我要往前打勝</a:t>
-            </a:r>
-            <a:r>
-              <a:rPr lang="zh-CN" altLang="en-US" sz="5400" b="1" dirty="0" smtClean="0">
-                <a:solidFill>
-                  <a:srgbClr val="660033"/>
-                </a:solidFill>
-                <a:latin typeface="Microsoft JhengHei" panose="020B0604030504040204" pitchFamily="34" charset="-120"/>
-                <a:ea typeface="Microsoft JhengHei" panose="020B0604030504040204" pitchFamily="34" charset="-120"/>
-              </a:rPr>
-              <a:t>仗  耶</a:t>
-            </a:r>
-            <a:r>
-              <a:rPr lang="zh-CN" altLang="en-US" sz="5400" b="1" dirty="0">
-                <a:solidFill>
-                  <a:srgbClr val="660033"/>
-                </a:solidFill>
-                <a:latin typeface="Microsoft JhengHei" panose="020B0604030504040204" pitchFamily="34" charset="-120"/>
-                <a:ea typeface="Microsoft JhengHei" panose="020B0604030504040204" pitchFamily="34" charset="-120"/>
-              </a:rPr>
-              <a:t>穌為我大主將</a:t>
-            </a:r>
-          </a:p>
-          <a:p>
-            <a:pPr marL="0" indent="0" algn="ctr">
-              <a:buNone/>
-            </a:pPr>
-            <a:r>
-              <a:rPr lang="zh-CN" altLang="en-US" sz="5400" b="1" dirty="0">
-                <a:solidFill>
-                  <a:srgbClr val="660033"/>
-                </a:solidFill>
-                <a:latin typeface="Microsoft JhengHei" panose="020B0604030504040204" pitchFamily="34" charset="-120"/>
-                <a:ea typeface="Microsoft JhengHei" panose="020B0604030504040204" pitchFamily="34" charset="-120"/>
-              </a:rPr>
-              <a:t>耶穌為我大主</a:t>
-            </a:r>
-            <a:r>
-              <a:rPr lang="zh-CN" altLang="en-US" sz="5400" b="1" dirty="0">
-                <a:solidFill>
-                  <a:srgbClr val="660033"/>
-                </a:solidFill>
-                <a:latin typeface="Microsoft JhengHei" panose="020B0604030504040204" pitchFamily="34" charset="-120"/>
-                <a:ea typeface="Microsoft JhengHei" panose="020B0604030504040204" pitchFamily="34" charset="-120"/>
-              </a:rPr>
-              <a:t>將</a:t>
-            </a:r>
-            <a:endParaRPr lang="en-US" altLang="zh-CN" sz="5400" b="1" dirty="0">
+              <a:t>往前速向戰場走</a:t>
+            </a:r>
+            <a:endParaRPr lang="en-US" altLang="zh-TW" sz="6600" b="1" dirty="0">
               <a:solidFill>
                 <a:srgbClr val="660033"/>
               </a:solidFill>
@@ -4787,71 +6921,63 @@
               <a:ea typeface="Microsoft JhengHei" panose="020B0604030504040204" pitchFamily="34" charset="-120"/>
             </a:endParaRPr>
           </a:p>
-          <a:p>
-            <a:pPr marL="0" indent="0" algn="ctr">
-              <a:buNone/>
-            </a:pPr>
-            <a:r>
-              <a:rPr lang="zh-CN" altLang="en-US" sz="5400" b="1" dirty="0">
-                <a:solidFill>
-                  <a:srgbClr val="660033"/>
-                </a:solidFill>
-                <a:latin typeface="Microsoft JhengHei" panose="020B0604030504040204" pitchFamily="34" charset="-120"/>
-                <a:ea typeface="Microsoft JhengHei" panose="020B0604030504040204" pitchFamily="34" charset="-120"/>
-              </a:rPr>
-              <a:t>我要往前打勝</a:t>
-            </a:r>
-            <a:r>
-              <a:rPr lang="zh-CN" altLang="en-US" sz="5400" b="1" dirty="0">
-                <a:solidFill>
-                  <a:srgbClr val="660033"/>
-                </a:solidFill>
-                <a:latin typeface="Microsoft JhengHei" panose="020B0604030504040204" pitchFamily="34" charset="-120"/>
-                <a:ea typeface="Microsoft JhengHei" panose="020B0604030504040204" pitchFamily="34" charset="-120"/>
-              </a:rPr>
-              <a:t>仗  直</a:t>
-            </a:r>
-            <a:r>
-              <a:rPr lang="zh-CN" altLang="en-US" sz="5400" b="1" dirty="0">
-                <a:solidFill>
-                  <a:srgbClr val="660033"/>
-                </a:solidFill>
-                <a:latin typeface="Microsoft JhengHei" panose="020B0604030504040204" pitchFamily="34" charset="-120"/>
-                <a:ea typeface="Microsoft JhengHei" panose="020B0604030504040204" pitchFamily="34" charset="-120"/>
-              </a:rPr>
-              <a:t>打了末次</a:t>
-            </a:r>
-          </a:p>
-          <a:p>
-            <a:pPr marL="0" indent="0" algn="ctr">
-              <a:buNone/>
-            </a:pPr>
-            <a:r>
-              <a:rPr lang="zh-CN" altLang="en-US" sz="5400" b="1" dirty="0">
-                <a:solidFill>
-                  <a:srgbClr val="660033"/>
-                </a:solidFill>
-                <a:latin typeface="Microsoft JhengHei" panose="020B0604030504040204" pitchFamily="34" charset="-120"/>
-                <a:ea typeface="Microsoft JhengHei" panose="020B0604030504040204" pitchFamily="34" charset="-120"/>
-              </a:rPr>
-              <a:t>榮耀美好勝</a:t>
-            </a:r>
-            <a:r>
-              <a:rPr lang="zh-CN" altLang="en-US" sz="5400" b="1" dirty="0">
-                <a:solidFill>
-                  <a:srgbClr val="660033"/>
-                </a:solidFill>
-                <a:latin typeface="Microsoft JhengHei" panose="020B0604030504040204" pitchFamily="34" charset="-120"/>
-                <a:ea typeface="Microsoft JhengHei" panose="020B0604030504040204" pitchFamily="34" charset="-120"/>
-              </a:rPr>
-              <a:t>仗</a:t>
-            </a:r>
-            <a:endParaRPr lang="zh-CN" altLang="en-US" sz="5400" b="1" dirty="0">
+        </p:txBody>
+      </p:sp>
+      <p:sp>
+        <p:nvSpPr>
+          <p:cNvPr id="3" name="TextBox 2"/>
+          <p:cNvSpPr txBox="1"/>
+          <p:nvPr/>
+        </p:nvSpPr>
+        <p:spPr>
+          <a:xfrm>
+            <a:off x="0" y="5061182"/>
+            <a:ext cx="12192000" cy="800215"/>
+          </a:xfrm>
+          <a:prstGeom prst="rect">
+            <a:avLst/>
+          </a:prstGeom>
+          <a:noFill/>
+        </p:spPr>
+        <p:txBody>
+          <a:bodyPr wrap="square" lIns="121917" tIns="60958" rIns="121917" bIns="60958" rtlCol="0">
+            <a:spAutoFit/>
+          </a:bodyPr>
+          <a:lstStyle/>
+          <a:p>
+            <a:pPr algn="ctr"/>
+            <a:r>
+              <a:rPr lang="en-US" sz="4400" b="1" dirty="0" smtClean="0">
+                <a:solidFill>
+                  <a:srgbClr val="660033"/>
+                </a:solidFill>
+                <a:latin typeface="+mn-lt"/>
+              </a:rPr>
+              <a:t>( </a:t>
+            </a:r>
+            <a:r>
+              <a:rPr lang="en-US" sz="4400" b="1" dirty="0" smtClean="0">
+                <a:solidFill>
+                  <a:srgbClr val="660033"/>
+                </a:solidFill>
+                <a:latin typeface="+mn-lt"/>
+              </a:rPr>
+              <a:t>1 / 4 </a:t>
+            </a:r>
+            <a:r>
+              <a:rPr lang="en-US" sz="4400" b="1" dirty="0" smtClean="0">
+                <a:solidFill>
+                  <a:srgbClr val="660033"/>
+                </a:solidFill>
+                <a:latin typeface="+mn-lt"/>
+              </a:rPr>
+              <a:t>)</a:t>
+            </a:r>
+            <a:endParaRPr lang="vi-VN" sz="4400" b="1" dirty="0">
               <a:solidFill>
                 <a:srgbClr val="660033"/>
               </a:solidFill>
-              <a:latin typeface="Microsoft JhengHei" panose="020B0604030504040204" pitchFamily="34" charset="-120"/>
-              <a:ea typeface="Microsoft JhengHei" panose="020B0604030504040204" pitchFamily="34" charset="-120"/>
+              <a:latin typeface="+mn-lt"/>
             </a:endParaRPr>
           </a:p>
         </p:txBody>
@@ -4859,13 +6985,20 @@
     </p:spTree>
     <p:extLst>
       <p:ext uri="{BB962C8B-B14F-4D97-AF65-F5344CB8AC3E}">
-        <p14:creationId xmlns:p14="http://schemas.microsoft.com/office/powerpoint/2010/main" val="3040948180"/>
+        <p14:creationId xmlns:p14="http://schemas.microsoft.com/office/powerpoint/2010/main" xmlns="" val="1407003638"/>
       </p:ext>
     </p:extLst>
   </p:cSld>
   <p:clrMapOvr>
     <a:masterClrMapping/>
   </p:clrMapOvr>
+  <p:timing>
+    <p:tnLst>
+      <p:par>
+        <p:cTn id="1" dur="indefinite" restart="never" nodeType="tmRoot"/>
+      </p:par>
+    </p:tnLst>
+  </p:timing>
 </p:sld>
 </file>
 
@@ -4888,170 +7021,80 @@
       </p:grpSpPr>
       <p:sp>
         <p:nvSpPr>
-          <p:cNvPr id="4" name="Title 3"/>
-          <p:cNvSpPr>
-            <a:spLocks noGrp="1"/>
-          </p:cNvSpPr>
-          <p:nvPr>
-            <p:ph type="title"/>
-          </p:nvPr>
-        </p:nvSpPr>
-        <p:spPr/>
-        <p:txBody>
-          <a:bodyPr>
+          <p:cNvPr id="5" name="內容版面配置區 4"/>
+          <p:cNvSpPr>
+            <a:spLocks noGrp="1"/>
+          </p:cNvSpPr>
+          <p:nvPr>
+            <p:ph idx="1"/>
+          </p:nvPr>
+        </p:nvSpPr>
+        <p:spPr>
+          <a:xfrm>
+            <a:off x="0" y="2084851"/>
+            <a:ext cx="12192000" cy="2404863"/>
+          </a:xfrm>
+        </p:spPr>
+        <p:txBody>
+          <a:bodyPr anchor="ctr">
             <a:normAutofit/>
           </a:bodyPr>
           <a:lstStyle/>
           <a:p>
-            <a:r>
-              <a:rPr lang="en-US" altLang="zh-TW" sz="4800" b="1" dirty="0">
+            <a:pPr marL="0" indent="0" algn="ctr">
+              <a:buNone/>
+            </a:pPr>
+            <a:r>
+              <a:rPr lang="zh-TW" altLang="en-US" sz="6600" b="1" dirty="0" smtClean="0">
                 <a:solidFill>
                   <a:srgbClr val="660033"/>
                 </a:solidFill>
                 <a:latin typeface="Microsoft JhengHei" panose="020B0604030504040204" pitchFamily="34" charset="-120"/>
                 <a:ea typeface="Microsoft JhengHei" panose="020B0604030504040204" pitchFamily="34" charset="-120"/>
               </a:rPr>
-              <a:t>【</a:t>
-            </a:r>
-            <a:r>
-              <a:rPr lang="zh-TW" altLang="en-US" sz="4800" b="1" dirty="0">
+              <a:t>奉主</a:t>
+            </a:r>
+            <a:r>
+              <a:rPr lang="zh-CN" altLang="zh-TW" sz="6600" b="1" dirty="0" smtClean="0">
                 <a:solidFill>
                   <a:srgbClr val="660033"/>
                 </a:solidFill>
                 <a:latin typeface="Microsoft JhengHei" panose="020B0604030504040204" pitchFamily="34" charset="-120"/>
                 <a:ea typeface="Microsoft JhengHei" panose="020B0604030504040204" pitchFamily="34" charset="-120"/>
               </a:rPr>
-              <a:t>我要往前打勝仗</a:t>
-            </a:r>
-            <a:r>
-              <a:rPr lang="en-US" altLang="zh-TW" sz="4800" b="1" dirty="0">
+              <a:t>令</a:t>
+            </a:r>
+            <a:r>
+              <a:rPr lang="en-US" altLang="zh-CN" sz="6600" b="1" dirty="0" smtClean="0">
                 <a:solidFill>
                   <a:srgbClr val="660033"/>
                 </a:solidFill>
                 <a:latin typeface="Microsoft JhengHei" panose="020B0604030504040204" pitchFamily="34" charset="-120"/>
                 <a:ea typeface="Microsoft JhengHei" panose="020B0604030504040204" pitchFamily="34" charset="-120"/>
               </a:rPr>
-              <a:t>】</a:t>
-            </a:r>
-          </a:p>
-        </p:txBody>
-      </p:sp>
-      <p:sp>
-        <p:nvSpPr>
-          <p:cNvPr id="5" name="Content Placeholder 4"/>
-          <p:cNvSpPr>
-            <a:spLocks noGrp="1"/>
-          </p:cNvSpPr>
-          <p:nvPr>
-            <p:ph idx="1"/>
-          </p:nvPr>
-        </p:nvSpPr>
-        <p:spPr/>
-        <p:txBody>
-          <a:bodyPr>
-            <a:noAutofit/>
-          </a:bodyPr>
-          <a:lstStyle/>
-          <a:p>
-            <a:pPr marL="0" indent="0" algn="ctr">
-              <a:buNone/>
-            </a:pPr>
-            <a:r>
-              <a:rPr lang="zh-TW" altLang="en-US" sz="5400" b="1" dirty="0">
+              <a:t>  </a:t>
+            </a:r>
+            <a:r>
+              <a:rPr lang="zh-TW" altLang="en-US" sz="6600" b="1" dirty="0" smtClean="0">
                 <a:solidFill>
                   <a:srgbClr val="660033"/>
                 </a:solidFill>
                 <a:latin typeface="Microsoft JhengHei" panose="020B0604030504040204" pitchFamily="34" charset="-120"/>
                 <a:ea typeface="Microsoft JhengHei" panose="020B0604030504040204" pitchFamily="34" charset="-120"/>
               </a:rPr>
-              <a:t>等到戰事收完畢</a:t>
-            </a:r>
-          </a:p>
-          <a:p>
-            <a:pPr marL="0" indent="0" algn="ctr">
-              <a:buNone/>
-            </a:pPr>
-            <a:r>
-              <a:rPr lang="zh-TW" altLang="en-US" sz="5400" b="1" dirty="0">
+              <a:t>奉主</a:t>
+            </a:r>
+            <a:r>
+              <a:rPr lang="zh-CN" altLang="zh-TW" sz="6600" b="1" dirty="0" smtClean="0">
                 <a:solidFill>
                   <a:srgbClr val="660033"/>
                 </a:solidFill>
                 <a:latin typeface="Microsoft JhengHei" panose="020B0604030504040204" pitchFamily="34" charset="-120"/>
                 <a:ea typeface="Microsoft JhengHei" panose="020B0604030504040204" pitchFamily="34" charset="-120"/>
               </a:rPr>
-              <a:t>得勝工事</a:t>
-            </a:r>
-            <a:r>
-              <a:rPr lang="zh-CN" altLang="zh-TW" sz="5400" b="1" dirty="0">
-                <a:solidFill>
-                  <a:srgbClr val="660033"/>
-                </a:solidFill>
-                <a:latin typeface="Microsoft JhengHei" panose="020B0604030504040204" pitchFamily="34" charset="-120"/>
-                <a:ea typeface="Microsoft JhengHei" panose="020B0604030504040204" pitchFamily="34" charset="-120"/>
-              </a:rPr>
-              <a:t>已</a:t>
-            </a:r>
-            <a:r>
-              <a:rPr lang="zh-TW" altLang="en-US" sz="5400" b="1" dirty="0">
-                <a:solidFill>
-                  <a:srgbClr val="660033"/>
-                </a:solidFill>
-                <a:latin typeface="Microsoft JhengHei" panose="020B0604030504040204" pitchFamily="34" charset="-120"/>
-                <a:ea typeface="Microsoft JhengHei" panose="020B0604030504040204" pitchFamily="34" charset="-120"/>
-              </a:rPr>
-              <a:t>告</a:t>
-            </a:r>
-            <a:r>
-              <a:rPr lang="zh-TW" altLang="en-US" sz="5400" b="1" dirty="0">
-                <a:solidFill>
-                  <a:srgbClr val="660033"/>
-                </a:solidFill>
-                <a:latin typeface="Microsoft JhengHei" panose="020B0604030504040204" pitchFamily="34" charset="-120"/>
-                <a:ea typeface="Microsoft JhengHei" panose="020B0604030504040204" pitchFamily="34" charset="-120"/>
-              </a:rPr>
-              <a:t>訖  功</a:t>
-            </a:r>
-            <a:r>
-              <a:rPr lang="zh-TW" altLang="en-US" sz="5400" b="1" dirty="0">
-                <a:solidFill>
-                  <a:srgbClr val="660033"/>
-                </a:solidFill>
-                <a:latin typeface="Microsoft JhengHei" panose="020B0604030504040204" pitchFamily="34" charset="-120"/>
-                <a:ea typeface="Microsoft JhengHei" panose="020B0604030504040204" pitchFamily="34" charset="-120"/>
-              </a:rPr>
-              <a:t>成</a:t>
-            </a:r>
-            <a:r>
-              <a:rPr lang="zh-TW" altLang="en-US" sz="5400" b="1" dirty="0">
-                <a:solidFill>
-                  <a:srgbClr val="660033"/>
-                </a:solidFill>
-                <a:latin typeface="Microsoft JhengHei" panose="020B0604030504040204" pitchFamily="34" charset="-120"/>
-                <a:ea typeface="Microsoft JhengHei" panose="020B0604030504040204" pitchFamily="34" charset="-120"/>
-              </a:rPr>
-              <a:t>了  功</a:t>
-            </a:r>
-            <a:r>
-              <a:rPr lang="zh-TW" altLang="en-US" sz="5400" b="1" dirty="0">
-                <a:solidFill>
-                  <a:srgbClr val="660033"/>
-                </a:solidFill>
-                <a:latin typeface="Microsoft JhengHei" panose="020B0604030504040204" pitchFamily="34" charset="-120"/>
-                <a:ea typeface="Microsoft JhengHei" panose="020B0604030504040204" pitchFamily="34" charset="-120"/>
-              </a:rPr>
-              <a:t>成</a:t>
-            </a:r>
-            <a:r>
-              <a:rPr lang="zh-TW" altLang="en-US" sz="5400" b="1" dirty="0">
-                <a:solidFill>
-                  <a:srgbClr val="660033"/>
-                </a:solidFill>
-                <a:latin typeface="Microsoft JhengHei" panose="020B0604030504040204" pitchFamily="34" charset="-120"/>
-                <a:ea typeface="Microsoft JhengHei" panose="020B0604030504040204" pitchFamily="34" charset="-120"/>
-              </a:rPr>
-              <a:t>了</a:t>
-            </a:r>
-            <a:endParaRPr lang="en-US" altLang="zh-TW" sz="5400" b="1" dirty="0">
+              <a:t>令</a:t>
+            </a:r>
+            <a:endParaRPr lang="en-US" altLang="zh-TW" sz="6600" b="1" dirty="0">
               <a:solidFill>
                 <a:srgbClr val="660033"/>
               </a:solidFill>
@@ -5059,142 +7102,63 @@
               <a:ea typeface="Microsoft JhengHei" panose="020B0604030504040204" pitchFamily="34" charset="-120"/>
             </a:endParaRPr>
           </a:p>
-          <a:p>
-            <a:pPr marL="0" indent="0" algn="ctr">
-              <a:buNone/>
-            </a:pPr>
-            <a:r>
-              <a:rPr lang="zh-TW" altLang="en-US" sz="5400" b="1" dirty="0">
-                <a:solidFill>
-                  <a:srgbClr val="660033"/>
-                </a:solidFill>
-                <a:latin typeface="Microsoft JhengHei" panose="020B0604030504040204" pitchFamily="34" charset="-120"/>
-                <a:ea typeface="Microsoft JhengHei" panose="020B0604030504040204" pitchFamily="34" charset="-120"/>
-              </a:rPr>
-              <a:t>住在耶路撒冷裏</a:t>
-            </a:r>
-          </a:p>
-          <a:p>
-            <a:pPr marL="0" indent="0" algn="ctr">
-              <a:buNone/>
-            </a:pPr>
-            <a:r>
-              <a:rPr lang="zh-TW" altLang="en-US" sz="5400" b="1" dirty="0">
-                <a:solidFill>
-                  <a:srgbClr val="660033"/>
-                </a:solidFill>
-                <a:latin typeface="Microsoft JhengHei" panose="020B0604030504040204" pitchFamily="34" charset="-120"/>
-                <a:ea typeface="Microsoft JhengHei" panose="020B0604030504040204" pitchFamily="34" charset="-120"/>
-              </a:rPr>
-              <a:t>長戴金冠永安</a:t>
-            </a:r>
-            <a:r>
-              <a:rPr lang="zh-TW" altLang="en-US" sz="5400" b="1" dirty="0">
-                <a:solidFill>
-                  <a:srgbClr val="660033"/>
-                </a:solidFill>
-                <a:latin typeface="Microsoft JhengHei" panose="020B0604030504040204" pitchFamily="34" charset="-120"/>
-                <a:ea typeface="Microsoft JhengHei" panose="020B0604030504040204" pitchFamily="34" charset="-120"/>
-              </a:rPr>
-              <a:t>息  結</a:t>
-            </a:r>
-            <a:r>
-              <a:rPr lang="zh-TW" altLang="en-US" sz="5400" b="1" dirty="0">
-                <a:solidFill>
-                  <a:srgbClr val="660033"/>
-                </a:solidFill>
-                <a:latin typeface="Microsoft JhengHei" panose="020B0604030504040204" pitchFamily="34" charset="-120"/>
-                <a:ea typeface="Microsoft JhengHei" panose="020B0604030504040204" pitchFamily="34" charset="-120"/>
-              </a:rPr>
-              <a:t>果</a:t>
-            </a:r>
-            <a:r>
-              <a:rPr lang="zh-TW" altLang="en-US" sz="5400" b="1" dirty="0">
-                <a:solidFill>
-                  <a:srgbClr val="660033"/>
-                </a:solidFill>
-                <a:latin typeface="Microsoft JhengHei" panose="020B0604030504040204" pitchFamily="34" charset="-120"/>
-                <a:ea typeface="Microsoft JhengHei" panose="020B0604030504040204" pitchFamily="34" charset="-120"/>
-              </a:rPr>
-              <a:t>好  結</a:t>
-            </a:r>
-            <a:r>
-              <a:rPr lang="zh-TW" altLang="en-US" sz="5400" b="1" dirty="0">
-                <a:solidFill>
-                  <a:srgbClr val="660033"/>
-                </a:solidFill>
-                <a:latin typeface="Microsoft JhengHei" panose="020B0604030504040204" pitchFamily="34" charset="-120"/>
-                <a:ea typeface="Microsoft JhengHei" panose="020B0604030504040204" pitchFamily="34" charset="-120"/>
-              </a:rPr>
-              <a:t>果</a:t>
-            </a:r>
-            <a:r>
-              <a:rPr lang="zh-TW" altLang="en-US" sz="5400" b="1" dirty="0">
-                <a:solidFill>
-                  <a:srgbClr val="660033"/>
-                </a:solidFill>
-                <a:latin typeface="Microsoft JhengHei" panose="020B0604030504040204" pitchFamily="34" charset="-120"/>
-                <a:ea typeface="Microsoft JhengHei" panose="020B0604030504040204" pitchFamily="34" charset="-120"/>
-              </a:rPr>
-              <a:t>好</a:t>
-            </a:r>
-            <a:endParaRPr lang="zh-TW" altLang="en-US" sz="5400" b="1" dirty="0">
-              <a:solidFill>
-                <a:srgbClr val="660033"/>
-              </a:solidFill>
-              <a:latin typeface="Microsoft JhengHei" panose="020B0604030504040204" pitchFamily="34" charset="-120"/>
-              <a:ea typeface="Microsoft JhengHei" panose="020B0604030504040204" pitchFamily="34" charset="-120"/>
-            </a:endParaRPr>
-          </a:p>
-        </p:txBody>
-      </p:sp>
-      <p:sp>
-        <p:nvSpPr>
-          <p:cNvPr id="6" name="Text Box 1"/>
+        </p:txBody>
+      </p:sp>
+      <p:sp>
+        <p:nvSpPr>
+          <p:cNvPr id="3" name="TextBox 2"/>
           <p:cNvSpPr txBox="1"/>
           <p:nvPr/>
         </p:nvSpPr>
         <p:spPr>
           <a:xfrm>
-            <a:off x="1703512" y="1700808"/>
-            <a:ext cx="1055440" cy="923330"/>
+            <a:off x="0" y="5061182"/>
+            <a:ext cx="12192000" cy="800215"/>
           </a:xfrm>
           <a:prstGeom prst="rect">
             <a:avLst/>
           </a:prstGeom>
           <a:noFill/>
-          <a:ln w="9525">
-            <a:noFill/>
-            <a:miter lim="800000"/>
-          </a:ln>
         </p:spPr>
         <p:txBody>
-          <a:bodyPr wrap="square">
+          <a:bodyPr wrap="square" lIns="121917" tIns="60958" rIns="121917" bIns="60958" rtlCol="0">
             <a:spAutoFit/>
           </a:bodyPr>
           <a:lstStyle/>
           <a:p>
             <a:pPr algn="ctr"/>
             <a:r>
-              <a:rPr lang="en-US" sz="5400" b="1" dirty="0">
-                <a:solidFill>
-                  <a:srgbClr val="660033"/>
-                </a:solidFill>
-              </a:rPr>
-              <a:t>3</a:t>
-            </a:r>
-            <a:r>
-              <a:rPr lang="en-US" sz="5400" b="1" dirty="0" smtClean="0">
-                <a:solidFill>
-                  <a:srgbClr val="660033"/>
-                </a:solidFill>
-              </a:rPr>
-              <a:t>.</a:t>
-            </a:r>
-            <a:endParaRPr lang="en-US" sz="5400" b="1" dirty="0">
+              <a:rPr lang="en-US" sz="4400" b="1" dirty="0" smtClean="0">
+                <a:solidFill>
+                  <a:srgbClr val="660033"/>
+                </a:solidFill>
+                <a:latin typeface="+mn-lt"/>
+              </a:rPr>
+              <a:t>( </a:t>
+            </a:r>
+            <a:r>
+              <a:rPr lang="en-US" sz="4400" b="1" dirty="0" smtClean="0">
+                <a:solidFill>
+                  <a:srgbClr val="660033"/>
+                </a:solidFill>
+                <a:latin typeface="+mn-lt"/>
+              </a:rPr>
+              <a:t>1 / 4 </a:t>
+            </a:r>
+            <a:r>
+              <a:rPr lang="en-US" sz="4400" b="1" dirty="0" smtClean="0">
+                <a:solidFill>
+                  <a:srgbClr val="660033"/>
+                </a:solidFill>
+                <a:latin typeface="+mn-lt"/>
+              </a:rPr>
+              <a:t>)</a:t>
+            </a:r>
+            <a:endParaRPr lang="vi-VN" sz="4400" b="1" dirty="0">
               <a:solidFill>
                 <a:srgbClr val="660033"/>
               </a:solidFill>
+              <a:latin typeface="+mn-lt"/>
             </a:endParaRPr>
           </a:p>
         </p:txBody>
@@ -5202,13 +7166,20 @@
     </p:spTree>
     <p:extLst>
       <p:ext uri="{BB962C8B-B14F-4D97-AF65-F5344CB8AC3E}">
-        <p14:creationId xmlns:p14="http://schemas.microsoft.com/office/powerpoint/2010/main" val="1050161594"/>
+        <p14:creationId xmlns:p14="http://schemas.microsoft.com/office/powerpoint/2010/main" xmlns="" val="1407003638"/>
       </p:ext>
     </p:extLst>
   </p:cSld>
   <p:clrMapOvr>
     <a:masterClrMapping/>
   </p:clrMapOvr>
+  <p:timing>
+    <p:tnLst>
+      <p:par>
+        <p:cTn id="1" dur="indefinite" restart="never" nodeType="tmRoot"/>
+      </p:par>
+    </p:tnLst>
+  </p:timing>
 </p:sld>
 </file>
 
@@ -5231,130 +7202,50 @@
       </p:grpSpPr>
       <p:sp>
         <p:nvSpPr>
-          <p:cNvPr id="4" name="Title 3"/>
-          <p:cNvSpPr>
-            <a:spLocks noGrp="1"/>
-          </p:cNvSpPr>
-          <p:nvPr>
-            <p:ph type="title"/>
-          </p:nvPr>
-        </p:nvSpPr>
-        <p:spPr/>
-        <p:txBody>
-          <a:bodyPr>
+          <p:cNvPr id="5" name="內容版面配置區 4"/>
+          <p:cNvSpPr>
+            <a:spLocks noGrp="1"/>
+          </p:cNvSpPr>
+          <p:nvPr>
+            <p:ph idx="1"/>
+          </p:nvPr>
+        </p:nvSpPr>
+        <p:spPr>
+          <a:xfrm>
+            <a:off x="0" y="2084851"/>
+            <a:ext cx="12192000" cy="2404863"/>
+          </a:xfrm>
+        </p:spPr>
+        <p:txBody>
+          <a:bodyPr anchor="ctr">
             <a:normAutofit/>
           </a:bodyPr>
           <a:lstStyle/>
           <a:p>
-            <a:r>
-              <a:rPr lang="en-US" altLang="zh-TW" sz="4800" b="1" dirty="0">
+            <a:pPr marL="0" indent="0" algn="ctr">
+              <a:buNone/>
+            </a:pPr>
+            <a:r>
+              <a:rPr lang="zh-CN" altLang="en-US" sz="6600" b="1" dirty="0" smtClean="0">
                 <a:solidFill>
                   <a:srgbClr val="660033"/>
                 </a:solidFill>
                 <a:latin typeface="Microsoft JhengHei" panose="020B0604030504040204" pitchFamily="34" charset="-120"/>
                 <a:ea typeface="Microsoft JhengHei" panose="020B0604030504040204" pitchFamily="34" charset="-120"/>
               </a:rPr>
-              <a:t>【</a:t>
-            </a:r>
-            <a:r>
-              <a:rPr lang="zh-TW" altLang="en-US" sz="4800" b="1" dirty="0">
+              <a:t>我要往前</a:t>
+            </a:r>
+            <a:r>
+              <a:rPr lang="zh-CN" altLang="en-US" sz="6600" b="1" dirty="0" smtClean="0">
                 <a:solidFill>
                   <a:srgbClr val="660033"/>
                 </a:solidFill>
                 <a:latin typeface="Microsoft JhengHei" panose="020B0604030504040204" pitchFamily="34" charset="-120"/>
                 <a:ea typeface="Microsoft JhengHei" panose="020B0604030504040204" pitchFamily="34" charset="-120"/>
               </a:rPr>
-              <a:t>我要往前打勝仗</a:t>
-            </a:r>
-            <a:r>
-              <a:rPr lang="en-US" altLang="zh-TW" sz="4800" b="1" dirty="0">
-                <a:solidFill>
-                  <a:srgbClr val="660033"/>
-                </a:solidFill>
-                <a:latin typeface="Microsoft JhengHei" panose="020B0604030504040204" pitchFamily="34" charset="-120"/>
-                <a:ea typeface="Microsoft JhengHei" panose="020B0604030504040204" pitchFamily="34" charset="-120"/>
-              </a:rPr>
-              <a:t>】</a:t>
-            </a:r>
-          </a:p>
-        </p:txBody>
-      </p:sp>
-      <p:sp>
-        <p:nvSpPr>
-          <p:cNvPr id="5" name="Content Placeholder 4"/>
-          <p:cNvSpPr>
-            <a:spLocks noGrp="1"/>
-          </p:cNvSpPr>
-          <p:nvPr>
-            <p:ph idx="1"/>
-          </p:nvPr>
-        </p:nvSpPr>
-        <p:spPr/>
-        <p:txBody>
-          <a:bodyPr>
-            <a:noAutofit/>
-          </a:bodyPr>
-          <a:lstStyle/>
-          <a:p>
-            <a:pPr marL="0" indent="0" algn="ctr">
-              <a:buNone/>
-            </a:pPr>
-            <a:r>
-              <a:rPr lang="zh-CN" altLang="en-US" sz="5400" b="1" dirty="0">
-                <a:solidFill>
-                  <a:srgbClr val="660033"/>
-                </a:solidFill>
-                <a:latin typeface="Microsoft JhengHei" panose="020B0604030504040204" pitchFamily="34" charset="-120"/>
-                <a:ea typeface="Microsoft JhengHei" panose="020B0604030504040204" pitchFamily="34" charset="-120"/>
-              </a:rPr>
-              <a:t>我要往前打勝</a:t>
-            </a:r>
-            <a:r>
-              <a:rPr lang="zh-CN" altLang="en-US" sz="5400" b="1" dirty="0" smtClean="0">
-                <a:solidFill>
-                  <a:srgbClr val="660033"/>
-                </a:solidFill>
-                <a:latin typeface="Microsoft JhengHei" panose="020B0604030504040204" pitchFamily="34" charset="-120"/>
-                <a:ea typeface="Microsoft JhengHei" panose="020B0604030504040204" pitchFamily="34" charset="-120"/>
-              </a:rPr>
-              <a:t>仗  耶</a:t>
-            </a:r>
-            <a:r>
-              <a:rPr lang="zh-CN" altLang="en-US" sz="5400" b="1" dirty="0">
-                <a:solidFill>
-                  <a:srgbClr val="660033"/>
-                </a:solidFill>
-                <a:latin typeface="Microsoft JhengHei" panose="020B0604030504040204" pitchFamily="34" charset="-120"/>
-                <a:ea typeface="Microsoft JhengHei" panose="020B0604030504040204" pitchFamily="34" charset="-120"/>
-              </a:rPr>
-              <a:t>穌為我大主將</a:t>
-            </a:r>
-          </a:p>
-          <a:p>
-            <a:pPr marL="0" indent="0" algn="ctr">
-              <a:buNone/>
-            </a:pPr>
-            <a:r>
-              <a:rPr lang="zh-CN" altLang="en-US" sz="5400" b="1" dirty="0">
-                <a:solidFill>
-                  <a:srgbClr val="660033"/>
-                </a:solidFill>
-                <a:latin typeface="Microsoft JhengHei" panose="020B0604030504040204" pitchFamily="34" charset="-120"/>
-                <a:ea typeface="Microsoft JhengHei" panose="020B0604030504040204" pitchFamily="34" charset="-120"/>
-              </a:rPr>
-              <a:t>耶穌為我大主</a:t>
-            </a:r>
-            <a:r>
-              <a:rPr lang="zh-CN" altLang="en-US" sz="5400" b="1" dirty="0">
-                <a:solidFill>
-                  <a:srgbClr val="660033"/>
-                </a:solidFill>
-                <a:latin typeface="Microsoft JhengHei" panose="020B0604030504040204" pitchFamily="34" charset="-120"/>
-                <a:ea typeface="Microsoft JhengHei" panose="020B0604030504040204" pitchFamily="34" charset="-120"/>
-              </a:rPr>
-              <a:t>將</a:t>
-            </a:r>
-            <a:endParaRPr lang="en-US" altLang="zh-CN" sz="5400" b="1" dirty="0">
+              <a:t>打勝仗</a:t>
+            </a:r>
+            <a:endParaRPr lang="en-US" altLang="zh-CN" sz="6600" b="1" dirty="0" smtClean="0">
               <a:solidFill>
                 <a:srgbClr val="660033"/>
               </a:solidFill>
@@ -5367,61 +7258,26 @@
               <a:buNone/>
             </a:pPr>
             <a:r>
-              <a:rPr lang="zh-CN" altLang="en-US" sz="5400" b="1" dirty="0">
+              <a:rPr lang="zh-CN" altLang="en-US" sz="6600" b="1" dirty="0" smtClean="0">
                 <a:solidFill>
                   <a:srgbClr val="660033"/>
                 </a:solidFill>
                 <a:latin typeface="Microsoft JhengHei" panose="020B0604030504040204" pitchFamily="34" charset="-120"/>
                 <a:ea typeface="Microsoft JhengHei" panose="020B0604030504040204" pitchFamily="34" charset="-120"/>
               </a:rPr>
-              <a:t>我要往前打勝</a:t>
-            </a:r>
-            <a:r>
-              <a:rPr lang="zh-CN" altLang="en-US" sz="5400" b="1" dirty="0">
+              <a:t>耶穌</a:t>
+            </a:r>
+            <a:r>
+              <a:rPr lang="zh-CN" altLang="en-US" sz="6600" b="1" dirty="0" smtClean="0">
                 <a:solidFill>
                   <a:srgbClr val="660033"/>
                 </a:solidFill>
                 <a:latin typeface="Microsoft JhengHei" panose="020B0604030504040204" pitchFamily="34" charset="-120"/>
                 <a:ea typeface="Microsoft JhengHei" panose="020B0604030504040204" pitchFamily="34" charset="-120"/>
               </a:rPr>
-              <a:t>仗  直</a:t>
-            </a:r>
-            <a:r>
-              <a:rPr lang="zh-CN" altLang="en-US" sz="5400" b="1" dirty="0">
-                <a:solidFill>
-                  <a:srgbClr val="660033"/>
-                </a:solidFill>
-                <a:latin typeface="Microsoft JhengHei" panose="020B0604030504040204" pitchFamily="34" charset="-120"/>
-                <a:ea typeface="Microsoft JhengHei" panose="020B0604030504040204" pitchFamily="34" charset="-120"/>
-              </a:rPr>
-              <a:t>打了末次</a:t>
-            </a:r>
-          </a:p>
-          <a:p>
-            <a:pPr marL="0" indent="0" algn="ctr">
-              <a:buNone/>
-            </a:pPr>
-            <a:r>
-              <a:rPr lang="zh-CN" altLang="en-US" sz="5400" b="1" dirty="0">
-                <a:solidFill>
-                  <a:srgbClr val="660033"/>
-                </a:solidFill>
-                <a:latin typeface="Microsoft JhengHei" panose="020B0604030504040204" pitchFamily="34" charset="-120"/>
-                <a:ea typeface="Microsoft JhengHei" panose="020B0604030504040204" pitchFamily="34" charset="-120"/>
-              </a:rPr>
-              <a:t>榮耀美好勝</a:t>
-            </a:r>
-            <a:r>
-              <a:rPr lang="zh-CN" altLang="en-US" sz="5400" b="1" dirty="0">
-                <a:solidFill>
-                  <a:srgbClr val="660033"/>
-                </a:solidFill>
-                <a:latin typeface="Microsoft JhengHei" panose="020B0604030504040204" pitchFamily="34" charset="-120"/>
-                <a:ea typeface="Microsoft JhengHei" panose="020B0604030504040204" pitchFamily="34" charset="-120"/>
-              </a:rPr>
-              <a:t>仗</a:t>
-            </a:r>
-            <a:endParaRPr lang="zh-CN" altLang="en-US" sz="5400" b="1" dirty="0">
+              <a:t>為我大主將</a:t>
+            </a:r>
+            <a:endParaRPr lang="zh-CN" altLang="en-US" sz="6600" b="1" dirty="0">
               <a:solidFill>
                 <a:srgbClr val="660033"/>
               </a:solidFill>
@@ -5434,13 +7290,20 @@
     </p:spTree>
     <p:extLst>
       <p:ext uri="{BB962C8B-B14F-4D97-AF65-F5344CB8AC3E}">
-        <p14:creationId xmlns:p14="http://schemas.microsoft.com/office/powerpoint/2010/main" val="986615737"/>
+        <p14:creationId xmlns:p14="http://schemas.microsoft.com/office/powerpoint/2010/main" xmlns="" val="1407003638"/>
       </p:ext>
     </p:extLst>
   </p:cSld>
   <p:clrMapOvr>
     <a:masterClrMapping/>
   </p:clrMapOvr>
+  <p:timing>
+    <p:tnLst>
+      <p:par>
+        <p:cTn id="1" dur="indefinite" restart="never" nodeType="tmRoot"/>
+      </p:par>
+    </p:tnLst>
+  </p:timing>
 </p:sld>
 </file>
 
@@ -5463,160 +7326,40 @@
       </p:grpSpPr>
       <p:sp>
         <p:nvSpPr>
-          <p:cNvPr id="4" name="Title 3"/>
-          <p:cNvSpPr>
-            <a:spLocks noGrp="1"/>
-          </p:cNvSpPr>
-          <p:nvPr>
-            <p:ph type="title"/>
-          </p:nvPr>
-        </p:nvSpPr>
-        <p:spPr/>
-        <p:txBody>
-          <a:bodyPr>
+          <p:cNvPr id="5" name="內容版面配置區 4"/>
+          <p:cNvSpPr>
+            <a:spLocks noGrp="1"/>
+          </p:cNvSpPr>
+          <p:nvPr>
+            <p:ph idx="1"/>
+          </p:nvPr>
+        </p:nvSpPr>
+        <p:spPr>
+          <a:xfrm>
+            <a:off x="0" y="2084851"/>
+            <a:ext cx="12192000" cy="2404863"/>
+          </a:xfrm>
+        </p:spPr>
+        <p:txBody>
+          <a:bodyPr anchor="ctr">
             <a:normAutofit/>
           </a:bodyPr>
           <a:lstStyle/>
           <a:p>
-            <a:r>
-              <a:rPr lang="en-US" altLang="zh-TW" sz="4800" b="1" dirty="0">
+            <a:pPr marL="0" indent="0" algn="ctr">
+              <a:buNone/>
+            </a:pPr>
+            <a:r>
+              <a:rPr lang="zh-CN" altLang="en-US" sz="6600" b="1" dirty="0" smtClean="0">
                 <a:solidFill>
                   <a:srgbClr val="660033"/>
                 </a:solidFill>
                 <a:latin typeface="Microsoft JhengHei" panose="020B0604030504040204" pitchFamily="34" charset="-120"/>
                 <a:ea typeface="Microsoft JhengHei" panose="020B0604030504040204" pitchFamily="34" charset="-120"/>
               </a:rPr>
-              <a:t>【</a:t>
-            </a:r>
-            <a:r>
-              <a:rPr lang="zh-TW" altLang="en-US" sz="4800" b="1" dirty="0">
-                <a:solidFill>
-                  <a:srgbClr val="660033"/>
-                </a:solidFill>
-                <a:latin typeface="Microsoft JhengHei" panose="020B0604030504040204" pitchFamily="34" charset="-120"/>
-                <a:ea typeface="Microsoft JhengHei" panose="020B0604030504040204" pitchFamily="34" charset="-120"/>
-              </a:rPr>
-              <a:t>我要往前打勝仗</a:t>
-            </a:r>
-            <a:r>
-              <a:rPr lang="en-US" altLang="zh-TW" sz="4800" b="1" dirty="0">
-                <a:solidFill>
-                  <a:srgbClr val="660033"/>
-                </a:solidFill>
-                <a:latin typeface="Microsoft JhengHei" panose="020B0604030504040204" pitchFamily="34" charset="-120"/>
-                <a:ea typeface="Microsoft JhengHei" panose="020B0604030504040204" pitchFamily="34" charset="-120"/>
-              </a:rPr>
-              <a:t>】</a:t>
-            </a:r>
-          </a:p>
-        </p:txBody>
-      </p:sp>
-      <p:sp>
-        <p:nvSpPr>
-          <p:cNvPr id="5" name="Content Placeholder 4"/>
-          <p:cNvSpPr>
-            <a:spLocks noGrp="1"/>
-          </p:cNvSpPr>
-          <p:nvPr>
-            <p:ph idx="1"/>
-          </p:nvPr>
-        </p:nvSpPr>
-        <p:spPr/>
-        <p:txBody>
-          <a:bodyPr>
-            <a:noAutofit/>
-          </a:bodyPr>
-          <a:lstStyle/>
-          <a:p>
-            <a:pPr marL="0" indent="0" algn="ctr">
-              <a:buNone/>
-            </a:pPr>
-            <a:r>
-              <a:rPr lang="zh-TW" altLang="en-US" sz="5400" b="1" dirty="0">
-                <a:solidFill>
-                  <a:srgbClr val="660033"/>
-                </a:solidFill>
-                <a:latin typeface="Microsoft JhengHei" panose="020B0604030504040204" pitchFamily="34" charset="-120"/>
-                <a:ea typeface="Microsoft JhengHei" panose="020B0604030504040204" pitchFamily="34" charset="-120"/>
-              </a:rPr>
-              <a:t>那時必得喜色添</a:t>
-            </a:r>
-          </a:p>
-          <a:p>
-            <a:pPr marL="0" indent="0" algn="ctr">
-              <a:buNone/>
-            </a:pPr>
-            <a:r>
-              <a:rPr lang="zh-CN" altLang="zh-TW" sz="5400" b="1" dirty="0">
-                <a:solidFill>
-                  <a:srgbClr val="660033"/>
-                </a:solidFill>
-                <a:latin typeface="Microsoft JhengHei" panose="020B0604030504040204" pitchFamily="34" charset="-120"/>
-                <a:ea typeface="Microsoft JhengHei" panose="020B0604030504040204" pitchFamily="34" charset="-120"/>
-              </a:rPr>
-              <a:t>眾</a:t>
-            </a:r>
-            <a:r>
-              <a:rPr lang="zh-TW" altLang="en-US" sz="5400" b="1" dirty="0">
-                <a:solidFill>
-                  <a:srgbClr val="660033"/>
-                </a:solidFill>
-                <a:latin typeface="Microsoft JhengHei" panose="020B0604030504040204" pitchFamily="34" charset="-120"/>
-                <a:ea typeface="Microsoft JhengHei" panose="020B0604030504040204" pitchFamily="34" charset="-120"/>
-              </a:rPr>
-              <a:t>徒運舌讚主</a:t>
-            </a:r>
-            <a:r>
-              <a:rPr lang="zh-TW" altLang="en-US" sz="5400" b="1" dirty="0">
-                <a:solidFill>
-                  <a:srgbClr val="660033"/>
-                </a:solidFill>
-                <a:latin typeface="Microsoft JhengHei" panose="020B0604030504040204" pitchFamily="34" charset="-120"/>
-                <a:ea typeface="Microsoft JhengHei" panose="020B0604030504040204" pitchFamily="34" charset="-120"/>
-              </a:rPr>
-              <a:t>權  更</a:t>
-            </a:r>
-            <a:r>
-              <a:rPr lang="zh-TW" altLang="en-US" sz="5400" b="1" dirty="0">
-                <a:solidFill>
-                  <a:srgbClr val="660033"/>
-                </a:solidFill>
-                <a:latin typeface="Microsoft JhengHei" panose="020B0604030504040204" pitchFamily="34" charset="-120"/>
-                <a:ea typeface="Microsoft JhengHei" panose="020B0604030504040204" pitchFamily="34" charset="-120"/>
-              </a:rPr>
-              <a:t>頌</a:t>
-            </a:r>
-            <a:r>
-              <a:rPr lang="zh-TW" altLang="en-US" sz="5400" b="1" dirty="0">
-                <a:solidFill>
-                  <a:srgbClr val="660033"/>
-                </a:solidFill>
-                <a:latin typeface="Microsoft JhengHei" panose="020B0604030504040204" pitchFamily="34" charset="-120"/>
-                <a:ea typeface="Microsoft JhengHei" panose="020B0604030504040204" pitchFamily="34" charset="-120"/>
-              </a:rPr>
-              <a:t>掦  更</a:t>
-            </a:r>
-            <a:r>
-              <a:rPr lang="zh-TW" altLang="en-US" sz="5400" b="1" dirty="0">
-                <a:solidFill>
-                  <a:srgbClr val="660033"/>
-                </a:solidFill>
-                <a:latin typeface="Microsoft JhengHei" panose="020B0604030504040204" pitchFamily="34" charset="-120"/>
-                <a:ea typeface="Microsoft JhengHei" panose="020B0604030504040204" pitchFamily="34" charset="-120"/>
-              </a:rPr>
-              <a:t>頌</a:t>
-            </a:r>
-            <a:r>
-              <a:rPr lang="zh-TW" altLang="en-US" sz="5400" b="1" dirty="0">
-                <a:solidFill>
-                  <a:srgbClr val="660033"/>
-                </a:solidFill>
-                <a:latin typeface="Microsoft JhengHei" panose="020B0604030504040204" pitchFamily="34" charset="-120"/>
-                <a:ea typeface="Microsoft JhengHei" panose="020B0604030504040204" pitchFamily="34" charset="-120"/>
-              </a:rPr>
-              <a:t>掦</a:t>
-            </a:r>
-            <a:endParaRPr lang="en-US" altLang="zh-TW" sz="5400" b="1" dirty="0">
+              <a:t>耶穌為我大主將</a:t>
+            </a:r>
+            <a:endParaRPr lang="en-US" altLang="zh-CN" sz="6600" b="1" dirty="0">
               <a:solidFill>
                 <a:srgbClr val="660033"/>
               </a:solidFill>
@@ -5624,206 +7367,25 @@
               <a:ea typeface="Microsoft JhengHei" panose="020B0604030504040204" pitchFamily="34" charset="-120"/>
             </a:endParaRPr>
           </a:p>
-          <a:p>
-            <a:pPr marL="0" indent="0" algn="ctr">
-              <a:buNone/>
-            </a:pPr>
-            <a:r>
-              <a:rPr lang="zh-TW" altLang="en-US" sz="5400" b="1" dirty="0">
-                <a:solidFill>
-                  <a:srgbClr val="660033"/>
-                </a:solidFill>
-                <a:latin typeface="Microsoft JhengHei" panose="020B0604030504040204" pitchFamily="34" charset="-120"/>
-                <a:ea typeface="Microsoft JhengHei" panose="020B0604030504040204" pitchFamily="34" charset="-120"/>
-              </a:rPr>
-              <a:t>我輩將立大王前</a:t>
-            </a:r>
-          </a:p>
-          <a:p>
-            <a:pPr marL="0" indent="0" algn="ctr">
-              <a:buNone/>
-            </a:pPr>
-            <a:r>
-              <a:rPr lang="zh-TW" altLang="en-US" sz="5400" b="1" dirty="0">
-                <a:solidFill>
-                  <a:srgbClr val="660033"/>
-                </a:solidFill>
-                <a:latin typeface="Microsoft JhengHei" panose="020B0604030504040204" pitchFamily="34" charset="-120"/>
-                <a:ea typeface="Microsoft JhengHei" panose="020B0604030504040204" pitchFamily="34" charset="-120"/>
-              </a:rPr>
-              <a:t>高聲同心奏</a:t>
-            </a:r>
-            <a:r>
-              <a:rPr lang="zh-CN" altLang="zh-TW" sz="5400" b="1" dirty="0">
-                <a:solidFill>
-                  <a:srgbClr val="660033"/>
-                </a:solidFill>
-                <a:latin typeface="Microsoft JhengHei" panose="020B0604030504040204" pitchFamily="34" charset="-120"/>
-                <a:ea typeface="Microsoft JhengHei" panose="020B0604030504040204" pitchFamily="34" charset="-120"/>
-              </a:rPr>
-              <a:t>凱</a:t>
-            </a:r>
-            <a:r>
-              <a:rPr lang="zh-CN" altLang="zh-TW" sz="5400" b="1" dirty="0">
-                <a:solidFill>
-                  <a:srgbClr val="660033"/>
-                </a:solidFill>
-                <a:latin typeface="Microsoft JhengHei" panose="020B0604030504040204" pitchFamily="34" charset="-120"/>
-                <a:ea typeface="Microsoft JhengHei" panose="020B0604030504040204" pitchFamily="34" charset="-120"/>
-              </a:rPr>
-              <a:t>旋</a:t>
-            </a:r>
-            <a:r>
-              <a:rPr lang="en-US" altLang="zh-CN" sz="5400" b="1" dirty="0">
-                <a:solidFill>
-                  <a:srgbClr val="660033"/>
-                </a:solidFill>
-                <a:latin typeface="Microsoft JhengHei" panose="020B0604030504040204" pitchFamily="34" charset="-120"/>
-                <a:ea typeface="Microsoft JhengHei" panose="020B0604030504040204" pitchFamily="34" charset="-120"/>
-              </a:rPr>
-              <a:t>  </a:t>
-            </a:r>
-            <a:r>
-              <a:rPr lang="zh-CN" altLang="zh-TW" sz="5400" b="1" dirty="0">
-                <a:solidFill>
-                  <a:srgbClr val="660033"/>
-                </a:solidFill>
-                <a:latin typeface="Microsoft JhengHei" panose="020B0604030504040204" pitchFamily="34" charset="-120"/>
-                <a:ea typeface="Microsoft JhengHei" panose="020B0604030504040204" pitchFamily="34" charset="-120"/>
-              </a:rPr>
-              <a:t>永</a:t>
-            </a:r>
-            <a:r>
-              <a:rPr lang="zh-CN" altLang="zh-TW" sz="5400" b="1" dirty="0">
-                <a:solidFill>
-                  <a:srgbClr val="660033"/>
-                </a:solidFill>
-                <a:latin typeface="Microsoft JhengHei" panose="020B0604030504040204" pitchFamily="34" charset="-120"/>
-                <a:ea typeface="Microsoft JhengHei" panose="020B0604030504040204" pitchFamily="34" charset="-120"/>
-              </a:rPr>
-              <a:t>無</a:t>
-            </a:r>
-            <a:r>
-              <a:rPr lang="zh-CN" altLang="zh-TW" sz="5400" b="1" dirty="0">
-                <a:solidFill>
-                  <a:srgbClr val="660033"/>
-                </a:solidFill>
-                <a:latin typeface="Microsoft JhengHei" panose="020B0604030504040204" pitchFamily="34" charset="-120"/>
-                <a:ea typeface="Microsoft JhengHei" panose="020B0604030504040204" pitchFamily="34" charset="-120"/>
-              </a:rPr>
-              <a:t>疆</a:t>
-            </a:r>
-            <a:r>
-              <a:rPr lang="en-US" altLang="zh-CN" sz="5400" b="1" dirty="0">
-                <a:solidFill>
-                  <a:srgbClr val="660033"/>
-                </a:solidFill>
-                <a:latin typeface="Microsoft JhengHei" panose="020B0604030504040204" pitchFamily="34" charset="-120"/>
-                <a:ea typeface="Microsoft JhengHei" panose="020B0604030504040204" pitchFamily="34" charset="-120"/>
-              </a:rPr>
-              <a:t>  </a:t>
-            </a:r>
-            <a:r>
-              <a:rPr lang="zh-CN" altLang="zh-TW" sz="5400" b="1" dirty="0">
-                <a:solidFill>
-                  <a:srgbClr val="660033"/>
-                </a:solidFill>
-                <a:latin typeface="Microsoft JhengHei" panose="020B0604030504040204" pitchFamily="34" charset="-120"/>
-                <a:ea typeface="Microsoft JhengHei" panose="020B0604030504040204" pitchFamily="34" charset="-120"/>
-              </a:rPr>
-              <a:t>永</a:t>
-            </a:r>
-            <a:r>
-              <a:rPr lang="zh-CN" altLang="zh-TW" sz="5400" b="1" dirty="0">
-                <a:solidFill>
-                  <a:srgbClr val="660033"/>
-                </a:solidFill>
-                <a:latin typeface="Microsoft JhengHei" panose="020B0604030504040204" pitchFamily="34" charset="-120"/>
-                <a:ea typeface="Microsoft JhengHei" panose="020B0604030504040204" pitchFamily="34" charset="-120"/>
-              </a:rPr>
-              <a:t>無</a:t>
-            </a:r>
-            <a:r>
-              <a:rPr lang="zh-CN" altLang="zh-TW" sz="5400" b="1" dirty="0">
-                <a:solidFill>
-                  <a:srgbClr val="660033"/>
-                </a:solidFill>
-                <a:latin typeface="Microsoft JhengHei" panose="020B0604030504040204" pitchFamily="34" charset="-120"/>
-                <a:ea typeface="Microsoft JhengHei" panose="020B0604030504040204" pitchFamily="34" charset="-120"/>
-              </a:rPr>
-              <a:t>疆</a:t>
-            </a:r>
-            <a:endParaRPr lang="zh-CN" altLang="zh-TW" sz="5400" b="1" dirty="0">
-              <a:solidFill>
-                <a:srgbClr val="660033"/>
-              </a:solidFill>
-              <a:latin typeface="Microsoft JhengHei" panose="020B0604030504040204" pitchFamily="34" charset="-120"/>
-              <a:ea typeface="Microsoft JhengHei" panose="020B0604030504040204" pitchFamily="34" charset="-120"/>
-            </a:endParaRPr>
-          </a:p>
-        </p:txBody>
-      </p:sp>
-      <p:sp>
-        <p:nvSpPr>
-          <p:cNvPr id="6" name="Text Box 1"/>
-          <p:cNvSpPr txBox="1"/>
-          <p:nvPr/>
-        </p:nvSpPr>
-        <p:spPr>
-          <a:xfrm>
-            <a:off x="1703512" y="1700808"/>
-            <a:ext cx="1055440" cy="923330"/>
-          </a:xfrm>
-          <a:prstGeom prst="rect">
-            <a:avLst/>
-          </a:prstGeom>
-          <a:noFill/>
-          <a:ln w="9525">
-            <a:noFill/>
-            <a:miter lim="800000"/>
-          </a:ln>
-        </p:spPr>
-        <p:txBody>
-          <a:bodyPr wrap="square">
-            <a:spAutoFit/>
-          </a:bodyPr>
-          <a:lstStyle/>
-          <a:p>
-            <a:pPr algn="ctr"/>
-            <a:r>
-              <a:rPr lang="en-US" sz="5400" b="1" dirty="0">
-                <a:solidFill>
-                  <a:srgbClr val="660033"/>
-                </a:solidFill>
-              </a:rPr>
-              <a:t>4</a:t>
-            </a:r>
-            <a:r>
-              <a:rPr lang="en-US" sz="5400" b="1" dirty="0" smtClean="0">
-                <a:solidFill>
-                  <a:srgbClr val="660033"/>
-                </a:solidFill>
-              </a:rPr>
-              <a:t>.</a:t>
-            </a:r>
-            <a:endParaRPr lang="en-US" sz="5400" b="1" dirty="0">
-              <a:solidFill>
-                <a:srgbClr val="660033"/>
-              </a:solidFill>
-            </a:endParaRPr>
-          </a:p>
         </p:txBody>
       </p:sp>
     </p:spTree>
     <p:extLst>
       <p:ext uri="{BB962C8B-B14F-4D97-AF65-F5344CB8AC3E}">
-        <p14:creationId xmlns:p14="http://schemas.microsoft.com/office/powerpoint/2010/main" val="2198378328"/>
+        <p14:creationId xmlns:p14="http://schemas.microsoft.com/office/powerpoint/2010/main" xmlns="" val="1407003638"/>
       </p:ext>
     </p:extLst>
   </p:cSld>
   <p:clrMapOvr>
     <a:masterClrMapping/>
   </p:clrMapOvr>
+  <p:timing>
+    <p:tnLst>
+      <p:par>
+        <p:cTn id="1" dur="indefinite" restart="never" nodeType="tmRoot"/>
+      </p:par>
+    </p:tnLst>
+  </p:timing>
 </p:sld>
 </file>
 
@@ -5846,130 +7408,55 @@
       </p:grpSpPr>
       <p:sp>
         <p:nvSpPr>
-          <p:cNvPr id="4" name="Title 3"/>
-          <p:cNvSpPr>
-            <a:spLocks noGrp="1"/>
-          </p:cNvSpPr>
-          <p:nvPr>
-            <p:ph type="title"/>
-          </p:nvPr>
-        </p:nvSpPr>
-        <p:spPr/>
-        <p:txBody>
-          <a:bodyPr>
+          <p:cNvPr id="5" name="內容版面配置區 4"/>
+          <p:cNvSpPr>
+            <a:spLocks noGrp="1"/>
+          </p:cNvSpPr>
+          <p:nvPr>
+            <p:ph idx="1"/>
+          </p:nvPr>
+        </p:nvSpPr>
+        <p:spPr>
+          <a:xfrm>
+            <a:off x="0" y="2084851"/>
+            <a:ext cx="12192000" cy="2404863"/>
+          </a:xfrm>
+        </p:spPr>
+        <p:txBody>
+          <a:bodyPr anchor="ctr">
             <a:normAutofit/>
           </a:bodyPr>
           <a:lstStyle/>
           <a:p>
-            <a:r>
-              <a:rPr lang="en-US" altLang="zh-TW" sz="4800" b="1" dirty="0">
+            <a:pPr marL="0" indent="0" algn="ctr">
+              <a:buNone/>
+            </a:pPr>
+            <a:r>
+              <a:rPr lang="zh-CN" altLang="en-US" sz="6600" b="1" dirty="0" smtClean="0">
                 <a:solidFill>
                   <a:srgbClr val="660033"/>
                 </a:solidFill>
                 <a:latin typeface="Microsoft JhengHei" panose="020B0604030504040204" pitchFamily="34" charset="-120"/>
                 <a:ea typeface="Microsoft JhengHei" panose="020B0604030504040204" pitchFamily="34" charset="-120"/>
               </a:rPr>
-              <a:t>【</a:t>
-            </a:r>
-            <a:r>
-              <a:rPr lang="zh-TW" altLang="en-US" sz="4800" b="1" dirty="0">
+              <a:t>我要往前打勝仗  直打了末次</a:t>
+            </a:r>
+          </a:p>
+          <a:p>
+            <a:pPr marL="0" indent="0" algn="ctr">
+              <a:buNone/>
+            </a:pPr>
+            <a:r>
+              <a:rPr lang="zh-CN" altLang="en-US" sz="6600" b="1" dirty="0" smtClean="0">
                 <a:solidFill>
                   <a:srgbClr val="660033"/>
                 </a:solidFill>
                 <a:latin typeface="Microsoft JhengHei" panose="020B0604030504040204" pitchFamily="34" charset="-120"/>
                 <a:ea typeface="Microsoft JhengHei" panose="020B0604030504040204" pitchFamily="34" charset="-120"/>
               </a:rPr>
-              <a:t>我要往前打勝仗</a:t>
-            </a:r>
-            <a:r>
-              <a:rPr lang="en-US" altLang="zh-TW" sz="4800" b="1" dirty="0">
-                <a:solidFill>
-                  <a:srgbClr val="660033"/>
-                </a:solidFill>
-                <a:latin typeface="Microsoft JhengHei" panose="020B0604030504040204" pitchFamily="34" charset="-120"/>
-                <a:ea typeface="Microsoft JhengHei" panose="020B0604030504040204" pitchFamily="34" charset="-120"/>
-              </a:rPr>
-              <a:t>】</a:t>
-            </a:r>
-          </a:p>
-        </p:txBody>
-      </p:sp>
-      <p:sp>
-        <p:nvSpPr>
-          <p:cNvPr id="5" name="Content Placeholder 4"/>
-          <p:cNvSpPr>
-            <a:spLocks noGrp="1"/>
-          </p:cNvSpPr>
-          <p:nvPr>
-            <p:ph idx="1"/>
-          </p:nvPr>
-        </p:nvSpPr>
-        <p:spPr/>
-        <p:txBody>
-          <a:bodyPr>
-            <a:noAutofit/>
-          </a:bodyPr>
-          <a:lstStyle/>
-          <a:p>
-            <a:pPr marL="0" indent="0" algn="ctr">
-              <a:buNone/>
-            </a:pPr>
-            <a:r>
-              <a:rPr lang="zh-CN" altLang="en-US" sz="5400" b="1" dirty="0">
-                <a:solidFill>
-                  <a:srgbClr val="660033"/>
-                </a:solidFill>
-                <a:latin typeface="Microsoft JhengHei" panose="020B0604030504040204" pitchFamily="34" charset="-120"/>
-                <a:ea typeface="Microsoft JhengHei" panose="020B0604030504040204" pitchFamily="34" charset="-120"/>
-              </a:rPr>
-              <a:t>我要往前打勝</a:t>
-            </a:r>
-            <a:r>
-              <a:rPr lang="zh-CN" altLang="en-US" sz="5400" b="1" dirty="0" smtClean="0">
-                <a:solidFill>
-                  <a:srgbClr val="660033"/>
-                </a:solidFill>
-                <a:latin typeface="Microsoft JhengHei" panose="020B0604030504040204" pitchFamily="34" charset="-120"/>
-                <a:ea typeface="Microsoft JhengHei" panose="020B0604030504040204" pitchFamily="34" charset="-120"/>
-              </a:rPr>
-              <a:t>仗  耶</a:t>
-            </a:r>
-            <a:r>
-              <a:rPr lang="zh-CN" altLang="en-US" sz="5400" b="1" dirty="0">
-                <a:solidFill>
-                  <a:srgbClr val="660033"/>
-                </a:solidFill>
-                <a:latin typeface="Microsoft JhengHei" panose="020B0604030504040204" pitchFamily="34" charset="-120"/>
-                <a:ea typeface="Microsoft JhengHei" panose="020B0604030504040204" pitchFamily="34" charset="-120"/>
-              </a:rPr>
-              <a:t>穌為我大主將</a:t>
-            </a:r>
-          </a:p>
-          <a:p>
-            <a:pPr marL="0" indent="0" algn="ctr">
-              <a:buNone/>
-            </a:pPr>
-            <a:r>
-              <a:rPr lang="zh-CN" altLang="en-US" sz="5400" b="1" dirty="0">
-                <a:solidFill>
-                  <a:srgbClr val="660033"/>
-                </a:solidFill>
-                <a:latin typeface="Microsoft JhengHei" panose="020B0604030504040204" pitchFamily="34" charset="-120"/>
-                <a:ea typeface="Microsoft JhengHei" panose="020B0604030504040204" pitchFamily="34" charset="-120"/>
-              </a:rPr>
-              <a:t>耶穌為我大主</a:t>
-            </a:r>
-            <a:r>
-              <a:rPr lang="zh-CN" altLang="en-US" sz="5400" b="1" dirty="0">
-                <a:solidFill>
-                  <a:srgbClr val="660033"/>
-                </a:solidFill>
-                <a:latin typeface="Microsoft JhengHei" panose="020B0604030504040204" pitchFamily="34" charset="-120"/>
-                <a:ea typeface="Microsoft JhengHei" panose="020B0604030504040204" pitchFamily="34" charset="-120"/>
-              </a:rPr>
-              <a:t>將</a:t>
-            </a:r>
-            <a:endParaRPr lang="en-US" altLang="zh-CN" sz="5400" b="1" dirty="0">
+              <a:t>榮耀美好勝仗</a:t>
+            </a:r>
+            <a:endParaRPr lang="zh-CN" altLang="en-US" sz="6600" b="1" dirty="0">
               <a:solidFill>
                 <a:srgbClr val="660033"/>
               </a:solidFill>
@@ -5977,39 +7464,99 @@
               <a:ea typeface="Microsoft JhengHei" panose="020B0604030504040204" pitchFamily="34" charset="-120"/>
             </a:endParaRPr>
           </a:p>
+        </p:txBody>
+      </p:sp>
+    </p:spTree>
+    <p:extLst>
+      <p:ext uri="{BB962C8B-B14F-4D97-AF65-F5344CB8AC3E}">
+        <p14:creationId xmlns:p14="http://schemas.microsoft.com/office/powerpoint/2010/main" xmlns="" val="1407003638"/>
+      </p:ext>
+    </p:extLst>
+  </p:cSld>
+  <p:clrMapOvr>
+    <a:masterClrMapping/>
+  </p:clrMapOvr>
+  <p:timing>
+    <p:tnLst>
+      <p:par>
+        <p:cTn id="1" dur="indefinite" restart="never" nodeType="tmRoot"/>
+      </p:par>
+    </p:tnLst>
+  </p:timing>
+</p:sld>
+</file>
+
+<file path=ppt/slides/slide9.xml><?xml version="1.0" encoding="utf-8"?>
+<p:sld xmlns:a="http://schemas.openxmlformats.org/drawingml/2006/main" xmlns:r="http://schemas.openxmlformats.org/officeDocument/2006/relationships" xmlns:p="http://schemas.openxmlformats.org/presentationml/2006/main">
+  <p:cSld>
+    <p:spTree>
+      <p:nvGrpSpPr>
+        <p:cNvPr id="1" name=""/>
+        <p:cNvGrpSpPr/>
+        <p:nvPr/>
+      </p:nvGrpSpPr>
+      <p:grpSpPr>
+        <a:xfrm>
+          <a:off x="0" y="0"/>
+          <a:ext cx="0" cy="0"/>
+          <a:chOff x="0" y="0"/>
+          <a:chExt cx="0" cy="0"/>
+        </a:xfrm>
+      </p:grpSpPr>
+      <p:sp>
+        <p:nvSpPr>
+          <p:cNvPr id="5" name="內容版面配置區 4"/>
+          <p:cNvSpPr>
+            <a:spLocks noGrp="1"/>
+          </p:cNvSpPr>
+          <p:nvPr>
+            <p:ph idx="1"/>
+          </p:nvPr>
+        </p:nvSpPr>
+        <p:spPr>
+          <a:xfrm>
+            <a:off x="0" y="2084851"/>
+            <a:ext cx="12192000" cy="2404863"/>
+          </a:xfrm>
+        </p:spPr>
+        <p:txBody>
+          <a:bodyPr anchor="ctr">
+            <a:normAutofit/>
+          </a:bodyPr>
+          <a:lstStyle/>
           <a:p>
             <a:pPr marL="0" indent="0" algn="ctr">
               <a:buNone/>
             </a:pPr>
             <a:r>
-              <a:rPr lang="zh-CN" altLang="en-US" sz="5400" b="1" dirty="0">
+              <a:rPr lang="zh-TW" altLang="en-US" sz="6600" b="1" dirty="0" smtClean="0">
                 <a:solidFill>
                   <a:srgbClr val="660033"/>
                 </a:solidFill>
                 <a:latin typeface="Microsoft JhengHei" panose="020B0604030504040204" pitchFamily="34" charset="-120"/>
                 <a:ea typeface="Microsoft JhengHei" panose="020B0604030504040204" pitchFamily="34" charset="-120"/>
               </a:rPr>
-              <a:t>我要往前打勝</a:t>
-            </a:r>
-            <a:r>
-              <a:rPr lang="zh-CN" altLang="en-US" sz="5400" b="1" dirty="0">
+              <a:t>速</a:t>
+            </a:r>
+            <a:r>
+              <a:rPr lang="zh-CN" altLang="zh-TW" sz="6600" b="1" dirty="0" smtClean="0">
                 <a:solidFill>
                   <a:srgbClr val="660033"/>
                 </a:solidFill>
                 <a:latin typeface="Microsoft JhengHei" panose="020B0604030504040204" pitchFamily="34" charset="-120"/>
                 <a:ea typeface="Microsoft JhengHei" panose="020B0604030504040204" pitchFamily="34" charset="-120"/>
               </a:rPr>
-              <a:t>仗  直</a:t>
-            </a:r>
-            <a:r>
-              <a:rPr lang="zh-CN" altLang="en-US" sz="5400" b="1" dirty="0">
+              <a:t>即</a:t>
+            </a:r>
+            <a:r>
+              <a:rPr lang="zh-TW" altLang="en-US" sz="6600" b="1" dirty="0" smtClean="0">
                 <a:solidFill>
                   <a:srgbClr val="660033"/>
                 </a:solidFill>
                 <a:latin typeface="Microsoft JhengHei" panose="020B0604030504040204" pitchFamily="34" charset="-120"/>
                 <a:ea typeface="Microsoft JhengHei" panose="020B0604030504040204" pitchFamily="34" charset="-120"/>
               </a:rPr>
-              <a:t>打了末次</a:t>
+              <a:t>展開主旗旈</a:t>
             </a:r>
           </a:p>
           <a:p>
@@ -6017,26 +7564,16 @@
               <a:buNone/>
             </a:pPr>
             <a:r>
-              <a:rPr lang="zh-CN" altLang="en-US" sz="5400" b="1" dirty="0">
+              <a:rPr lang="zh-TW" altLang="en-US" sz="6600" b="1" dirty="0" smtClean="0">
                 <a:solidFill>
                   <a:srgbClr val="660033"/>
                 </a:solidFill>
                 <a:latin typeface="Microsoft JhengHei" panose="020B0604030504040204" pitchFamily="34" charset="-120"/>
                 <a:ea typeface="Microsoft JhengHei" panose="020B0604030504040204" pitchFamily="34" charset="-120"/>
               </a:rPr>
-              <a:t>榮耀美好勝</a:t>
-            </a:r>
-            <a:r>
-              <a:rPr lang="zh-CN" altLang="en-US" sz="5400" b="1" dirty="0">
-                <a:solidFill>
-                  <a:srgbClr val="660033"/>
-                </a:solidFill>
-                <a:latin typeface="Microsoft JhengHei" panose="020B0604030504040204" pitchFamily="34" charset="-120"/>
-                <a:ea typeface="Microsoft JhengHei" panose="020B0604030504040204" pitchFamily="34" charset="-120"/>
-              </a:rPr>
-              <a:t>仗</a:t>
-            </a:r>
-            <a:endParaRPr lang="zh-CN" altLang="en-US" sz="5400" b="1" dirty="0">
+              <a:t>直到飄揚全地球</a:t>
+            </a:r>
+            <a:endParaRPr lang="en-US" altLang="zh-TW" sz="6600" b="1" dirty="0">
               <a:solidFill>
                 <a:srgbClr val="660033"/>
               </a:solidFill>
@@ -6046,16 +7583,82 @@
           </a:p>
         </p:txBody>
       </p:sp>
+      <p:sp>
+        <p:nvSpPr>
+          <p:cNvPr id="3" name="TextBox 2"/>
+          <p:cNvSpPr txBox="1"/>
+          <p:nvPr/>
+        </p:nvSpPr>
+        <p:spPr>
+          <a:xfrm>
+            <a:off x="0" y="5061182"/>
+            <a:ext cx="12192000" cy="800215"/>
+          </a:xfrm>
+          <a:prstGeom prst="rect">
+            <a:avLst/>
+          </a:prstGeom>
+          <a:noFill/>
+        </p:spPr>
+        <p:txBody>
+          <a:bodyPr wrap="square" lIns="121917" tIns="60958" rIns="121917" bIns="60958" rtlCol="0">
+            <a:spAutoFit/>
+          </a:bodyPr>
+          <a:lstStyle/>
+          <a:p>
+            <a:pPr algn="ctr"/>
+            <a:r>
+              <a:rPr lang="en-US" sz="4400" b="1" dirty="0" smtClean="0">
+                <a:solidFill>
+                  <a:srgbClr val="660033"/>
+                </a:solidFill>
+                <a:latin typeface="+mn-lt"/>
+              </a:rPr>
+              <a:t>( </a:t>
+            </a:r>
+            <a:r>
+              <a:rPr lang="en-US" sz="4400" b="1" dirty="0" smtClean="0">
+                <a:solidFill>
+                  <a:srgbClr val="660033"/>
+                </a:solidFill>
+                <a:latin typeface="+mn-lt"/>
+              </a:rPr>
+              <a:t>2 / 4 </a:t>
+            </a:r>
+            <a:r>
+              <a:rPr lang="en-US" sz="4400" b="1" dirty="0" smtClean="0">
+                <a:solidFill>
+                  <a:srgbClr val="660033"/>
+                </a:solidFill>
+                <a:latin typeface="+mn-lt"/>
+              </a:rPr>
+              <a:t>)</a:t>
+            </a:r>
+            <a:endParaRPr lang="vi-VN" sz="4400" b="1" dirty="0">
+              <a:solidFill>
+                <a:srgbClr val="660033"/>
+              </a:solidFill>
+              <a:latin typeface="+mn-lt"/>
+            </a:endParaRPr>
+          </a:p>
+        </p:txBody>
+      </p:sp>
     </p:spTree>
     <p:extLst>
       <p:ext uri="{BB962C8B-B14F-4D97-AF65-F5344CB8AC3E}">
-        <p14:creationId xmlns:p14="http://schemas.microsoft.com/office/powerpoint/2010/main" val="1724861029"/>
+        <p14:creationId xmlns:p14="http://schemas.microsoft.com/office/powerpoint/2010/main" xmlns="" val="1407003638"/>
       </p:ext>
     </p:extLst>
   </p:cSld>
   <p:clrMapOvr>
     <a:masterClrMapping/>
   </p:clrMapOvr>
+  <p:timing>
+    <p:tnLst>
+      <p:par>
+        <p:cTn id="1" dur="indefinite" restart="never" nodeType="tmRoot"/>
+      </p:par>
+    </p:tnLst>
+  </p:timing>
 </p:sld>
 </file>
 
@@ -6341,7 +7944,7 @@
   <a:extraClrSchemeLst/>
   <a:extLst>
     <a:ext uri="{05A4C25C-085E-4340-85A3-A5531E510DB2}">
-      <thm15:themeFamily xmlns:thm15="http://schemas.microsoft.com/office/thememl/2012/main" name="Theme1" id="{1A8DE197-990E-4893-BF04-3823FBB50F9A}" vid="{430B7048-5A04-4BDB-939A-C7E865DB887B}"/>
+      <thm15:themeFamily xmlns:thm15="http://schemas.microsoft.com/office/thememl/2012/main" xmlns="" name="Theme1" id="{1A8DE197-990E-4893-BF04-3823FBB50F9A}" vid="{430B7048-5A04-4BDB-939A-C7E865DB887B}"/>
     </a:ext>
   </a:extLst>
 </a:theme>
@@ -6629,7 +8232,7 @@
   <a:extraClrSchemeLst/>
   <a:extLst>
     <a:ext uri="{05A4C25C-085E-4340-85A3-A5531E510DB2}">
-      <thm15:themeFamily xmlns:thm15="http://schemas.microsoft.com/office/thememl/2012/main" name="Office Theme" id="{62F939B6-93AF-4DB8-9C6B-D6C7DFDC589F}" vid="{4A3C46E8-61CC-4603-A589-7422A47A8E4A}"/>
+      <thm15:themeFamily xmlns:thm15="http://schemas.microsoft.com/office/thememl/2012/main" xmlns="" name="Office Theme" id="{62F939B6-93AF-4DB8-9C6B-D6C7DFDC589F}" vid="{4A3C46E8-61CC-4603-A589-7422A47A8E4A}"/>
     </a:ext>
   </a:extLst>
 </a:theme>
@@ -6890,7 +8493,7 @@
   <a:extraClrSchemeLst/>
   <a:extLst>
     <a:ext uri="{05A4C25C-085E-4340-85A3-A5531E510DB2}">
-      <thm15:themeFamily xmlns:thm15="http://schemas.microsoft.com/office/thememl/2012/main" name="Office Theme" id="{62F939B6-93AF-4DB8-9C6B-D6C7DFDC589F}" vid="{4A3C46E8-61CC-4603-A589-7422A47A8E4A}"/>
+      <thm15:themeFamily xmlns:thm15="http://schemas.microsoft.com/office/thememl/2012/main" xmlns="" name="Office Theme" id="{62F939B6-93AF-4DB8-9C6B-D6C7DFDC589F}" vid="{4A3C46E8-61CC-4603-A589-7422A47A8E4A}"/>
     </a:ext>
   </a:extLst>
 </a:theme>
